--- a/images/diagrams.pptx
+++ b/images/diagrams.pptx
@@ -8,14 +8,17 @@
     <p:sldMasterId id="2147483941" r:id="rId4"/>
   </p:sldMasterIdLst>
   <p:notesMasterIdLst>
-    <p:notesMasterId r:id="rId7"/>
+    <p:notesMasterId r:id="rId10"/>
   </p:notesMasterIdLst>
   <p:handoutMasterIdLst>
-    <p:handoutMasterId r:id="rId8"/>
+    <p:handoutMasterId r:id="rId11"/>
   </p:handoutMasterIdLst>
   <p:sldIdLst>
     <p:sldId id="256" r:id="rId5"/>
     <p:sldId id="257" r:id="rId6"/>
+    <p:sldId id="258" r:id="rId7"/>
+    <p:sldId id="259" r:id="rId8"/>
+    <p:sldId id="260" r:id="rId9"/>
   </p:sldIdLst>
   <p:sldSz cx="9144000" cy="5143500" type="screen16x9"/>
   <p:notesSz cx="6858000" cy="9144000"/>
@@ -249,7 +252,7 @@
                 <a:cs typeface="メイリオ"/>
               </a:rPr>
               <a:pPr/>
-              <a:t>17/11/28</a:t>
+              <a:t>17/11/29</a:t>
             </a:fld>
             <a:endParaRPr lang="ja-JP" altLang="en-US">
               <a:latin typeface="メイリオ"/>
@@ -459,7 +462,7 @@
             <a:fld id="{2D00D84D-4674-3C43-80ED-0736C6E28626}" type="datetime1">
               <a:rPr lang="ja-JP" altLang="en-US" smtClean="0"/>
               <a:pPr/>
-              <a:t>17/11/28</a:t>
+              <a:t>17/11/29</a:t>
             </a:fld>
             <a:endParaRPr lang="ja-JP" altLang="en-US"/>
           </a:p>
@@ -12366,6 +12369,1820 @@
 </p:sld>
 </file>
 
+<file path=ppt/slides/slide3.xml><?xml version="1.0" encoding="utf-8"?>
+<p:sld xmlns:a="http://schemas.openxmlformats.org/drawingml/2006/main" xmlns:r="http://schemas.openxmlformats.org/officeDocument/2006/relationships" xmlns:p="http://schemas.openxmlformats.org/presentationml/2006/main">
+  <p:cSld>
+    <p:spTree>
+      <p:nvGrpSpPr>
+        <p:cNvPr id="1" name=""/>
+        <p:cNvGrpSpPr/>
+        <p:nvPr/>
+      </p:nvGrpSpPr>
+      <p:grpSpPr>
+        <a:xfrm>
+          <a:off x="0" y="0"/>
+          <a:ext cx="0" cy="0"/>
+          <a:chOff x="0" y="0"/>
+          <a:chExt cx="0" cy="0"/>
+        </a:xfrm>
+      </p:grpSpPr>
+      <p:sp>
+        <p:nvSpPr>
+          <p:cNvPr id="4" name="コンテンツ プレースホルダー 3"/>
+          <p:cNvSpPr>
+            <a:spLocks noGrp="1"/>
+          </p:cNvSpPr>
+          <p:nvPr>
+            <p:ph idx="1"/>
+          </p:nvPr>
+        </p:nvSpPr>
+        <p:spPr/>
+        <p:txBody>
+          <a:bodyPr/>
+          <a:lstStyle/>
+          <a:p>
+            <a:r>
+              <a:rPr kumimoji="1" lang="en-US" altLang="ja-JP" dirty="0"/>
+              <a:t>https://</a:t>
+            </a:r>
+            <a:r>
+              <a:rPr kumimoji="1" lang="en-US" altLang="ja-JP" dirty="0" err="1"/>
+              <a:t>azuremarketplace.microsoft.com</a:t>
+            </a:r>
+            <a:r>
+              <a:rPr kumimoji="1" lang="en-US" altLang="ja-JP" dirty="0"/>
+              <a:t>/</a:t>
+            </a:r>
+            <a:r>
+              <a:rPr kumimoji="1" lang="en-US" altLang="ja-JP" dirty="0" err="1"/>
+              <a:t>ja-jp</a:t>
+            </a:r>
+            <a:r>
+              <a:rPr kumimoji="1" lang="en-US" altLang="ja-JP" dirty="0"/>
+              <a:t>/marketplace</a:t>
+            </a:r>
+            <a:r>
+              <a:rPr kumimoji="1" lang="en-US" altLang="ja-JP" dirty="0" smtClean="0"/>
+              <a:t>/</a:t>
+            </a:r>
+          </a:p>
+          <a:p>
+            <a:r>
+              <a:rPr kumimoji="1" lang="ja-JP" altLang="en-US" dirty="0" smtClean="0"/>
+              <a:t>ログイン</a:t>
+            </a:r>
+            <a:endParaRPr kumimoji="1" lang="en-US" altLang="ja-JP" dirty="0" smtClean="0"/>
+          </a:p>
+          <a:p>
+            <a:r>
+              <a:rPr kumimoji="1" lang="ja-JP" altLang="en-US" dirty="0" smtClean="0"/>
+              <a:t>検索フィールドに「</a:t>
+            </a:r>
+            <a:r>
+              <a:rPr kumimoji="1" lang="en-US" altLang="ja-JP" dirty="0" err="1" smtClean="0"/>
+              <a:t>openshift</a:t>
+            </a:r>
+            <a:r>
+              <a:rPr kumimoji="1" lang="ja-JP" altLang="en-US" dirty="0" smtClean="0"/>
+              <a:t>」と入力して検索</a:t>
+            </a:r>
+            <a:endParaRPr kumimoji="1" lang="en-US" altLang="ja-JP" dirty="0" smtClean="0"/>
+          </a:p>
+          <a:p>
+            <a:endParaRPr kumimoji="1" lang="en-US" altLang="ja-JP" dirty="0"/>
+          </a:p>
+          <a:p>
+            <a:endParaRPr kumimoji="1" lang="ja-JP" altLang="en-US" dirty="0"/>
+          </a:p>
+        </p:txBody>
+      </p:sp>
+      <p:sp>
+        <p:nvSpPr>
+          <p:cNvPr id="3" name="タイトル 2"/>
+          <p:cNvSpPr>
+            <a:spLocks noGrp="1"/>
+          </p:cNvSpPr>
+          <p:nvPr>
+            <p:ph type="title"/>
+          </p:nvPr>
+        </p:nvSpPr>
+        <p:spPr/>
+        <p:txBody>
+          <a:bodyPr/>
+          <a:lstStyle/>
+          <a:p>
+            <a:endParaRPr kumimoji="1" lang="ja-JP" altLang="en-US"/>
+          </a:p>
+        </p:txBody>
+      </p:sp>
+      <p:pic>
+        <p:nvPicPr>
+          <p:cNvPr id="5" name="図 4" descr="スクリーンショット 2017-11-29 11.03.44.png"/>
+          <p:cNvPicPr>
+            <a:picLocks noChangeAspect="1"/>
+          </p:cNvPicPr>
+          <p:nvPr/>
+        </p:nvPicPr>
+        <p:blipFill>
+          <a:blip r:embed="rId2">
+            <a:extLst>
+              <a:ext uri="{28A0092B-C50C-407E-A947-70E740481C1C}">
+                <a14:useLocalDpi xmlns:a14="http://schemas.microsoft.com/office/drawing/2010/main" val="0"/>
+              </a:ext>
+            </a:extLst>
+          </a:blip>
+          <a:stretch>
+            <a:fillRect/>
+          </a:stretch>
+        </p:blipFill>
+        <p:spPr>
+          <a:xfrm>
+            <a:off x="1187624" y="2139702"/>
+            <a:ext cx="2147144" cy="1995686"/>
+          </a:xfrm>
+          <a:prstGeom prst="rect">
+            <a:avLst/>
+          </a:prstGeom>
+        </p:spPr>
+      </p:pic>
+      <p:pic>
+        <p:nvPicPr>
+          <p:cNvPr id="6" name="図 5" descr="スクリーンショット 2017-11-29 11.04.42.png"/>
+          <p:cNvPicPr>
+            <a:picLocks noChangeAspect="1"/>
+          </p:cNvPicPr>
+          <p:nvPr/>
+        </p:nvPicPr>
+        <p:blipFill>
+          <a:blip r:embed="rId3">
+            <a:extLst>
+              <a:ext uri="{28A0092B-C50C-407E-A947-70E740481C1C}">
+                <a14:useLocalDpi xmlns:a14="http://schemas.microsoft.com/office/drawing/2010/main" val="0"/>
+              </a:ext>
+            </a:extLst>
+          </a:blip>
+          <a:stretch>
+            <a:fillRect/>
+          </a:stretch>
+        </p:blipFill>
+        <p:spPr>
+          <a:xfrm>
+            <a:off x="3563888" y="2355726"/>
+            <a:ext cx="2195736" cy="1161685"/>
+          </a:xfrm>
+          <a:prstGeom prst="rect">
+            <a:avLst/>
+          </a:prstGeom>
+        </p:spPr>
+      </p:pic>
+      <p:pic>
+        <p:nvPicPr>
+          <p:cNvPr id="7" name="図 6" descr="スクリーンショット 2017-11-29 11.07.34.png"/>
+          <p:cNvPicPr>
+            <a:picLocks noChangeAspect="1"/>
+          </p:cNvPicPr>
+          <p:nvPr/>
+        </p:nvPicPr>
+        <p:blipFill>
+          <a:blip r:embed="rId4">
+            <a:extLst>
+              <a:ext uri="{28A0092B-C50C-407E-A947-70E740481C1C}">
+                <a14:useLocalDpi xmlns:a14="http://schemas.microsoft.com/office/drawing/2010/main" val="0"/>
+              </a:ext>
+            </a:extLst>
+          </a:blip>
+          <a:stretch>
+            <a:fillRect/>
+          </a:stretch>
+        </p:blipFill>
+        <p:spPr>
+          <a:xfrm>
+            <a:off x="6070403" y="2139702"/>
+            <a:ext cx="3072845" cy="1797115"/>
+          </a:xfrm>
+          <a:prstGeom prst="rect">
+            <a:avLst/>
+          </a:prstGeom>
+        </p:spPr>
+      </p:pic>
+    </p:spTree>
+    <p:extLst>
+      <p:ext uri="{BB962C8B-B14F-4D97-AF65-F5344CB8AC3E}">
+        <p14:creationId xmlns:p14="http://schemas.microsoft.com/office/powerpoint/2010/main" val="522759856"/>
+      </p:ext>
+    </p:extLst>
+  </p:cSld>
+  <p:clrMapOvr>
+    <a:masterClrMapping/>
+  </p:clrMapOvr>
+</p:sld>
+</file>
+
+<file path=ppt/slides/slide4.xml><?xml version="1.0" encoding="utf-8"?>
+<p:sld xmlns:a="http://schemas.openxmlformats.org/drawingml/2006/main" xmlns:r="http://schemas.openxmlformats.org/officeDocument/2006/relationships" xmlns:p="http://schemas.openxmlformats.org/presentationml/2006/main">
+  <p:cSld>
+    <p:spTree>
+      <p:nvGrpSpPr>
+        <p:cNvPr id="1" name=""/>
+        <p:cNvGrpSpPr/>
+        <p:nvPr/>
+      </p:nvGrpSpPr>
+      <p:grpSpPr>
+        <a:xfrm>
+          <a:off x="0" y="0"/>
+          <a:ext cx="0" cy="0"/>
+          <a:chOff x="0" y="0"/>
+          <a:chExt cx="0" cy="0"/>
+        </a:xfrm>
+      </p:grpSpPr>
+      <p:sp>
+        <p:nvSpPr>
+          <p:cNvPr id="2" name="フッター プレースホルダー 1"/>
+          <p:cNvSpPr>
+            <a:spLocks noGrp="1"/>
+          </p:cNvSpPr>
+          <p:nvPr>
+            <p:ph type="ftr" sz="quarter" idx="10"/>
+          </p:nvPr>
+        </p:nvSpPr>
+        <p:spPr/>
+        <p:txBody>
+          <a:bodyPr/>
+          <a:lstStyle/>
+          <a:p>
+            <a:r>
+              <a:rPr lang="en-US" altLang="ja-JP" smtClean="0"/>
+              <a:t>Copyright@2017, Red Hat K.K. </a:t>
+            </a:r>
+            <a:endParaRPr lang="ja-JP" altLang="en-US" dirty="0">
+              <a:latin typeface="Arial" charset="0"/>
+              <a:ea typeface="ＭＳ ゴシック" charset="0"/>
+              <a:cs typeface="ＭＳ ゴシック" charset="0"/>
+            </a:endParaRPr>
+          </a:p>
+        </p:txBody>
+      </p:sp>
+      <p:sp>
+        <p:nvSpPr>
+          <p:cNvPr id="3" name="スライド番号プレースホルダー 2"/>
+          <p:cNvSpPr>
+            <a:spLocks noGrp="1"/>
+          </p:cNvSpPr>
+          <p:nvPr>
+            <p:ph type="sldNum" sz="quarter" idx="11"/>
+          </p:nvPr>
+        </p:nvSpPr>
+        <p:spPr/>
+        <p:txBody>
+          <a:bodyPr/>
+          <a:lstStyle/>
+          <a:p>
+            <a:fld id="{92478E15-1A92-8C42-BB8E-DC52EDC0C8F3}" type="slidenum">
+              <a:rPr lang="ja-JP" altLang="en-US" smtClean="0"/>
+              <a:pPr/>
+              <a:t>4</a:t>
+            </a:fld>
+            <a:endParaRPr lang="ja-JP" altLang="en-US"/>
+          </a:p>
+        </p:txBody>
+      </p:sp>
+      <p:grpSp>
+        <p:nvGrpSpPr>
+          <p:cNvPr id="4" name="図形グループ 3"/>
+          <p:cNvGrpSpPr/>
+          <p:nvPr/>
+        </p:nvGrpSpPr>
+        <p:grpSpPr>
+          <a:xfrm>
+            <a:off x="3419872" y="1491630"/>
+            <a:ext cx="3024336" cy="2498140"/>
+            <a:chOff x="899592" y="1729794"/>
+            <a:chExt cx="3024336" cy="2498140"/>
+          </a:xfrm>
+        </p:grpSpPr>
+        <p:grpSp>
+          <p:nvGrpSpPr>
+            <p:cNvPr id="5" name="図形グループ 4"/>
+            <p:cNvGrpSpPr/>
+            <p:nvPr/>
+          </p:nvGrpSpPr>
+          <p:grpSpPr>
+            <a:xfrm>
+              <a:off x="1691680" y="3651870"/>
+              <a:ext cx="372770" cy="576064"/>
+              <a:chOff x="1306228" y="1995687"/>
+              <a:chExt cx="372770" cy="576064"/>
+            </a:xfrm>
+          </p:grpSpPr>
+          <p:sp>
+            <p:nvSpPr>
+              <p:cNvPr id="16" name="角丸四角形 15"/>
+              <p:cNvSpPr/>
+              <p:nvPr/>
+            </p:nvSpPr>
+            <p:spPr>
+              <a:xfrm>
+                <a:off x="1306228" y="1995687"/>
+                <a:ext cx="372770" cy="576064"/>
+              </a:xfrm>
+              <a:prstGeom prst="roundRect">
+                <a:avLst>
+                  <a:gd name="adj" fmla="val 29360"/>
+                </a:avLst>
+              </a:prstGeom>
+              <a:solidFill>
+                <a:schemeClr val="bg1">
+                  <a:lumMod val="85000"/>
+                </a:schemeClr>
+              </a:solidFill>
+              <a:ln>
+                <a:solidFill>
+                  <a:schemeClr val="bg2"/>
+                </a:solidFill>
+              </a:ln>
+              <a:effectLst/>
+            </p:spPr>
+            <p:style>
+              <a:lnRef idx="1">
+                <a:schemeClr val="accent1"/>
+              </a:lnRef>
+              <a:fillRef idx="3">
+                <a:schemeClr val="accent1"/>
+              </a:fillRef>
+              <a:effectRef idx="2">
+                <a:schemeClr val="accent1"/>
+              </a:effectRef>
+              <a:fontRef idx="minor">
+                <a:schemeClr val="lt1"/>
+              </a:fontRef>
+            </p:style>
+            <p:txBody>
+              <a:bodyPr wrap="none" tIns="0" bIns="0" anchor="t"/>
+              <a:lstStyle/>
+              <a:p>
+                <a:pPr algn="ctr">
+                  <a:defRPr/>
+                </a:pPr>
+                <a:r>
+                  <a:rPr kumimoji="1" lang="en-US" altLang="ja-JP" sz="1200" dirty="0" smtClean="0">
+                    <a:solidFill>
+                      <a:schemeClr val="tx1"/>
+                    </a:solidFill>
+                    <a:latin typeface="メイリオ"/>
+                    <a:ea typeface="メイリオ"/>
+                    <a:cs typeface="メイリオ"/>
+                  </a:rPr>
+                  <a:t>Pod</a:t>
+                </a:r>
+                <a:endParaRPr kumimoji="1" lang="ja-JP" altLang="en-US" sz="1200" dirty="0" err="1">
+                  <a:solidFill>
+                    <a:schemeClr val="tx1"/>
+                  </a:solidFill>
+                  <a:latin typeface="メイリオ"/>
+                  <a:ea typeface="メイリオ"/>
+                  <a:cs typeface="メイリオ"/>
+                </a:endParaRPr>
+              </a:p>
+            </p:txBody>
+          </p:sp>
+          <p:pic>
+            <p:nvPicPr>
+              <p:cNvPr id="17" name="図 16" descr="2000px-Tomcat-logo.svg.png"/>
+              <p:cNvPicPr>
+                <a:picLocks noChangeAspect="1"/>
+              </p:cNvPicPr>
+              <p:nvPr/>
+            </p:nvPicPr>
+            <p:blipFill>
+              <a:blip r:embed="rId2" cstate="print">
+                <a:extLst>
+                  <a:ext uri="{28A0092B-C50C-407E-A947-70E740481C1C}">
+                    <a14:useLocalDpi xmlns:a14="http://schemas.microsoft.com/office/drawing/2010/main" val="0"/>
+                  </a:ext>
+                </a:extLst>
+              </a:blip>
+              <a:stretch>
+                <a:fillRect/>
+              </a:stretch>
+            </p:blipFill>
+            <p:spPr>
+              <a:xfrm>
+                <a:off x="1375745" y="2284678"/>
+                <a:ext cx="233736" cy="155786"/>
+              </a:xfrm>
+              <a:prstGeom prst="rect">
+                <a:avLst/>
+              </a:prstGeom>
+              <a:solidFill>
+                <a:schemeClr val="bg1"/>
+              </a:solidFill>
+              <a:ln>
+                <a:solidFill>
+                  <a:srgbClr val="A5000D"/>
+                </a:solidFill>
+              </a:ln>
+            </p:spPr>
+          </p:pic>
+        </p:grpSp>
+        <p:grpSp>
+          <p:nvGrpSpPr>
+            <p:cNvPr id="6" name="図形グループ 5"/>
+            <p:cNvGrpSpPr/>
+            <p:nvPr/>
+          </p:nvGrpSpPr>
+          <p:grpSpPr>
+            <a:xfrm>
+              <a:off x="2759070" y="3651870"/>
+              <a:ext cx="372770" cy="576064"/>
+              <a:chOff x="1979712" y="1995686"/>
+              <a:chExt cx="372770" cy="576064"/>
+            </a:xfrm>
+          </p:grpSpPr>
+          <p:sp>
+            <p:nvSpPr>
+              <p:cNvPr id="14" name="角丸四角形 13"/>
+              <p:cNvSpPr/>
+              <p:nvPr/>
+            </p:nvSpPr>
+            <p:spPr>
+              <a:xfrm>
+                <a:off x="1979712" y="1995686"/>
+                <a:ext cx="372770" cy="576064"/>
+              </a:xfrm>
+              <a:prstGeom prst="roundRect">
+                <a:avLst>
+                  <a:gd name="adj" fmla="val 29360"/>
+                </a:avLst>
+              </a:prstGeom>
+              <a:solidFill>
+                <a:schemeClr val="bg1">
+                  <a:lumMod val="85000"/>
+                </a:schemeClr>
+              </a:solidFill>
+              <a:ln>
+                <a:solidFill>
+                  <a:schemeClr val="bg2"/>
+                </a:solidFill>
+              </a:ln>
+              <a:effectLst/>
+            </p:spPr>
+            <p:style>
+              <a:lnRef idx="1">
+                <a:schemeClr val="accent1"/>
+              </a:lnRef>
+              <a:fillRef idx="3">
+                <a:schemeClr val="accent1"/>
+              </a:fillRef>
+              <a:effectRef idx="2">
+                <a:schemeClr val="accent1"/>
+              </a:effectRef>
+              <a:fontRef idx="minor">
+                <a:schemeClr val="lt1"/>
+              </a:fontRef>
+            </p:style>
+            <p:txBody>
+              <a:bodyPr wrap="none" tIns="0" bIns="0" anchor="t"/>
+              <a:lstStyle/>
+              <a:p>
+                <a:pPr algn="ctr">
+                  <a:defRPr/>
+                </a:pPr>
+                <a:r>
+                  <a:rPr kumimoji="1" lang="en-US" altLang="ja-JP" sz="1200" dirty="0" smtClean="0">
+                    <a:solidFill>
+                      <a:schemeClr val="tx1"/>
+                    </a:solidFill>
+                    <a:latin typeface="メイリオ"/>
+                    <a:ea typeface="メイリオ"/>
+                    <a:cs typeface="メイリオ"/>
+                  </a:rPr>
+                  <a:t>Pod</a:t>
+                </a:r>
+                <a:endParaRPr kumimoji="1" lang="ja-JP" altLang="en-US" sz="1200" dirty="0" err="1">
+                  <a:solidFill>
+                    <a:schemeClr val="tx1"/>
+                  </a:solidFill>
+                  <a:latin typeface="メイリオ"/>
+                  <a:ea typeface="メイリオ"/>
+                  <a:cs typeface="メイリオ"/>
+                </a:endParaRPr>
+              </a:p>
+            </p:txBody>
+          </p:sp>
+          <p:pic>
+            <p:nvPicPr>
+              <p:cNvPr id="15" name="図 14" descr="2000px-Tomcat-logo.svg.png"/>
+              <p:cNvPicPr>
+                <a:picLocks noChangeAspect="1"/>
+              </p:cNvPicPr>
+              <p:nvPr/>
+            </p:nvPicPr>
+            <p:blipFill>
+              <a:blip r:embed="rId2" cstate="print">
+                <a:extLst>
+                  <a:ext uri="{28A0092B-C50C-407E-A947-70E740481C1C}">
+                    <a14:useLocalDpi xmlns:a14="http://schemas.microsoft.com/office/drawing/2010/main" val="0"/>
+                  </a:ext>
+                </a:extLst>
+              </a:blip>
+              <a:stretch>
+                <a:fillRect/>
+              </a:stretch>
+            </p:blipFill>
+            <p:spPr>
+              <a:xfrm>
+                <a:off x="2049229" y="2284677"/>
+                <a:ext cx="233736" cy="155786"/>
+              </a:xfrm>
+              <a:prstGeom prst="rect">
+                <a:avLst/>
+              </a:prstGeom>
+              <a:solidFill>
+                <a:schemeClr val="bg1"/>
+              </a:solidFill>
+              <a:ln>
+                <a:solidFill>
+                  <a:srgbClr val="A5000D"/>
+                </a:solidFill>
+              </a:ln>
+            </p:spPr>
+          </p:pic>
+        </p:grpSp>
+        <p:sp>
+          <p:nvSpPr>
+            <p:cNvPr id="7" name="角丸四角形 6"/>
+            <p:cNvSpPr/>
+            <p:nvPr/>
+          </p:nvSpPr>
+          <p:spPr>
+            <a:xfrm>
+              <a:off x="1691680" y="3075806"/>
+              <a:ext cx="1440160" cy="288032"/>
+            </a:xfrm>
+            <a:prstGeom prst="roundRect">
+              <a:avLst>
+                <a:gd name="adj" fmla="val 29360"/>
+              </a:avLst>
+            </a:prstGeom>
+            <a:solidFill>
+              <a:srgbClr val="2DB6F8"/>
+            </a:solidFill>
+            <a:ln>
+              <a:solidFill>
+                <a:schemeClr val="bg2"/>
+              </a:solidFill>
+            </a:ln>
+            <a:effectLst/>
+          </p:spPr>
+          <p:style>
+            <a:lnRef idx="1">
+              <a:schemeClr val="accent1"/>
+            </a:lnRef>
+            <a:fillRef idx="3">
+              <a:schemeClr val="accent1"/>
+            </a:fillRef>
+            <a:effectRef idx="2">
+              <a:schemeClr val="accent1"/>
+            </a:effectRef>
+            <a:fontRef idx="minor">
+              <a:schemeClr val="lt1"/>
+            </a:fontRef>
+          </p:style>
+          <p:txBody>
+            <a:bodyPr wrap="none" tIns="0" bIns="0" anchor="t"/>
+            <a:lstStyle/>
+            <a:p>
+              <a:pPr algn="ctr">
+                <a:defRPr/>
+              </a:pPr>
+              <a:r>
+                <a:rPr kumimoji="1" lang="en-US" altLang="ja-JP" sz="1200" dirty="0" smtClean="0">
+                  <a:solidFill>
+                    <a:schemeClr val="tx1"/>
+                  </a:solidFill>
+                  <a:latin typeface="メイリオ"/>
+                  <a:ea typeface="メイリオ"/>
+                  <a:cs typeface="メイリオ"/>
+                </a:rPr>
+                <a:t>service "frontend"</a:t>
+              </a:r>
+              <a:endParaRPr kumimoji="1" lang="ja-JP" altLang="en-US" sz="1200" dirty="0" err="1">
+                <a:solidFill>
+                  <a:schemeClr val="tx1"/>
+                </a:solidFill>
+                <a:latin typeface="メイリオ"/>
+                <a:ea typeface="メイリオ"/>
+                <a:cs typeface="メイリオ"/>
+              </a:endParaRPr>
+            </a:p>
+          </p:txBody>
+        </p:sp>
+        <p:cxnSp>
+          <p:nvCxnSpPr>
+            <p:cNvPr id="8" name="カギ線コネクタ 7"/>
+            <p:cNvCxnSpPr>
+              <a:stCxn id="7" idx="2"/>
+              <a:endCxn id="16" idx="0"/>
+            </p:cNvCxnSpPr>
+            <p:nvPr/>
+          </p:nvCxnSpPr>
+          <p:spPr>
+            <a:xfrm rot="5400000">
+              <a:off x="2000897" y="3241007"/>
+              <a:ext cx="288032" cy="533695"/>
+            </a:xfrm>
+            <a:prstGeom prst="bentConnector3">
+              <a:avLst/>
+            </a:prstGeom>
+            <a:ln>
+              <a:solidFill>
+                <a:schemeClr val="tx1"/>
+              </a:solidFill>
+            </a:ln>
+            <a:effectLst/>
+          </p:spPr>
+          <p:style>
+            <a:lnRef idx="2">
+              <a:schemeClr val="accent1"/>
+            </a:lnRef>
+            <a:fillRef idx="0">
+              <a:schemeClr val="accent1"/>
+            </a:fillRef>
+            <a:effectRef idx="1">
+              <a:schemeClr val="accent1"/>
+            </a:effectRef>
+            <a:fontRef idx="minor">
+              <a:schemeClr val="tx1"/>
+            </a:fontRef>
+          </p:style>
+        </p:cxnSp>
+        <p:cxnSp>
+          <p:nvCxnSpPr>
+            <p:cNvPr id="9" name="カギ線コネクタ 8"/>
+            <p:cNvCxnSpPr>
+              <a:stCxn id="7" idx="2"/>
+              <a:endCxn id="14" idx="0"/>
+            </p:cNvCxnSpPr>
+            <p:nvPr/>
+          </p:nvCxnSpPr>
+          <p:spPr>
+            <a:xfrm rot="16200000" flipH="1">
+              <a:off x="2534591" y="3241006"/>
+              <a:ext cx="288032" cy="533695"/>
+            </a:xfrm>
+            <a:prstGeom prst="bentConnector3">
+              <a:avLst/>
+            </a:prstGeom>
+            <a:ln>
+              <a:solidFill>
+                <a:schemeClr val="tx1"/>
+              </a:solidFill>
+            </a:ln>
+            <a:effectLst/>
+          </p:spPr>
+          <p:style>
+            <a:lnRef idx="2">
+              <a:schemeClr val="accent1"/>
+            </a:lnRef>
+            <a:fillRef idx="0">
+              <a:schemeClr val="accent1"/>
+            </a:fillRef>
+            <a:effectRef idx="1">
+              <a:schemeClr val="accent1"/>
+            </a:effectRef>
+            <a:fontRef idx="minor">
+              <a:schemeClr val="tx1"/>
+            </a:fontRef>
+          </p:style>
+        </p:cxnSp>
+        <p:sp>
+          <p:nvSpPr>
+            <p:cNvPr id="10" name="角丸四角形 9"/>
+            <p:cNvSpPr/>
+            <p:nvPr/>
+          </p:nvSpPr>
+          <p:spPr>
+            <a:xfrm>
+              <a:off x="899592" y="2643758"/>
+              <a:ext cx="3024336" cy="288032"/>
+            </a:xfrm>
+            <a:prstGeom prst="roundRect">
+              <a:avLst>
+                <a:gd name="adj" fmla="val 29360"/>
+              </a:avLst>
+            </a:prstGeom>
+            <a:solidFill>
+              <a:srgbClr val="F66301"/>
+            </a:solidFill>
+            <a:ln>
+              <a:solidFill>
+                <a:schemeClr val="bg2"/>
+              </a:solidFill>
+            </a:ln>
+            <a:effectLst/>
+          </p:spPr>
+          <p:style>
+            <a:lnRef idx="1">
+              <a:schemeClr val="accent1"/>
+            </a:lnRef>
+            <a:fillRef idx="3">
+              <a:schemeClr val="accent1"/>
+            </a:fillRef>
+            <a:effectRef idx="2">
+              <a:schemeClr val="accent1"/>
+            </a:effectRef>
+            <a:fontRef idx="minor">
+              <a:schemeClr val="lt1"/>
+            </a:fontRef>
+          </p:style>
+          <p:txBody>
+            <a:bodyPr wrap="none" tIns="0" bIns="0" anchor="t"/>
+            <a:lstStyle/>
+            <a:p>
+              <a:pPr algn="ctr">
+                <a:defRPr/>
+              </a:pPr>
+              <a:r>
+                <a:rPr lang="en-US" altLang="ja-JP" sz="1200" dirty="0" smtClean="0">
+                  <a:solidFill>
+                    <a:schemeClr val="tx1"/>
+                  </a:solidFill>
+                  <a:latin typeface="メイリオ"/>
+                  <a:ea typeface="メイリオ"/>
+                  <a:cs typeface="メイリオ"/>
+                </a:rPr>
+                <a:t>route "http://</a:t>
+              </a:r>
+              <a:r>
+                <a:rPr lang="en-US" altLang="ja-JP" sz="1200" dirty="0" err="1" smtClean="0">
+                  <a:solidFill>
+                    <a:schemeClr val="tx1"/>
+                  </a:solidFill>
+                  <a:latin typeface="メイリオ"/>
+                  <a:ea typeface="メイリオ"/>
+                  <a:cs typeface="メイリオ"/>
+                </a:rPr>
+                <a:t>hello.apps.example.com</a:t>
+              </a:r>
+              <a:r>
+                <a:rPr lang="en-US" altLang="ja-JP" sz="1200" dirty="0" smtClean="0">
+                  <a:solidFill>
+                    <a:schemeClr val="tx1"/>
+                  </a:solidFill>
+                  <a:latin typeface="メイリオ"/>
+                  <a:ea typeface="メイリオ"/>
+                  <a:cs typeface="メイリオ"/>
+                </a:rPr>
+                <a:t>"</a:t>
+              </a:r>
+              <a:endParaRPr kumimoji="1" lang="ja-JP" altLang="en-US" sz="1200" dirty="0" err="1">
+                <a:solidFill>
+                  <a:schemeClr val="tx1"/>
+                </a:solidFill>
+                <a:latin typeface="メイリオ"/>
+                <a:ea typeface="メイリオ"/>
+                <a:cs typeface="メイリオ"/>
+              </a:endParaRPr>
+            </a:p>
+          </p:txBody>
+        </p:sp>
+        <p:cxnSp>
+          <p:nvCxnSpPr>
+            <p:cNvPr id="11" name="カギ線コネクタ 26"/>
+            <p:cNvCxnSpPr>
+              <a:stCxn id="10" idx="2"/>
+              <a:endCxn id="7" idx="0"/>
+            </p:cNvCxnSpPr>
+            <p:nvPr/>
+          </p:nvCxnSpPr>
+          <p:spPr>
+            <a:xfrm>
+              <a:off x="2411760" y="2931790"/>
+              <a:ext cx="0" cy="144016"/>
+            </a:xfrm>
+            <a:prstGeom prst="straightConnector1">
+              <a:avLst/>
+            </a:prstGeom>
+            <a:ln>
+              <a:solidFill>
+                <a:schemeClr val="tx1"/>
+              </a:solidFill>
+            </a:ln>
+            <a:effectLst/>
+          </p:spPr>
+          <p:style>
+            <a:lnRef idx="2">
+              <a:schemeClr val="accent1"/>
+            </a:lnRef>
+            <a:fillRef idx="0">
+              <a:schemeClr val="accent1"/>
+            </a:fillRef>
+            <a:effectRef idx="1">
+              <a:schemeClr val="accent1"/>
+            </a:effectRef>
+            <a:fontRef idx="minor">
+              <a:schemeClr val="tx1"/>
+            </a:fontRef>
+          </p:style>
+        </p:cxnSp>
+        <p:pic>
+          <p:nvPicPr>
+            <p:cNvPr id="12" name="図 6" descr="OpenShift.png"/>
+            <p:cNvPicPr>
+              <a:picLocks noChangeAspect="1"/>
+            </p:cNvPicPr>
+            <p:nvPr/>
+          </p:nvPicPr>
+          <p:blipFill>
+            <a:blip r:embed="rId3">
+              <a:extLst>
+                <a:ext uri="{28A0092B-C50C-407E-A947-70E740481C1C}">
+                  <a14:useLocalDpi xmlns:a14="http://schemas.microsoft.com/office/drawing/2010/main" val="0"/>
+                </a:ext>
+              </a:extLst>
+            </a:blip>
+            <a:srcRect/>
+            <a:stretch>
+              <a:fillRect/>
+            </a:stretch>
+          </p:blipFill>
+          <p:spPr bwMode="auto">
+            <a:xfrm>
+              <a:off x="2051720" y="1729794"/>
+              <a:ext cx="720080" cy="769948"/>
+            </a:xfrm>
+            <a:prstGeom prst="rect">
+              <a:avLst/>
+            </a:prstGeom>
+            <a:noFill/>
+            <a:ln>
+              <a:noFill/>
+            </a:ln>
+            <a:scene3d>
+              <a:camera prst="orthographicFront">
+                <a:rot lat="0" lon="0" rev="0"/>
+              </a:camera>
+              <a:lightRig rig="threePt" dir="t"/>
+            </a:scene3d>
+            <a:extLst>
+              <a:ext uri="{909E8E84-426E-40dd-AFC4-6F175D3DCCD1}">
+                <a14:hiddenFill xmlns:a14="http://schemas.microsoft.com/office/drawing/2010/main">
+                  <a:solidFill>
+                    <a:srgbClr val="FFFFFF"/>
+                  </a:solidFill>
+                </a14:hiddenFill>
+              </a:ext>
+              <a:ext uri="{91240B29-F687-4f45-9708-019B960494DF}">
+                <a14:hiddenLine xmlns:a14="http://schemas.microsoft.com/office/drawing/2010/main" w="9525">
+                  <a:solidFill>
+                    <a:srgbClr val="000000"/>
+                  </a:solidFill>
+                  <a:miter lim="800000"/>
+                  <a:headEnd/>
+                  <a:tailEnd/>
+                </a14:hiddenLine>
+              </a:ext>
+            </a:extLst>
+          </p:spPr>
+        </p:pic>
+        <p:cxnSp>
+          <p:nvCxnSpPr>
+            <p:cNvPr id="13" name="カギ線コネクタ 26"/>
+            <p:cNvCxnSpPr>
+              <a:stCxn id="12" idx="2"/>
+              <a:endCxn id="10" idx="0"/>
+            </p:cNvCxnSpPr>
+            <p:nvPr/>
+          </p:nvCxnSpPr>
+          <p:spPr>
+            <a:xfrm>
+              <a:off x="2411760" y="2499742"/>
+              <a:ext cx="0" cy="144016"/>
+            </a:xfrm>
+            <a:prstGeom prst="straightConnector1">
+              <a:avLst/>
+            </a:prstGeom>
+            <a:ln>
+              <a:solidFill>
+                <a:schemeClr val="tx1"/>
+              </a:solidFill>
+            </a:ln>
+            <a:effectLst/>
+          </p:spPr>
+          <p:style>
+            <a:lnRef idx="2">
+              <a:schemeClr val="accent1"/>
+            </a:lnRef>
+            <a:fillRef idx="0">
+              <a:schemeClr val="accent1"/>
+            </a:fillRef>
+            <a:effectRef idx="1">
+              <a:schemeClr val="accent1"/>
+            </a:effectRef>
+            <a:fontRef idx="minor">
+              <a:schemeClr val="tx1"/>
+            </a:fontRef>
+          </p:style>
+        </p:cxnSp>
+      </p:grpSp>
+    </p:spTree>
+    <p:extLst>
+      <p:ext uri="{BB962C8B-B14F-4D97-AF65-F5344CB8AC3E}">
+        <p14:creationId xmlns:p14="http://schemas.microsoft.com/office/powerpoint/2010/main" val="2337220905"/>
+      </p:ext>
+    </p:extLst>
+  </p:cSld>
+  <p:clrMapOvr>
+    <a:masterClrMapping/>
+  </p:clrMapOvr>
+</p:sld>
+</file>
+
+<file path=ppt/slides/slide5.xml><?xml version="1.0" encoding="utf-8"?>
+<p:sld xmlns:a="http://schemas.openxmlformats.org/drawingml/2006/main" xmlns:r="http://schemas.openxmlformats.org/officeDocument/2006/relationships" xmlns:p="http://schemas.openxmlformats.org/presentationml/2006/main">
+  <p:cSld>
+    <p:spTree>
+      <p:nvGrpSpPr>
+        <p:cNvPr id="1" name=""/>
+        <p:cNvGrpSpPr/>
+        <p:nvPr/>
+      </p:nvGrpSpPr>
+      <p:grpSpPr>
+        <a:xfrm>
+          <a:off x="0" y="0"/>
+          <a:ext cx="0" cy="0"/>
+          <a:chOff x="0" y="0"/>
+          <a:chExt cx="0" cy="0"/>
+        </a:xfrm>
+      </p:grpSpPr>
+      <p:sp>
+        <p:nvSpPr>
+          <p:cNvPr id="2" name="フッター プレースホルダー 1"/>
+          <p:cNvSpPr>
+            <a:spLocks noGrp="1"/>
+          </p:cNvSpPr>
+          <p:nvPr>
+            <p:ph type="ftr" sz="quarter" idx="10"/>
+          </p:nvPr>
+        </p:nvSpPr>
+        <p:spPr/>
+        <p:txBody>
+          <a:bodyPr/>
+          <a:lstStyle/>
+          <a:p>
+            <a:r>
+              <a:rPr lang="en-US" altLang="ja-JP" smtClean="0"/>
+              <a:t>Copyright@2017, Red Hat K.K. </a:t>
+            </a:r>
+            <a:endParaRPr lang="ja-JP" altLang="en-US" dirty="0">
+              <a:latin typeface="Arial" charset="0"/>
+              <a:ea typeface="ＭＳ ゴシック" charset="0"/>
+              <a:cs typeface="ＭＳ ゴシック" charset="0"/>
+            </a:endParaRPr>
+          </a:p>
+        </p:txBody>
+      </p:sp>
+      <p:sp>
+        <p:nvSpPr>
+          <p:cNvPr id="3" name="スライド番号プレースホルダー 2"/>
+          <p:cNvSpPr>
+            <a:spLocks noGrp="1"/>
+          </p:cNvSpPr>
+          <p:nvPr>
+            <p:ph type="sldNum" sz="quarter" idx="11"/>
+          </p:nvPr>
+        </p:nvSpPr>
+        <p:spPr/>
+        <p:txBody>
+          <a:bodyPr/>
+          <a:lstStyle/>
+          <a:p>
+            <a:fld id="{92478E15-1A92-8C42-BB8E-DC52EDC0C8F3}" type="slidenum">
+              <a:rPr lang="ja-JP" altLang="en-US" smtClean="0"/>
+              <a:pPr/>
+              <a:t>5</a:t>
+            </a:fld>
+            <a:endParaRPr lang="ja-JP" altLang="en-US"/>
+          </a:p>
+        </p:txBody>
+      </p:sp>
+      <p:grpSp>
+        <p:nvGrpSpPr>
+          <p:cNvPr id="4" name="図形グループ 3"/>
+          <p:cNvGrpSpPr/>
+          <p:nvPr/>
+        </p:nvGrpSpPr>
+        <p:grpSpPr>
+          <a:xfrm>
+            <a:off x="3648472" y="3654574"/>
+            <a:ext cx="1359346" cy="806227"/>
+            <a:chOff x="5562600" y="3638550"/>
+            <a:chExt cx="1359346" cy="806227"/>
+          </a:xfrm>
+        </p:grpSpPr>
+        <p:pic>
+          <p:nvPicPr>
+            <p:cNvPr id="5" name="図 4" descr="note-8.png"/>
+            <p:cNvPicPr>
+              <a:picLocks noChangeAspect="1"/>
+            </p:cNvPicPr>
+            <p:nvPr/>
+          </p:nvPicPr>
+          <p:blipFill>
+            <a:blip r:embed="rId2">
+              <a:extLst>
+                <a:ext uri="{28A0092B-C50C-407E-A947-70E740481C1C}">
+                  <a14:useLocalDpi xmlns:a14="http://schemas.microsoft.com/office/drawing/2010/main" val="0"/>
+                </a:ext>
+              </a:extLst>
+            </a:blip>
+            <a:stretch>
+              <a:fillRect/>
+            </a:stretch>
+          </p:blipFill>
+          <p:spPr>
+            <a:xfrm>
+              <a:off x="5839160" y="3638550"/>
+              <a:ext cx="806227" cy="806227"/>
+            </a:xfrm>
+            <a:prstGeom prst="rect">
+              <a:avLst/>
+            </a:prstGeom>
+          </p:spPr>
+        </p:pic>
+        <p:sp>
+          <p:nvSpPr>
+            <p:cNvPr id="6" name="テキスト ボックス 5"/>
+            <p:cNvSpPr txBox="1"/>
+            <p:nvPr/>
+          </p:nvSpPr>
+          <p:spPr>
+            <a:xfrm>
+              <a:off x="5562600" y="3943350"/>
+              <a:ext cx="1359346" cy="452432"/>
+            </a:xfrm>
+            <a:prstGeom prst="rect">
+              <a:avLst/>
+            </a:prstGeom>
+            <a:solidFill>
+              <a:schemeClr val="bg1"/>
+            </a:solidFill>
+          </p:spPr>
+          <p:txBody>
+            <a:bodyPr wrap="none" lIns="0" tIns="0" rIns="0" bIns="0" rtlCol="0">
+              <a:spAutoFit/>
+            </a:bodyPr>
+            <a:lstStyle/>
+            <a:p>
+              <a:pPr algn="ctr">
+                <a:lnSpc>
+                  <a:spcPct val="80000"/>
+                </a:lnSpc>
+              </a:pPr>
+              <a:r>
+                <a:rPr kumimoji="1" lang="en-US" altLang="ja-JP" dirty="0" smtClean="0">
+                  <a:latin typeface="メイリオ"/>
+                  <a:ea typeface="メイリオ"/>
+                  <a:cs typeface="メイリオ"/>
+                </a:rPr>
+                <a:t>Deployment</a:t>
+              </a:r>
+            </a:p>
+            <a:p>
+              <a:pPr algn="ctr">
+                <a:lnSpc>
+                  <a:spcPct val="80000"/>
+                </a:lnSpc>
+              </a:pPr>
+              <a:r>
+                <a:rPr kumimoji="1" lang="en-US" altLang="ja-JP" dirty="0" err="1" smtClean="0">
+                  <a:latin typeface="メイリオ"/>
+                  <a:ea typeface="メイリオ"/>
+                  <a:cs typeface="メイリオ"/>
+                </a:rPr>
+                <a:t>Config</a:t>
+              </a:r>
+              <a:endParaRPr kumimoji="1" lang="ja-JP" altLang="en-US" dirty="0" smtClean="0">
+                <a:latin typeface="メイリオ"/>
+                <a:ea typeface="メイリオ"/>
+                <a:cs typeface="メイリオ"/>
+              </a:endParaRPr>
+            </a:p>
+          </p:txBody>
+        </p:sp>
+      </p:grpSp>
+      <p:sp>
+        <p:nvSpPr>
+          <p:cNvPr id="7" name="片側の 2 つの角を丸めた四角形 6"/>
+          <p:cNvSpPr/>
+          <p:nvPr/>
+        </p:nvSpPr>
+        <p:spPr>
+          <a:xfrm>
+            <a:off x="5705872" y="2511574"/>
+            <a:ext cx="838200" cy="762000"/>
+          </a:xfrm>
+          <a:prstGeom prst="round2SameRect">
+            <a:avLst>
+              <a:gd name="adj1" fmla="val 7568"/>
+              <a:gd name="adj2" fmla="val 0"/>
+            </a:avLst>
+          </a:prstGeom>
+          <a:noFill/>
+          <a:ln w="28575" cmpd="sng">
+            <a:solidFill>
+              <a:srgbClr val="CB0001"/>
+            </a:solidFill>
+          </a:ln>
+          <a:effectLst/>
+        </p:spPr>
+        <p:style>
+          <a:lnRef idx="1">
+            <a:schemeClr val="accent1"/>
+          </a:lnRef>
+          <a:fillRef idx="3">
+            <a:schemeClr val="accent1"/>
+          </a:fillRef>
+          <a:effectRef idx="2">
+            <a:schemeClr val="accent1"/>
+          </a:effectRef>
+          <a:fontRef idx="minor">
+            <a:schemeClr val="lt1"/>
+          </a:fontRef>
+        </p:style>
+        <p:txBody>
+          <a:bodyPr lIns="36000" tIns="0" rtlCol="0" anchor="t"/>
+          <a:lstStyle/>
+          <a:p>
+            <a:r>
+              <a:rPr kumimoji="1" lang="en-US" altLang="ja-JP" dirty="0" smtClean="0">
+                <a:solidFill>
+                  <a:schemeClr val="tx1"/>
+                </a:solidFill>
+              </a:rPr>
+              <a:t>Node</a:t>
+            </a:r>
+            <a:endParaRPr kumimoji="1" lang="ja-JP" altLang="en-US" dirty="0">
+              <a:solidFill>
+                <a:schemeClr val="tx1"/>
+              </a:solidFill>
+            </a:endParaRPr>
+          </a:p>
+        </p:txBody>
+      </p:sp>
+      <p:sp>
+        <p:nvSpPr>
+          <p:cNvPr id="8" name="角丸四角形 7"/>
+          <p:cNvSpPr/>
+          <p:nvPr/>
+        </p:nvSpPr>
+        <p:spPr>
+          <a:xfrm>
+            <a:off x="5172472" y="3806974"/>
+            <a:ext cx="1524000" cy="609600"/>
+          </a:xfrm>
+          <a:prstGeom prst="roundRect">
+            <a:avLst/>
+          </a:prstGeom>
+          <a:noFill/>
+          <a:effectLst/>
+        </p:spPr>
+        <p:style>
+          <a:lnRef idx="1">
+            <a:schemeClr val="accent1"/>
+          </a:lnRef>
+          <a:fillRef idx="3">
+            <a:schemeClr val="accent1"/>
+          </a:fillRef>
+          <a:effectRef idx="2">
+            <a:schemeClr val="accent1"/>
+          </a:effectRef>
+          <a:fontRef idx="minor">
+            <a:schemeClr val="lt1"/>
+          </a:fontRef>
+        </p:style>
+        <p:txBody>
+          <a:bodyPr rot="0" spcFirstLastPara="0" vertOverflow="overflow" horzOverflow="overflow" vert="horz" wrap="none" lIns="91440" tIns="45720" rIns="91440" bIns="45720" numCol="1" spcCol="0" rtlCol="0" fromWordArt="0" anchor="ctr" anchorCtr="0" forceAA="0" compatLnSpc="1">
+            <a:prstTxWarp prst="textNoShape">
+              <a:avLst/>
+            </a:prstTxWarp>
+            <a:noAutofit/>
+          </a:bodyPr>
+          <a:lstStyle/>
+          <a:p>
+            <a:pPr algn="ctr"/>
+            <a:r>
+              <a:rPr kumimoji="1" lang="en-US" altLang="ja-JP" sz="2000" dirty="0" smtClean="0">
+                <a:solidFill>
+                  <a:srgbClr val="000000"/>
+                </a:solidFill>
+                <a:latin typeface="メイリオ"/>
+                <a:ea typeface="メイリオ"/>
+                <a:cs typeface="メイリオ"/>
+              </a:rPr>
+              <a:t>Replication</a:t>
+            </a:r>
+          </a:p>
+          <a:p>
+            <a:pPr algn="ctr"/>
+            <a:r>
+              <a:rPr kumimoji="1" lang="en-US" altLang="ja-JP" sz="2000" dirty="0" smtClean="0">
+                <a:solidFill>
+                  <a:srgbClr val="000000"/>
+                </a:solidFill>
+                <a:latin typeface="メイリオ"/>
+                <a:ea typeface="メイリオ"/>
+                <a:cs typeface="メイリオ"/>
+              </a:rPr>
+              <a:t>Controller</a:t>
+            </a:r>
+            <a:endParaRPr kumimoji="1" lang="ja-JP" altLang="en-US" sz="2000" dirty="0">
+              <a:solidFill>
+                <a:srgbClr val="000000"/>
+              </a:solidFill>
+              <a:latin typeface="メイリオ"/>
+              <a:ea typeface="メイリオ"/>
+              <a:cs typeface="メイリオ"/>
+            </a:endParaRPr>
+          </a:p>
+        </p:txBody>
+      </p:sp>
+      <p:sp>
+        <p:nvSpPr>
+          <p:cNvPr id="9" name="片側の 2 つの角を丸めた四角形 8"/>
+          <p:cNvSpPr/>
+          <p:nvPr/>
+        </p:nvSpPr>
+        <p:spPr>
+          <a:xfrm>
+            <a:off x="5705872" y="1444774"/>
+            <a:ext cx="838200" cy="762000"/>
+          </a:xfrm>
+          <a:prstGeom prst="round2SameRect">
+            <a:avLst>
+              <a:gd name="adj1" fmla="val 7568"/>
+              <a:gd name="adj2" fmla="val 0"/>
+            </a:avLst>
+          </a:prstGeom>
+          <a:noFill/>
+          <a:ln w="28575" cmpd="sng">
+            <a:solidFill>
+              <a:srgbClr val="CB0001"/>
+            </a:solidFill>
+          </a:ln>
+          <a:effectLst/>
+        </p:spPr>
+        <p:style>
+          <a:lnRef idx="1">
+            <a:schemeClr val="accent1"/>
+          </a:lnRef>
+          <a:fillRef idx="3">
+            <a:schemeClr val="accent1"/>
+          </a:fillRef>
+          <a:effectRef idx="2">
+            <a:schemeClr val="accent1"/>
+          </a:effectRef>
+          <a:fontRef idx="minor">
+            <a:schemeClr val="lt1"/>
+          </a:fontRef>
+        </p:style>
+        <p:txBody>
+          <a:bodyPr lIns="36000" tIns="0" rtlCol="0" anchor="t"/>
+          <a:lstStyle/>
+          <a:p>
+            <a:r>
+              <a:rPr kumimoji="1" lang="en-US" altLang="ja-JP" dirty="0" smtClean="0">
+                <a:solidFill>
+                  <a:schemeClr val="tx1"/>
+                </a:solidFill>
+              </a:rPr>
+              <a:t>Node</a:t>
+            </a:r>
+            <a:endParaRPr kumimoji="1" lang="ja-JP" altLang="en-US" dirty="0">
+              <a:solidFill>
+                <a:schemeClr val="tx1"/>
+              </a:solidFill>
+            </a:endParaRPr>
+          </a:p>
+        </p:txBody>
+      </p:sp>
+      <p:grpSp>
+        <p:nvGrpSpPr>
+          <p:cNvPr id="10" name="図形グループ 9"/>
+          <p:cNvGrpSpPr>
+            <a:grpSpLocks noChangeAspect="1"/>
+          </p:cNvGrpSpPr>
+          <p:nvPr/>
+        </p:nvGrpSpPr>
+        <p:grpSpPr>
+          <a:xfrm>
+            <a:off x="5882045" y="2745879"/>
+            <a:ext cx="433427" cy="487680"/>
+            <a:chOff x="3782071" y="3795886"/>
+            <a:chExt cx="576064" cy="648080"/>
+          </a:xfrm>
+        </p:grpSpPr>
+        <p:pic>
+          <p:nvPicPr>
+            <p:cNvPr id="11" name="図 10"/>
+            <p:cNvPicPr>
+              <a:picLocks noChangeAspect="1"/>
+            </p:cNvPicPr>
+            <p:nvPr/>
+          </p:nvPicPr>
+          <p:blipFill rotWithShape="1">
+            <a:blip r:embed="rId3" cstate="print">
+              <a:duotone>
+                <a:schemeClr val="accent1">
+                  <a:shade val="45000"/>
+                  <a:satMod val="135000"/>
+                </a:schemeClr>
+                <a:prstClr val="white"/>
+              </a:duotone>
+              <a:extLst>
+                <a:ext uri="{28A0092B-C50C-407E-A947-70E740481C1C}">
+                  <a14:useLocalDpi xmlns:a14="http://schemas.microsoft.com/office/drawing/2010/main"/>
+                </a:ext>
+              </a:extLst>
+            </a:blip>
+            <a:srcRect/>
+            <a:stretch/>
+          </p:blipFill>
+          <p:spPr>
+            <a:xfrm>
+              <a:off x="3813756" y="3871106"/>
+              <a:ext cx="512694" cy="497639"/>
+            </a:xfrm>
+            <a:prstGeom prst="rect">
+              <a:avLst/>
+            </a:prstGeom>
+          </p:spPr>
+        </p:pic>
+        <p:sp>
+          <p:nvSpPr>
+            <p:cNvPr id="12" name="六角形 11"/>
+            <p:cNvSpPr/>
+            <p:nvPr/>
+          </p:nvSpPr>
+          <p:spPr>
+            <a:xfrm rot="5400000">
+              <a:off x="3746063" y="3831894"/>
+              <a:ext cx="648080" cy="576064"/>
+            </a:xfrm>
+            <a:prstGeom prst="hexagon">
+              <a:avLst/>
+            </a:prstGeom>
+            <a:noFill/>
+            <a:ln w="28575" cmpd="sng">
+              <a:solidFill>
+                <a:schemeClr val="bg1">
+                  <a:lumMod val="50000"/>
+                </a:schemeClr>
+              </a:solidFill>
+              <a:prstDash val="dash"/>
+            </a:ln>
+            <a:effectLst/>
+          </p:spPr>
+          <p:style>
+            <a:lnRef idx="2">
+              <a:schemeClr val="accent1"/>
+            </a:lnRef>
+            <a:fillRef idx="0">
+              <a:schemeClr val="accent1"/>
+            </a:fillRef>
+            <a:effectRef idx="1">
+              <a:schemeClr val="accent1"/>
+            </a:effectRef>
+            <a:fontRef idx="minor">
+              <a:schemeClr val="tx1"/>
+            </a:fontRef>
+          </p:style>
+          <p:txBody>
+            <a:bodyPr lIns="36000" rIns="36000" rtlCol="0" anchor="ctr">
+              <a:normAutofit fontScale="62500" lnSpcReduction="20000"/>
+            </a:bodyPr>
+            <a:lstStyle/>
+            <a:p>
+              <a:pPr algn="ctr"/>
+              <a:endParaRPr lang="ja-JP" altLang="en-US" sz="2400" dirty="0">
+                <a:latin typeface="メイリオ"/>
+                <a:ea typeface="メイリオ"/>
+                <a:cs typeface="メイリオ"/>
+              </a:endParaRPr>
+            </a:p>
+          </p:txBody>
+        </p:sp>
+      </p:grpSp>
+      <p:pic>
+        <p:nvPicPr>
+          <p:cNvPr id="13" name="図 12"/>
+          <p:cNvPicPr>
+            <a:picLocks noChangeAspect="1"/>
+          </p:cNvPicPr>
+          <p:nvPr/>
+        </p:nvPicPr>
+        <p:blipFill rotWithShape="1">
+          <a:blip r:embed="rId3" cstate="print">
+            <a:duotone>
+              <a:schemeClr val="accent1">
+                <a:shade val="45000"/>
+                <a:satMod val="135000"/>
+              </a:schemeClr>
+              <a:prstClr val="white"/>
+            </a:duotone>
+            <a:extLst>
+              <a:ext uri="{28A0092B-C50C-407E-A947-70E740481C1C}">
+                <a14:useLocalDpi xmlns:a14="http://schemas.microsoft.com/office/drawing/2010/main"/>
+              </a:ext>
+            </a:extLst>
+          </a:blip>
+          <a:srcRect/>
+          <a:stretch/>
+        </p:blipFill>
+        <p:spPr>
+          <a:xfrm>
+            <a:off x="2330910" y="2693830"/>
+            <a:ext cx="609600" cy="591779"/>
+          </a:xfrm>
+          <a:prstGeom prst="rect">
+            <a:avLst/>
+          </a:prstGeom>
+        </p:spPr>
+      </p:pic>
+      <p:sp>
+        <p:nvSpPr>
+          <p:cNvPr id="14" name="テキスト ボックス 13"/>
+          <p:cNvSpPr txBox="1"/>
+          <p:nvPr/>
+        </p:nvSpPr>
+        <p:spPr>
+          <a:xfrm>
+            <a:off x="1927749" y="3211426"/>
+            <a:ext cx="1415923" cy="595548"/>
+          </a:xfrm>
+          <a:prstGeom prst="rect">
+            <a:avLst/>
+          </a:prstGeom>
+          <a:noFill/>
+        </p:spPr>
+        <p:txBody>
+          <a:bodyPr wrap="none" rtlCol="0">
+            <a:spAutoFit/>
+          </a:bodyPr>
+          <a:lstStyle/>
+          <a:p>
+            <a:pPr algn="ctr">
+              <a:lnSpc>
+                <a:spcPct val="90000"/>
+              </a:lnSpc>
+            </a:pPr>
+            <a:r>
+              <a:rPr kumimoji="1" lang="en-US" altLang="ja-JP" dirty="0" smtClean="0">
+                <a:latin typeface="メイリオ"/>
+                <a:ea typeface="メイリオ"/>
+                <a:cs typeface="メイリオ"/>
+              </a:rPr>
+              <a:t>Application</a:t>
+            </a:r>
+          </a:p>
+          <a:p>
+            <a:pPr algn="ctr">
+              <a:lnSpc>
+                <a:spcPct val="90000"/>
+              </a:lnSpc>
+            </a:pPr>
+            <a:r>
+              <a:rPr kumimoji="1" lang="en-US" altLang="ja-JP" dirty="0" smtClean="0">
+                <a:latin typeface="メイリオ"/>
+                <a:ea typeface="メイリオ"/>
+                <a:cs typeface="メイリオ"/>
+              </a:rPr>
+              <a:t>Image</a:t>
+            </a:r>
+            <a:endParaRPr kumimoji="1" lang="ja-JP" altLang="en-US" dirty="0" smtClean="0">
+              <a:latin typeface="メイリオ"/>
+              <a:ea typeface="メイリオ"/>
+              <a:cs typeface="メイリオ"/>
+            </a:endParaRPr>
+          </a:p>
+        </p:txBody>
+      </p:sp>
+      <p:cxnSp>
+        <p:nvCxnSpPr>
+          <p:cNvPr id="15" name="直線矢印コネクタ 14"/>
+          <p:cNvCxnSpPr>
+            <a:stCxn id="13" idx="3"/>
+            <a:endCxn id="19" idx="1"/>
+          </p:cNvCxnSpPr>
+          <p:nvPr/>
+        </p:nvCxnSpPr>
+        <p:spPr>
+          <a:xfrm flipV="1">
+            <a:off x="2940510" y="2989719"/>
+            <a:ext cx="631762" cy="1"/>
+          </a:xfrm>
+          <a:prstGeom prst="straightConnector1">
+            <a:avLst/>
+          </a:prstGeom>
+          <a:ln>
+            <a:tailEnd type="arrow"/>
+          </a:ln>
+          <a:effectLst/>
+        </p:spPr>
+        <p:style>
+          <a:lnRef idx="2">
+            <a:schemeClr val="accent1"/>
+          </a:lnRef>
+          <a:fillRef idx="0">
+            <a:schemeClr val="accent1"/>
+          </a:fillRef>
+          <a:effectRef idx="1">
+            <a:schemeClr val="accent1"/>
+          </a:effectRef>
+          <a:fontRef idx="minor">
+            <a:schemeClr val="tx1"/>
+          </a:fontRef>
+        </p:style>
+      </p:cxnSp>
+      <p:sp>
+        <p:nvSpPr>
+          <p:cNvPr id="16" name="角丸四角形 15"/>
+          <p:cNvSpPr/>
+          <p:nvPr/>
+        </p:nvSpPr>
+        <p:spPr>
+          <a:xfrm>
+            <a:off x="3419872" y="987574"/>
+            <a:ext cx="3429000" cy="3505200"/>
+          </a:xfrm>
+          <a:prstGeom prst="roundRect">
+            <a:avLst>
+              <a:gd name="adj" fmla="val 4408"/>
+            </a:avLst>
+          </a:prstGeom>
+          <a:noFill/>
+          <a:effectLst/>
+        </p:spPr>
+        <p:style>
+          <a:lnRef idx="1">
+            <a:schemeClr val="accent1"/>
+          </a:lnRef>
+          <a:fillRef idx="3">
+            <a:schemeClr val="accent1"/>
+          </a:fillRef>
+          <a:effectRef idx="2">
+            <a:schemeClr val="accent1"/>
+          </a:effectRef>
+          <a:fontRef idx="minor">
+            <a:schemeClr val="lt1"/>
+          </a:fontRef>
+        </p:style>
+        <p:txBody>
+          <a:bodyPr rot="0" spcFirstLastPara="0" vertOverflow="overflow" horzOverflow="overflow" vert="horz" wrap="none" lIns="91440" tIns="45720" rIns="91440" bIns="45720" numCol="1" spcCol="0" rtlCol="0" fromWordArt="0" anchor="b" anchorCtr="0" forceAA="0" compatLnSpc="1">
+            <a:prstTxWarp prst="textNoShape">
+              <a:avLst/>
+            </a:prstTxWarp>
+            <a:noAutofit/>
+          </a:bodyPr>
+          <a:lstStyle/>
+          <a:p>
+            <a:pPr algn="ctr"/>
+            <a:endParaRPr kumimoji="1" lang="ja-JP" altLang="en-US" sz="2000" dirty="0">
+              <a:solidFill>
+                <a:srgbClr val="000000"/>
+              </a:solidFill>
+              <a:latin typeface="メイリオ"/>
+              <a:ea typeface="メイリオ"/>
+              <a:cs typeface="メイリオ"/>
+            </a:endParaRPr>
+          </a:p>
+        </p:txBody>
+      </p:sp>
+      <p:cxnSp>
+        <p:nvCxnSpPr>
+          <p:cNvPr id="17" name="直線矢印コネクタ 16"/>
+          <p:cNvCxnSpPr>
+            <a:stCxn id="5" idx="0"/>
+            <a:endCxn id="19" idx="2"/>
+          </p:cNvCxnSpPr>
+          <p:nvPr/>
+        </p:nvCxnSpPr>
+        <p:spPr>
+          <a:xfrm flipV="1">
+            <a:off x="4328146" y="3222519"/>
+            <a:ext cx="6126" cy="432055"/>
+          </a:xfrm>
+          <a:prstGeom prst="straightConnector1">
+            <a:avLst/>
+          </a:prstGeom>
+          <a:ln>
+            <a:tailEnd type="arrow"/>
+          </a:ln>
+          <a:effectLst/>
+        </p:spPr>
+        <p:style>
+          <a:lnRef idx="2">
+            <a:schemeClr val="accent1"/>
+          </a:lnRef>
+          <a:fillRef idx="0">
+            <a:schemeClr val="accent1"/>
+          </a:fillRef>
+          <a:effectRef idx="1">
+            <a:schemeClr val="accent1"/>
+          </a:effectRef>
+          <a:fontRef idx="minor">
+            <a:schemeClr val="tx1"/>
+          </a:fontRef>
+        </p:style>
+      </p:cxnSp>
+      <p:pic>
+        <p:nvPicPr>
+          <p:cNvPr id="18" name="図 17" descr="Logotype_RH_OpenShift_wLogo_RGB_Black.png"/>
+          <p:cNvPicPr>
+            <a:picLocks noChangeAspect="1"/>
+          </p:cNvPicPr>
+          <p:nvPr/>
+        </p:nvPicPr>
+        <p:blipFill>
+          <a:blip r:embed="rId4">
+            <a:extLst>
+              <a:ext uri="{28A0092B-C50C-407E-A947-70E740481C1C}">
+                <a14:useLocalDpi xmlns:a14="http://schemas.microsoft.com/office/drawing/2010/main" val="0"/>
+              </a:ext>
+            </a:extLst>
+          </a:blip>
+          <a:stretch>
+            <a:fillRect/>
+          </a:stretch>
+        </p:blipFill>
+        <p:spPr>
+          <a:xfrm>
+            <a:off x="3353772" y="682774"/>
+            <a:ext cx="1942517" cy="499057"/>
+          </a:xfrm>
+          <a:prstGeom prst="rect">
+            <a:avLst/>
+          </a:prstGeom>
+          <a:solidFill>
+            <a:srgbClr val="EDEDED"/>
+          </a:solidFill>
+        </p:spPr>
+      </p:pic>
+      <p:sp>
+        <p:nvSpPr>
+          <p:cNvPr id="19" name="角丸四角形 18"/>
+          <p:cNvSpPr/>
+          <p:nvPr/>
+        </p:nvSpPr>
+        <p:spPr>
+          <a:xfrm>
+            <a:off x="3572272" y="2756919"/>
+            <a:ext cx="1524000" cy="465600"/>
+          </a:xfrm>
+          <a:prstGeom prst="roundRect">
+            <a:avLst>
+              <a:gd name="adj" fmla="val 50000"/>
+            </a:avLst>
+          </a:prstGeom>
+          <a:noFill/>
+          <a:effectLst/>
+        </p:spPr>
+        <p:style>
+          <a:lnRef idx="1">
+            <a:schemeClr val="accent1"/>
+          </a:lnRef>
+          <a:fillRef idx="3">
+            <a:schemeClr val="accent1"/>
+          </a:fillRef>
+          <a:effectRef idx="2">
+            <a:schemeClr val="accent1"/>
+          </a:effectRef>
+          <a:fontRef idx="minor">
+            <a:schemeClr val="lt1"/>
+          </a:fontRef>
+        </p:style>
+        <p:txBody>
+          <a:bodyPr rot="0" spcFirstLastPara="0" vertOverflow="overflow" horzOverflow="overflow" vert="horz" wrap="none" lIns="0" tIns="0" rIns="0" bIns="0" numCol="1" spcCol="0" rtlCol="0" fromWordArt="0" anchor="b" anchorCtr="0" forceAA="0" compatLnSpc="1">
+            <a:prstTxWarp prst="textNoShape">
+              <a:avLst/>
+            </a:prstTxWarp>
+            <a:noAutofit/>
+          </a:bodyPr>
+          <a:lstStyle/>
+          <a:p>
+            <a:pPr algn="ctr">
+              <a:lnSpc>
+                <a:spcPct val="90000"/>
+              </a:lnSpc>
+            </a:pPr>
+            <a:r>
+              <a:rPr kumimoji="1" lang="ja-JP" altLang="en-US" sz="2000" dirty="0" smtClean="0">
+                <a:solidFill>
+                  <a:srgbClr val="000000"/>
+                </a:solidFill>
+                <a:latin typeface="メイリオ"/>
+                <a:ea typeface="メイリオ"/>
+                <a:cs typeface="メイリオ"/>
+              </a:rPr>
+              <a:t>デプロイ</a:t>
+            </a:r>
+            <a:endParaRPr kumimoji="1" lang="ja-JP" altLang="en-US" sz="2000" dirty="0">
+              <a:solidFill>
+                <a:srgbClr val="000000"/>
+              </a:solidFill>
+              <a:latin typeface="メイリオ"/>
+              <a:ea typeface="メイリオ"/>
+              <a:cs typeface="メイリオ"/>
+            </a:endParaRPr>
+          </a:p>
+        </p:txBody>
+      </p:sp>
+      <p:cxnSp>
+        <p:nvCxnSpPr>
+          <p:cNvPr id="20" name="直線矢印コネクタ 19"/>
+          <p:cNvCxnSpPr>
+            <a:stCxn id="19" idx="3"/>
+            <a:endCxn id="11" idx="1"/>
+          </p:cNvCxnSpPr>
+          <p:nvPr/>
+        </p:nvCxnSpPr>
+        <p:spPr>
+          <a:xfrm>
+            <a:off x="5096272" y="2989719"/>
+            <a:ext cx="809613" cy="0"/>
+          </a:xfrm>
+          <a:prstGeom prst="straightConnector1">
+            <a:avLst/>
+          </a:prstGeom>
+          <a:ln>
+            <a:tailEnd type="arrow"/>
+          </a:ln>
+          <a:effectLst/>
+        </p:spPr>
+        <p:style>
+          <a:lnRef idx="2">
+            <a:schemeClr val="accent1"/>
+          </a:lnRef>
+          <a:fillRef idx="0">
+            <a:schemeClr val="accent1"/>
+          </a:fillRef>
+          <a:effectRef idx="1">
+            <a:schemeClr val="accent1"/>
+          </a:effectRef>
+          <a:fontRef idx="minor">
+            <a:schemeClr val="tx1"/>
+          </a:fontRef>
+        </p:style>
+      </p:cxnSp>
+      <p:cxnSp>
+        <p:nvCxnSpPr>
+          <p:cNvPr id="21" name="直線矢印コネクタ 20"/>
+          <p:cNvCxnSpPr>
+            <a:endCxn id="12" idx="0"/>
+          </p:cNvCxnSpPr>
+          <p:nvPr/>
+        </p:nvCxnSpPr>
+        <p:spPr>
+          <a:xfrm flipV="1">
+            <a:off x="6086872" y="3233560"/>
+            <a:ext cx="11887" cy="573415"/>
+          </a:xfrm>
+          <a:prstGeom prst="straightConnector1">
+            <a:avLst/>
+          </a:prstGeom>
+          <a:ln>
+            <a:tailEnd type="arrow"/>
+          </a:ln>
+          <a:effectLst/>
+        </p:spPr>
+        <p:style>
+          <a:lnRef idx="2">
+            <a:schemeClr val="accent1"/>
+          </a:lnRef>
+          <a:fillRef idx="0">
+            <a:schemeClr val="accent1"/>
+          </a:fillRef>
+          <a:effectRef idx="1">
+            <a:schemeClr val="accent1"/>
+          </a:effectRef>
+          <a:fontRef idx="minor">
+            <a:schemeClr val="tx1"/>
+          </a:fontRef>
+        </p:style>
+      </p:cxnSp>
+    </p:spTree>
+    <p:extLst>
+      <p:ext uri="{BB962C8B-B14F-4D97-AF65-F5344CB8AC3E}">
+        <p14:creationId xmlns:p14="http://schemas.microsoft.com/office/powerpoint/2010/main" val="2823316895"/>
+      </p:ext>
+    </p:extLst>
+  </p:cSld>
+  <p:clrMapOvr>
+    <a:masterClrMapping/>
+  </p:clrMapOvr>
+</p:sld>
+</file>
+
 <file path=ppt/theme/theme1.xml><?xml version="1.0" encoding="utf-8"?>
 <a:theme xmlns:a="http://schemas.openxmlformats.org/drawingml/2006/main" name="2016template">
   <a:themeElements>

--- a/images/diagrams.pptx
+++ b/images/diagrams.pptx
@@ -8,17 +8,21 @@
     <p:sldMasterId id="2147483941" r:id="rId4"/>
   </p:sldMasterIdLst>
   <p:notesMasterIdLst>
-    <p:notesMasterId r:id="rId10"/>
+    <p:notesMasterId r:id="rId14"/>
   </p:notesMasterIdLst>
   <p:handoutMasterIdLst>
-    <p:handoutMasterId r:id="rId11"/>
+    <p:handoutMasterId r:id="rId15"/>
   </p:handoutMasterIdLst>
   <p:sldIdLst>
     <p:sldId id="256" r:id="rId5"/>
     <p:sldId id="257" r:id="rId6"/>
-    <p:sldId id="258" r:id="rId7"/>
-    <p:sldId id="259" r:id="rId8"/>
-    <p:sldId id="260" r:id="rId9"/>
+    <p:sldId id="264" r:id="rId7"/>
+    <p:sldId id="261" r:id="rId8"/>
+    <p:sldId id="262" r:id="rId9"/>
+    <p:sldId id="258" r:id="rId10"/>
+    <p:sldId id="259" r:id="rId11"/>
+    <p:sldId id="260" r:id="rId12"/>
+    <p:sldId id="263" r:id="rId13"/>
   </p:sldIdLst>
   <p:sldSz cx="9144000" cy="5143500" type="screen16x9"/>
   <p:notesSz cx="6858000" cy="9144000"/>
@@ -252,7 +256,7 @@
                 <a:cs typeface="メイリオ"/>
               </a:rPr>
               <a:pPr/>
-              <a:t>17/11/29</a:t>
+              <a:t>18/02/27</a:t>
             </a:fld>
             <a:endParaRPr lang="ja-JP" altLang="en-US">
               <a:latin typeface="メイリオ"/>
@@ -462,7 +466,7 @@
             <a:fld id="{2D00D84D-4674-3C43-80ED-0736C6E28626}" type="datetime1">
               <a:rPr lang="ja-JP" altLang="en-US" smtClean="0"/>
               <a:pPr/>
-              <a:t>17/11/29</a:t>
+              <a:t>18/02/27</a:t>
             </a:fld>
             <a:endParaRPr lang="ja-JP" altLang="en-US"/>
           </a:p>
@@ -966,6 +970,91 @@
               <a:rPr lang="ja-JP" altLang="en-US" smtClean="0"/>
               <a:pPr/>
               <a:t>2</a:t>
+            </a:fld>
+            <a:endParaRPr lang="ja-JP" altLang="en-US"/>
+          </a:p>
+        </p:txBody>
+      </p:sp>
+    </p:spTree>
+    <p:extLst>
+      <p:ext uri="{BB962C8B-B14F-4D97-AF65-F5344CB8AC3E}">
+        <p14:creationId xmlns:p14="http://schemas.microsoft.com/office/powerpoint/2010/main" val="74602574"/>
+      </p:ext>
+    </p:extLst>
+  </p:cSld>
+  <p:clrMapOvr>
+    <a:masterClrMapping/>
+  </p:clrMapOvr>
+</p:notes>
+</file>
+
+<file path=ppt/notesSlides/notesSlide3.xml><?xml version="1.0" encoding="utf-8"?>
+<p:notes xmlns:a="http://schemas.openxmlformats.org/drawingml/2006/main" xmlns:r="http://schemas.openxmlformats.org/officeDocument/2006/relationships" xmlns:p="http://schemas.openxmlformats.org/presentationml/2006/main">
+  <p:cSld>
+    <p:spTree>
+      <p:nvGrpSpPr>
+        <p:cNvPr id="1" name=""/>
+        <p:cNvGrpSpPr/>
+        <p:nvPr/>
+      </p:nvGrpSpPr>
+      <p:grpSpPr>
+        <a:xfrm>
+          <a:off x="0" y="0"/>
+          <a:ext cx="0" cy="0"/>
+          <a:chOff x="0" y="0"/>
+          <a:chExt cx="0" cy="0"/>
+        </a:xfrm>
+      </p:grpSpPr>
+      <p:sp>
+        <p:nvSpPr>
+          <p:cNvPr id="2" name="スライド イメージ プレースホルダー 1"/>
+          <p:cNvSpPr>
+            <a:spLocks noGrp="1" noRot="1" noChangeAspect="1"/>
+          </p:cNvSpPr>
+          <p:nvPr>
+            <p:ph type="sldImg"/>
+          </p:nvPr>
+        </p:nvSpPr>
+        <p:spPr/>
+      </p:sp>
+      <p:sp>
+        <p:nvSpPr>
+          <p:cNvPr id="3" name="ノート プレースホルダー 2"/>
+          <p:cNvSpPr>
+            <a:spLocks noGrp="1"/>
+          </p:cNvSpPr>
+          <p:nvPr>
+            <p:ph type="body" idx="1"/>
+          </p:nvPr>
+        </p:nvSpPr>
+        <p:spPr/>
+        <p:txBody>
+          <a:bodyPr/>
+          <a:lstStyle/>
+          <a:p>
+            <a:endParaRPr kumimoji="1" lang="ja-JP" altLang="en-US" dirty="0"/>
+          </a:p>
+        </p:txBody>
+      </p:sp>
+      <p:sp>
+        <p:nvSpPr>
+          <p:cNvPr id="4" name="スライド番号プレースホルダー 3"/>
+          <p:cNvSpPr>
+            <a:spLocks noGrp="1"/>
+          </p:cNvSpPr>
+          <p:nvPr>
+            <p:ph type="sldNum" sz="quarter" idx="10"/>
+          </p:nvPr>
+        </p:nvSpPr>
+        <p:spPr/>
+        <p:txBody>
+          <a:bodyPr/>
+          <a:lstStyle/>
+          <a:p>
+            <a:fld id="{FD9B3461-CD61-7B4B-81D4-E7A6EF63D764}" type="slidenum">
+              <a:rPr lang="ja-JP" altLang="en-US" smtClean="0"/>
+              <a:pPr/>
+              <a:t>3</a:t>
             </a:fld>
             <a:endParaRPr lang="ja-JP" altLang="en-US"/>
           </a:p>
@@ -10591,6 +10680,13 @@
   <p:clrMapOvr>
     <a:masterClrMapping/>
   </p:clrMapOvr>
+  <p:timing>
+    <p:tnLst>
+      <p:par>
+        <p:cTn xmlns:p14="http://schemas.microsoft.com/office/powerpoint/2010/main" id="1" dur="indefinite" restart="never" nodeType="tmRoot"/>
+      </p:par>
+    </p:tnLst>
+  </p:timing>
 </p:sld>
 </file>
 
@@ -10763,7 +10859,7 @@
         </p:nvSpPr>
         <p:spPr>
           <a:xfrm>
-            <a:off x="7092280" y="3651870"/>
+            <a:off x="5286851" y="3651870"/>
             <a:ext cx="1373381" cy="1008112"/>
           </a:xfrm>
           <a:prstGeom prst="roundRect">
@@ -10876,7 +10972,7 @@
         <p:spPr>
           <a:xfrm>
             <a:off x="332097" y="3651870"/>
-            <a:ext cx="6256127" cy="1008112"/>
+            <a:ext cx="4527935" cy="1008112"/>
           </a:xfrm>
           <a:prstGeom prst="roundRect">
             <a:avLst>
@@ -11257,7 +11353,7 @@
         </p:nvSpPr>
         <p:spPr>
           <a:xfrm>
-            <a:off x="7380312" y="3723878"/>
+            <a:off x="5492124" y="3723878"/>
             <a:ext cx="864096" cy="504056"/>
           </a:xfrm>
           <a:prstGeom prst="cube">
@@ -11321,20 +11417,18 @@
         <p:nvCxnSpPr>
           <p:cNvPr id="38" name="直線矢印コネクタ 35"/>
           <p:cNvCxnSpPr>
-            <a:stCxn id="37" idx="2"/>
+            <a:stCxn id="41" idx="0"/>
             <a:endCxn id="72" idx="3"/>
           </p:cNvCxnSpPr>
           <p:nvPr/>
         </p:nvCxnSpPr>
         <p:spPr>
-          <a:xfrm rot="10800000">
-            <a:off x="2699792" y="1023579"/>
-            <a:ext cx="4680520" cy="3015335"/>
-          </a:xfrm>
-          <a:prstGeom prst="bentConnector3">
-            <a:avLst>
-              <a:gd name="adj1" fmla="val 50000"/>
-            </a:avLst>
+          <a:xfrm rot="16200000" flipV="1">
+            <a:off x="3419866" y="303504"/>
+            <a:ext cx="1836204" cy="3276351"/>
+          </a:xfrm>
+          <a:prstGeom prst="bentConnector2">
+            <a:avLst/>
           </a:prstGeom>
           <a:ln>
             <a:solidFill>
@@ -12356,6 +12450,242 @@
           </a:p>
         </p:txBody>
       </p:sp>
+      <p:sp>
+        <p:nvSpPr>
+          <p:cNvPr id="2" name="上下矢印 1"/>
+          <p:cNvSpPr/>
+          <p:nvPr/>
+        </p:nvSpPr>
+        <p:spPr>
+          <a:xfrm>
+            <a:off x="1043608" y="1563638"/>
+            <a:ext cx="216024" cy="424064"/>
+          </a:xfrm>
+          <a:prstGeom prst="upDownArrow">
+            <a:avLst/>
+          </a:prstGeom>
+          <a:solidFill>
+            <a:srgbClr val="FF0000"/>
+          </a:solidFill>
+          <a:effectLst/>
+        </p:spPr>
+        <p:style>
+          <a:lnRef idx="1">
+            <a:schemeClr val="accent1"/>
+          </a:lnRef>
+          <a:fillRef idx="3">
+            <a:schemeClr val="accent1"/>
+          </a:fillRef>
+          <a:effectRef idx="2">
+            <a:schemeClr val="accent1"/>
+          </a:effectRef>
+          <a:fontRef idx="minor">
+            <a:schemeClr val="lt1"/>
+          </a:fontRef>
+        </p:style>
+        <p:txBody>
+          <a:bodyPr rtlCol="0" anchor="ctr"/>
+          <a:lstStyle/>
+          <a:p>
+            <a:pPr algn="ctr"/>
+            <a:endParaRPr kumimoji="1" lang="ja-JP" altLang="en-US" sz="1200" dirty="0">
+              <a:solidFill>
+                <a:schemeClr val="tx1"/>
+              </a:solidFill>
+              <a:latin typeface="メイリオ"/>
+              <a:ea typeface="メイリオ"/>
+              <a:cs typeface="メイリオ"/>
+            </a:endParaRPr>
+          </a:p>
+        </p:txBody>
+      </p:sp>
+      <p:sp>
+        <p:nvSpPr>
+          <p:cNvPr id="36" name="上下矢印 35"/>
+          <p:cNvSpPr/>
+          <p:nvPr/>
+        </p:nvSpPr>
+        <p:spPr>
+          <a:xfrm rot="2251176">
+            <a:off x="1666107" y="1135266"/>
+            <a:ext cx="172863" cy="406000"/>
+          </a:xfrm>
+          <a:prstGeom prst="upDownArrow">
+            <a:avLst/>
+          </a:prstGeom>
+          <a:solidFill>
+            <a:srgbClr val="FF0000"/>
+          </a:solidFill>
+          <a:effectLst/>
+        </p:spPr>
+        <p:style>
+          <a:lnRef idx="1">
+            <a:schemeClr val="accent1"/>
+          </a:lnRef>
+          <a:fillRef idx="3">
+            <a:schemeClr val="accent1"/>
+          </a:fillRef>
+          <a:effectRef idx="2">
+            <a:schemeClr val="accent1"/>
+          </a:effectRef>
+          <a:fontRef idx="minor">
+            <a:schemeClr val="lt1"/>
+          </a:fontRef>
+        </p:style>
+        <p:txBody>
+          <a:bodyPr rtlCol="0" anchor="ctr"/>
+          <a:lstStyle/>
+          <a:p>
+            <a:pPr algn="ctr"/>
+            <a:endParaRPr kumimoji="1" lang="ja-JP" altLang="en-US" sz="1200" dirty="0">
+              <a:solidFill>
+                <a:schemeClr val="tx1"/>
+              </a:solidFill>
+              <a:latin typeface="メイリオ"/>
+              <a:ea typeface="メイリオ"/>
+              <a:cs typeface="メイリオ"/>
+            </a:endParaRPr>
+          </a:p>
+        </p:txBody>
+      </p:sp>
+      <p:sp>
+        <p:nvSpPr>
+          <p:cNvPr id="41" name="角丸四角形 40"/>
+          <p:cNvSpPr/>
+          <p:nvPr/>
+        </p:nvSpPr>
+        <p:spPr>
+          <a:xfrm>
+            <a:off x="5436096" y="2859782"/>
+            <a:ext cx="1080093" cy="360032"/>
+          </a:xfrm>
+          <a:prstGeom prst="roundRect">
+            <a:avLst>
+              <a:gd name="adj" fmla="val 15085"/>
+            </a:avLst>
+          </a:prstGeom>
+          <a:noFill/>
+          <a:ln>
+            <a:solidFill>
+              <a:srgbClr val="FF6600"/>
+            </a:solidFill>
+          </a:ln>
+          <a:effectLst/>
+        </p:spPr>
+        <p:style>
+          <a:lnRef idx="1">
+            <a:schemeClr val="accent1"/>
+          </a:lnRef>
+          <a:fillRef idx="3">
+            <a:schemeClr val="accent1"/>
+          </a:fillRef>
+          <a:effectRef idx="2">
+            <a:schemeClr val="accent1"/>
+          </a:effectRef>
+          <a:fontRef idx="minor">
+            <a:schemeClr val="lt1"/>
+          </a:fontRef>
+        </p:style>
+        <p:txBody>
+          <a:bodyPr wrap="none" rtlCol="0" anchor="ctr"/>
+          <a:lstStyle/>
+          <a:p>
+            <a:pPr algn="ctr"/>
+            <a:r>
+              <a:rPr kumimoji="1" lang="en-US" altLang="ja-JP" sz="1000" dirty="0" err="1" smtClean="0">
+                <a:solidFill>
+                  <a:schemeClr val="tx1"/>
+                </a:solidFill>
+                <a:latin typeface="メイリオ"/>
+                <a:ea typeface="メイリオ"/>
+                <a:cs typeface="メイリオ"/>
+              </a:rPr>
+              <a:t>ImageStream</a:t>
+            </a:r>
+            <a:r>
+              <a:rPr lang="en-US" altLang="ja-JP" sz="1000" dirty="0" smtClean="0">
+                <a:solidFill>
+                  <a:schemeClr val="tx1"/>
+                </a:solidFill>
+                <a:latin typeface="メイリオ"/>
+                <a:ea typeface="メイリオ"/>
+                <a:cs typeface="メイリオ"/>
+              </a:rPr>
+              <a:t>:</a:t>
+            </a:r>
+            <a:endParaRPr lang="en-US" altLang="ja-JP" sz="1000" dirty="0">
+              <a:solidFill>
+                <a:schemeClr val="tx1"/>
+              </a:solidFill>
+              <a:latin typeface="メイリオ"/>
+              <a:ea typeface="メイリオ"/>
+              <a:cs typeface="メイリオ"/>
+            </a:endParaRPr>
+          </a:p>
+          <a:p>
+            <a:pPr algn="ctr"/>
+            <a:r>
+              <a:rPr lang="en-US" altLang="ja-JP" sz="1000" dirty="0" err="1" smtClean="0">
+                <a:solidFill>
+                  <a:schemeClr val="tx1"/>
+                </a:solidFill>
+                <a:latin typeface="メイリオ"/>
+                <a:ea typeface="メイリオ"/>
+                <a:cs typeface="メイリオ"/>
+              </a:rPr>
+              <a:t>parksmap</a:t>
+            </a:r>
+            <a:endParaRPr lang="en-US" altLang="ja-JP" sz="1000" dirty="0" smtClean="0">
+              <a:solidFill>
+                <a:schemeClr val="tx1"/>
+              </a:solidFill>
+              <a:latin typeface="メイリオ"/>
+              <a:ea typeface="メイリオ"/>
+              <a:cs typeface="メイリオ"/>
+            </a:endParaRPr>
+          </a:p>
+        </p:txBody>
+      </p:sp>
+      <p:cxnSp>
+        <p:nvCxnSpPr>
+          <p:cNvPr id="43" name="直線矢印コネクタ 35"/>
+          <p:cNvCxnSpPr>
+            <a:stCxn id="37" idx="0"/>
+            <a:endCxn id="41" idx="2"/>
+          </p:cNvCxnSpPr>
+          <p:nvPr/>
+        </p:nvCxnSpPr>
+        <p:spPr>
+          <a:xfrm flipH="1" flipV="1">
+            <a:off x="5976143" y="3219814"/>
+            <a:ext cx="11036" cy="504064"/>
+          </a:xfrm>
+          <a:prstGeom prst="straightConnector1">
+            <a:avLst/>
+          </a:prstGeom>
+          <a:ln>
+            <a:solidFill>
+              <a:srgbClr val="FF6600"/>
+            </a:solidFill>
+            <a:tailEnd type="arrow"/>
+          </a:ln>
+          <a:effectLst/>
+        </p:spPr>
+        <p:style>
+          <a:lnRef idx="2">
+            <a:schemeClr val="accent1"/>
+          </a:lnRef>
+          <a:fillRef idx="0">
+            <a:schemeClr val="accent1"/>
+          </a:fillRef>
+          <a:effectRef idx="1">
+            <a:schemeClr val="accent1"/>
+          </a:effectRef>
+          <a:fontRef idx="minor">
+            <a:schemeClr val="tx1"/>
+          </a:fontRef>
+        </p:style>
+      </p:cxnSp>
     </p:spTree>
     <p:extLst>
       <p:ext uri="{BB962C8B-B14F-4D97-AF65-F5344CB8AC3E}">
@@ -12366,10 +12696,5273 @@
   <p:clrMapOvr>
     <a:masterClrMapping/>
   </p:clrMapOvr>
+  <p:timing>
+    <p:tnLst>
+      <p:par>
+        <p:cTn xmlns:p14="http://schemas.microsoft.com/office/powerpoint/2010/main" id="1" dur="indefinite" restart="never" nodeType="tmRoot"/>
+      </p:par>
+    </p:tnLst>
+  </p:timing>
 </p:sld>
 </file>
 
 <file path=ppt/slides/slide3.xml><?xml version="1.0" encoding="utf-8"?>
+<p:sld xmlns:a="http://schemas.openxmlformats.org/drawingml/2006/main" xmlns:r="http://schemas.openxmlformats.org/officeDocument/2006/relationships" xmlns:p="http://schemas.openxmlformats.org/presentationml/2006/main">
+  <p:cSld>
+    <p:spTree>
+      <p:nvGrpSpPr>
+        <p:cNvPr id="1" name=""/>
+        <p:cNvGrpSpPr/>
+        <p:nvPr/>
+      </p:nvGrpSpPr>
+      <p:grpSpPr>
+        <a:xfrm>
+          <a:off x="0" y="0"/>
+          <a:ext cx="0" cy="0"/>
+          <a:chOff x="0" y="0"/>
+          <a:chExt cx="0" cy="0"/>
+        </a:xfrm>
+      </p:grpSpPr>
+      <p:sp>
+        <p:nvSpPr>
+          <p:cNvPr id="5" name="角丸四角形 4"/>
+          <p:cNvSpPr/>
+          <p:nvPr/>
+        </p:nvSpPr>
+        <p:spPr>
+          <a:xfrm>
+            <a:off x="323528" y="195486"/>
+            <a:ext cx="6331475" cy="3168352"/>
+          </a:xfrm>
+          <a:prstGeom prst="roundRect">
+            <a:avLst>
+              <a:gd name="adj" fmla="val 0"/>
+            </a:avLst>
+          </a:prstGeom>
+          <a:noFill/>
+          <a:effectLst/>
+        </p:spPr>
+        <p:style>
+          <a:lnRef idx="1">
+            <a:schemeClr val="accent1"/>
+          </a:lnRef>
+          <a:fillRef idx="3">
+            <a:schemeClr val="accent1"/>
+          </a:fillRef>
+          <a:effectRef idx="2">
+            <a:schemeClr val="accent1"/>
+          </a:effectRef>
+          <a:fontRef idx="minor">
+            <a:schemeClr val="lt1"/>
+          </a:fontRef>
+        </p:style>
+        <p:txBody>
+          <a:bodyPr rtlCol="0" anchor="ctr"/>
+          <a:lstStyle/>
+          <a:p>
+            <a:pPr algn="ctr"/>
+            <a:endParaRPr kumimoji="1" lang="en-US" altLang="ja-JP" dirty="0" smtClean="0"/>
+          </a:p>
+          <a:p>
+            <a:pPr algn="ctr"/>
+            <a:endParaRPr lang="en-US" altLang="ja-JP" dirty="0"/>
+          </a:p>
+        </p:txBody>
+      </p:sp>
+      <p:grpSp>
+        <p:nvGrpSpPr>
+          <p:cNvPr id="22" name="図形グループ 21"/>
+          <p:cNvGrpSpPr/>
+          <p:nvPr/>
+        </p:nvGrpSpPr>
+        <p:grpSpPr>
+          <a:xfrm>
+            <a:off x="7089664" y="1563638"/>
+            <a:ext cx="1946831" cy="1800200"/>
+            <a:chOff x="6734853" y="2398117"/>
+            <a:chExt cx="1946831" cy="1469777"/>
+          </a:xfrm>
+        </p:grpSpPr>
+        <p:sp>
+          <p:nvSpPr>
+            <p:cNvPr id="13" name="直方体 12"/>
+            <p:cNvSpPr/>
+            <p:nvPr/>
+          </p:nvSpPr>
+          <p:spPr>
+            <a:xfrm>
+              <a:off x="6734853" y="2398117"/>
+              <a:ext cx="1946831" cy="1469777"/>
+            </a:xfrm>
+            <a:prstGeom prst="cube">
+              <a:avLst/>
+            </a:prstGeom>
+            <a:noFill/>
+            <a:effectLst/>
+          </p:spPr>
+          <p:style>
+            <a:lnRef idx="1">
+              <a:schemeClr val="accent1"/>
+            </a:lnRef>
+            <a:fillRef idx="3">
+              <a:schemeClr val="accent1"/>
+            </a:fillRef>
+            <a:effectRef idx="2">
+              <a:schemeClr val="accent1"/>
+            </a:effectRef>
+            <a:fontRef idx="minor">
+              <a:schemeClr val="lt1"/>
+            </a:fontRef>
+          </p:style>
+          <p:txBody>
+            <a:bodyPr rot="0" spcFirstLastPara="0" vertOverflow="overflow" horzOverflow="overflow" vert="horz" wrap="none" lIns="0" tIns="0" rIns="0" bIns="0" numCol="1" spcCol="0" rtlCol="0" fromWordArt="0" anchor="t" anchorCtr="0" forceAA="0" compatLnSpc="1">
+              <a:prstTxWarp prst="textNoShape">
+                <a:avLst/>
+              </a:prstTxWarp>
+              <a:noAutofit/>
+            </a:bodyPr>
+            <a:lstStyle/>
+            <a:p>
+              <a:pPr algn="ctr"/>
+              <a:endParaRPr lang="en-US" altLang="ja-JP" sz="1200" dirty="0" smtClean="0">
+                <a:solidFill>
+                  <a:schemeClr val="tx1"/>
+                </a:solidFill>
+                <a:latin typeface="メイリオ"/>
+                <a:ea typeface="メイリオ"/>
+                <a:cs typeface="メイリオ"/>
+              </a:endParaRPr>
+            </a:p>
+          </p:txBody>
+        </p:sp>
+        <p:sp>
+          <p:nvSpPr>
+            <p:cNvPr id="18" name="テキスト ボックス 17"/>
+            <p:cNvSpPr txBox="1"/>
+            <p:nvPr/>
+          </p:nvSpPr>
+          <p:spPr>
+            <a:xfrm>
+              <a:off x="8231926" y="2515699"/>
+              <a:ext cx="184666" cy="226156"/>
+            </a:xfrm>
+            <a:prstGeom prst="rect">
+              <a:avLst/>
+            </a:prstGeom>
+            <a:noFill/>
+          </p:spPr>
+          <p:txBody>
+            <a:bodyPr wrap="none" rtlCol="0">
+              <a:spAutoFit/>
+            </a:bodyPr>
+            <a:lstStyle/>
+            <a:p>
+              <a:pPr algn="ctr"/>
+              <a:endParaRPr lang="en-US" altLang="ja-JP" sz="1200" b="1" dirty="0" smtClean="0">
+                <a:latin typeface="メイリオ"/>
+                <a:ea typeface="メイリオ"/>
+                <a:cs typeface="メイリオ"/>
+              </a:endParaRPr>
+            </a:p>
+          </p:txBody>
+        </p:sp>
+      </p:grpSp>
+      <p:sp>
+        <p:nvSpPr>
+          <p:cNvPr id="28" name="角丸四角形 27"/>
+          <p:cNvSpPr/>
+          <p:nvPr/>
+        </p:nvSpPr>
+        <p:spPr>
+          <a:xfrm>
+            <a:off x="5286851" y="3651870"/>
+            <a:ext cx="1373381" cy="1008112"/>
+          </a:xfrm>
+          <a:prstGeom prst="roundRect">
+            <a:avLst>
+              <a:gd name="adj" fmla="val 0"/>
+            </a:avLst>
+          </a:prstGeom>
+          <a:noFill/>
+          <a:effectLst/>
+        </p:spPr>
+        <p:style>
+          <a:lnRef idx="1">
+            <a:schemeClr val="accent1"/>
+          </a:lnRef>
+          <a:fillRef idx="3">
+            <a:schemeClr val="accent1"/>
+          </a:fillRef>
+          <a:effectRef idx="2">
+            <a:schemeClr val="accent1"/>
+          </a:effectRef>
+          <a:fontRef idx="minor">
+            <a:schemeClr val="lt1"/>
+          </a:fontRef>
+        </p:style>
+        <p:txBody>
+          <a:bodyPr rot="0" spcFirstLastPara="0" vertOverflow="overflow" horzOverflow="overflow" vert="horz" wrap="square" lIns="91440" tIns="45720" rIns="91440" bIns="45720" numCol="1" spcCol="0" rtlCol="0" fromWordArt="0" anchor="b" anchorCtr="0" forceAA="0" compatLnSpc="1">
+            <a:prstTxWarp prst="textNoShape">
+              <a:avLst/>
+            </a:prstTxWarp>
+            <a:noAutofit/>
+          </a:bodyPr>
+          <a:lstStyle/>
+          <a:p>
+            <a:pPr algn="ctr"/>
+            <a:r>
+              <a:rPr lang="en-US" altLang="ja-JP" sz="1200" b="1" dirty="0" err="1" smtClean="0">
+                <a:solidFill>
+                  <a:schemeClr val="tx1"/>
+                </a:solidFill>
+                <a:latin typeface="メイリオ"/>
+                <a:ea typeface="メイリオ"/>
+                <a:cs typeface="メイリオ"/>
+              </a:rPr>
+              <a:t>Docker</a:t>
+            </a:r>
+            <a:r>
+              <a:rPr lang="en-US" altLang="ja-JP" sz="1200" b="1" dirty="0" smtClean="0">
+                <a:solidFill>
+                  <a:schemeClr val="tx1"/>
+                </a:solidFill>
+                <a:latin typeface="メイリオ"/>
+                <a:ea typeface="メイリオ"/>
+                <a:cs typeface="メイリオ"/>
+              </a:rPr>
+              <a:t> Hub</a:t>
+            </a:r>
+          </a:p>
+          <a:p>
+            <a:pPr algn="ctr"/>
+            <a:r>
+              <a:rPr kumimoji="1" lang="en-US" altLang="ja-JP" sz="1200" b="1" dirty="0" smtClean="0">
+                <a:solidFill>
+                  <a:schemeClr val="tx1"/>
+                </a:solidFill>
+                <a:latin typeface="メイリオ"/>
+                <a:ea typeface="メイリオ"/>
+                <a:cs typeface="メイリオ"/>
+              </a:rPr>
+              <a:t>&lt;</a:t>
+            </a:r>
+            <a:r>
+              <a:rPr kumimoji="1" lang="en-US" altLang="ja-JP" sz="1200" b="1" dirty="0" err="1" smtClean="0">
+                <a:solidFill>
+                  <a:schemeClr val="tx1"/>
+                </a:solidFill>
+                <a:latin typeface="メイリオ"/>
+                <a:ea typeface="メイリオ"/>
+                <a:cs typeface="メイリオ"/>
+              </a:rPr>
+              <a:t>docker.io</a:t>
+            </a:r>
+            <a:r>
+              <a:rPr kumimoji="1" lang="en-US" altLang="ja-JP" sz="1200" b="1" dirty="0" smtClean="0">
+                <a:solidFill>
+                  <a:schemeClr val="tx1"/>
+                </a:solidFill>
+                <a:latin typeface="メイリオ"/>
+                <a:ea typeface="メイリオ"/>
+                <a:cs typeface="メイリオ"/>
+              </a:rPr>
+              <a:t>&gt;</a:t>
+            </a:r>
+            <a:endParaRPr kumimoji="1" lang="ja-JP" altLang="en-US" sz="1200" b="1" dirty="0">
+              <a:solidFill>
+                <a:schemeClr val="tx1"/>
+              </a:solidFill>
+              <a:latin typeface="メイリオ"/>
+              <a:ea typeface="メイリオ"/>
+              <a:cs typeface="メイリオ"/>
+            </a:endParaRPr>
+          </a:p>
+        </p:txBody>
+      </p:sp>
+      <p:sp>
+        <p:nvSpPr>
+          <p:cNvPr id="31" name="角丸四角形 30"/>
+          <p:cNvSpPr/>
+          <p:nvPr/>
+        </p:nvSpPr>
+        <p:spPr>
+          <a:xfrm>
+            <a:off x="332097" y="3651870"/>
+            <a:ext cx="4527935" cy="1008112"/>
+          </a:xfrm>
+          <a:prstGeom prst="roundRect">
+            <a:avLst>
+              <a:gd name="adj" fmla="val 0"/>
+            </a:avLst>
+          </a:prstGeom>
+          <a:noFill/>
+          <a:effectLst/>
+        </p:spPr>
+        <p:style>
+          <a:lnRef idx="1">
+            <a:schemeClr val="accent1"/>
+          </a:lnRef>
+          <a:fillRef idx="3">
+            <a:schemeClr val="accent1"/>
+          </a:fillRef>
+          <a:effectRef idx="2">
+            <a:schemeClr val="accent1"/>
+          </a:effectRef>
+          <a:fontRef idx="minor">
+            <a:schemeClr val="lt1"/>
+          </a:fontRef>
+        </p:style>
+        <p:txBody>
+          <a:bodyPr rot="0" spcFirstLastPara="0" vertOverflow="overflow" horzOverflow="overflow" vert="horz" wrap="square" lIns="91440" tIns="45720" rIns="91440" bIns="45720" numCol="1" spcCol="0" rtlCol="0" fromWordArt="0" anchor="b" anchorCtr="0" forceAA="0" compatLnSpc="1">
+            <a:prstTxWarp prst="textNoShape">
+              <a:avLst/>
+            </a:prstTxWarp>
+            <a:noAutofit/>
+          </a:bodyPr>
+          <a:lstStyle/>
+          <a:p>
+            <a:pPr algn="ctr"/>
+            <a:r>
+              <a:rPr lang="en-US" altLang="ja-JP" sz="1100" b="1" dirty="0" smtClean="0">
+                <a:solidFill>
+                  <a:schemeClr val="tx1"/>
+                </a:solidFill>
+                <a:latin typeface="メイリオ"/>
+                <a:ea typeface="メイリオ"/>
+                <a:cs typeface="メイリオ"/>
+              </a:rPr>
+              <a:t>Red Hat Container Catalog</a:t>
+            </a:r>
+          </a:p>
+          <a:p>
+            <a:pPr algn="ctr"/>
+            <a:r>
+              <a:rPr lang="en-US" altLang="ja-JP" sz="1100" b="1" dirty="0" smtClean="0">
+                <a:solidFill>
+                  <a:schemeClr val="tx1"/>
+                </a:solidFill>
+                <a:latin typeface="メイリオ"/>
+                <a:ea typeface="メイリオ"/>
+                <a:cs typeface="メイリオ"/>
+              </a:rPr>
+              <a:t>&lt;</a:t>
+            </a:r>
+            <a:r>
+              <a:rPr lang="en-US" altLang="ja-JP" sz="1100" b="1" dirty="0" err="1" smtClean="0">
+                <a:solidFill>
+                  <a:schemeClr val="tx1"/>
+                </a:solidFill>
+                <a:latin typeface="メイリオ"/>
+                <a:ea typeface="メイリオ"/>
+                <a:cs typeface="メイリオ"/>
+              </a:rPr>
+              <a:t>registry.access.redhat.com</a:t>
+            </a:r>
+            <a:r>
+              <a:rPr lang="en-US" altLang="ja-JP" sz="1100" b="1" dirty="0" smtClean="0">
+                <a:solidFill>
+                  <a:schemeClr val="tx1"/>
+                </a:solidFill>
+                <a:latin typeface="メイリオ"/>
+                <a:ea typeface="メイリオ"/>
+                <a:cs typeface="メイリオ"/>
+              </a:rPr>
+              <a:t>&gt;</a:t>
+            </a:r>
+          </a:p>
+        </p:txBody>
+      </p:sp>
+      <p:sp>
+        <p:nvSpPr>
+          <p:cNvPr id="49" name="テキスト ボックス 48"/>
+          <p:cNvSpPr txBox="1"/>
+          <p:nvPr/>
+        </p:nvSpPr>
+        <p:spPr>
+          <a:xfrm>
+            <a:off x="7164288" y="2089972"/>
+            <a:ext cx="1584176" cy="853063"/>
+          </a:xfrm>
+          <a:prstGeom prst="rect">
+            <a:avLst/>
+          </a:prstGeom>
+          <a:solidFill>
+            <a:srgbClr val="92D400"/>
+          </a:solidFill>
+        </p:spPr>
+        <p:txBody>
+          <a:bodyPr wrap="none" rtlCol="0">
+            <a:noAutofit/>
+          </a:bodyPr>
+          <a:lstStyle/>
+          <a:p>
+            <a:pPr algn="ctr"/>
+            <a:r>
+              <a:rPr kumimoji="1" lang="en-US" altLang="ja-JP" sz="1200" dirty="0" err="1" smtClean="0">
+                <a:latin typeface="メイリオ"/>
+                <a:ea typeface="メイリオ"/>
+                <a:cs typeface="メイリオ"/>
+              </a:rPr>
+              <a:t>devXX</a:t>
+            </a:r>
+            <a:r>
+              <a:rPr kumimoji="1" lang="en-US" altLang="ja-JP" sz="1200" dirty="0" smtClean="0">
+                <a:latin typeface="メイリオ"/>
+                <a:ea typeface="メイリオ"/>
+                <a:cs typeface="メイリオ"/>
+              </a:rPr>
+              <a:t>/</a:t>
+            </a:r>
+            <a:r>
+              <a:rPr kumimoji="1" lang="en-US" altLang="ja-JP" sz="1200" dirty="0" err="1" smtClean="0">
+                <a:latin typeface="メイリオ"/>
+                <a:ea typeface="メイリオ"/>
+                <a:cs typeface="メイリオ"/>
+              </a:rPr>
+              <a:t>nationalparks</a:t>
+            </a:r>
+            <a:endParaRPr kumimoji="1" lang="ja-JP" altLang="en-US" sz="1200" dirty="0" err="1" smtClean="0">
+              <a:latin typeface="メイリオ"/>
+              <a:ea typeface="メイリオ"/>
+              <a:cs typeface="メイリオ"/>
+            </a:endParaRPr>
+          </a:p>
+        </p:txBody>
+      </p:sp>
+      <p:pic>
+        <p:nvPicPr>
+          <p:cNvPr id="77" name="図 76" descr="Logotype_RH_OpenShift_wLogo_RGB_Black.png"/>
+          <p:cNvPicPr>
+            <a:picLocks noChangeAspect="1"/>
+          </p:cNvPicPr>
+          <p:nvPr/>
+        </p:nvPicPr>
+        <p:blipFill>
+          <a:blip r:embed="rId3">
+            <a:extLst>
+              <a:ext uri="{28A0092B-C50C-407E-A947-70E740481C1C}">
+                <a14:useLocalDpi xmlns:a14="http://schemas.microsoft.com/office/drawing/2010/main" val="0"/>
+              </a:ext>
+            </a:extLst>
+          </a:blip>
+          <a:stretch>
+            <a:fillRect/>
+          </a:stretch>
+        </p:blipFill>
+        <p:spPr>
+          <a:xfrm>
+            <a:off x="5152110" y="260064"/>
+            <a:ext cx="1449083" cy="372287"/>
+          </a:xfrm>
+          <a:prstGeom prst="rect">
+            <a:avLst/>
+          </a:prstGeom>
+        </p:spPr>
+      </p:pic>
+      <p:sp>
+        <p:nvSpPr>
+          <p:cNvPr id="24" name="角丸四角形 23"/>
+          <p:cNvSpPr/>
+          <p:nvPr/>
+        </p:nvSpPr>
+        <p:spPr>
+          <a:xfrm>
+            <a:off x="539552" y="411510"/>
+            <a:ext cx="3168352" cy="1872208"/>
+          </a:xfrm>
+          <a:prstGeom prst="roundRect">
+            <a:avLst>
+              <a:gd name="adj" fmla="val 15085"/>
+            </a:avLst>
+          </a:prstGeom>
+          <a:noFill/>
+          <a:effectLst/>
+        </p:spPr>
+        <p:style>
+          <a:lnRef idx="1">
+            <a:schemeClr val="accent1"/>
+          </a:lnRef>
+          <a:fillRef idx="3">
+            <a:schemeClr val="accent1"/>
+          </a:fillRef>
+          <a:effectRef idx="2">
+            <a:schemeClr val="accent1"/>
+          </a:effectRef>
+          <a:fontRef idx="minor">
+            <a:schemeClr val="lt1"/>
+          </a:fontRef>
+        </p:style>
+        <p:txBody>
+          <a:bodyPr rtlCol="0" anchor="t"/>
+          <a:lstStyle/>
+          <a:p>
+            <a:pPr algn="ctr"/>
+            <a:r>
+              <a:rPr kumimoji="1" lang="en-US" altLang="ja-JP" sz="1200" dirty="0" smtClean="0">
+                <a:solidFill>
+                  <a:schemeClr val="tx1"/>
+                </a:solidFill>
+                <a:latin typeface="メイリオ"/>
+                <a:ea typeface="メイリオ"/>
+                <a:cs typeface="メイリオ"/>
+              </a:rPr>
+              <a:t>Project:explore-00</a:t>
+            </a:r>
+            <a:endParaRPr kumimoji="1" lang="ja-JP" altLang="en-US" sz="1200" dirty="0">
+              <a:solidFill>
+                <a:schemeClr val="tx1"/>
+              </a:solidFill>
+              <a:latin typeface="メイリオ"/>
+              <a:ea typeface="メイリオ"/>
+              <a:cs typeface="メイリオ"/>
+            </a:endParaRPr>
+          </a:p>
+        </p:txBody>
+      </p:sp>
+      <p:sp>
+        <p:nvSpPr>
+          <p:cNvPr id="25" name="角丸四角形 24"/>
+          <p:cNvSpPr/>
+          <p:nvPr/>
+        </p:nvSpPr>
+        <p:spPr>
+          <a:xfrm>
+            <a:off x="647564" y="1887674"/>
+            <a:ext cx="1080120" cy="288032"/>
+          </a:xfrm>
+          <a:prstGeom prst="roundRect">
+            <a:avLst>
+              <a:gd name="adj" fmla="val 0"/>
+            </a:avLst>
+          </a:prstGeom>
+          <a:solidFill>
+            <a:srgbClr val="3B0183"/>
+          </a:solidFill>
+          <a:ln w="38100" cmpd="dbl">
+            <a:noFill/>
+            <a:prstDash val="sysDash"/>
+          </a:ln>
+          <a:effectLst/>
+        </p:spPr>
+        <p:style>
+          <a:lnRef idx="1">
+            <a:schemeClr val="accent1"/>
+          </a:lnRef>
+          <a:fillRef idx="3">
+            <a:schemeClr val="accent1"/>
+          </a:fillRef>
+          <a:effectRef idx="2">
+            <a:schemeClr val="accent1"/>
+          </a:effectRef>
+          <a:fontRef idx="minor">
+            <a:schemeClr val="lt1"/>
+          </a:fontRef>
+        </p:style>
+        <p:txBody>
+          <a:bodyPr rot="0" spcFirstLastPara="0" vertOverflow="overflow" horzOverflow="overflow" vert="horz" wrap="none" lIns="91440" tIns="45720" rIns="91440" bIns="45720" numCol="1" spcCol="0" rtlCol="0" fromWordArt="0" anchor="t" anchorCtr="0" forceAA="0" compatLnSpc="1">
+            <a:prstTxWarp prst="textNoShape">
+              <a:avLst/>
+            </a:prstTxWarp>
+            <a:noAutofit/>
+          </a:bodyPr>
+          <a:lstStyle/>
+          <a:p>
+            <a:pPr algn="ctr"/>
+            <a:r>
+              <a:rPr kumimoji="1" lang="en-US" altLang="ja-JP" sz="1200" dirty="0" err="1" smtClean="0">
+                <a:solidFill>
+                  <a:schemeClr val="bg1"/>
+                </a:solidFill>
+                <a:latin typeface="メイリオ"/>
+                <a:ea typeface="メイリオ"/>
+                <a:cs typeface="メイリオ"/>
+              </a:rPr>
+              <a:t>mongodb</a:t>
+            </a:r>
+            <a:endParaRPr kumimoji="1" lang="ja-JP" altLang="en-US" sz="1200" dirty="0">
+              <a:solidFill>
+                <a:schemeClr val="bg1"/>
+              </a:solidFill>
+              <a:latin typeface="メイリオ"/>
+              <a:ea typeface="メイリオ"/>
+              <a:cs typeface="メイリオ"/>
+            </a:endParaRPr>
+          </a:p>
+        </p:txBody>
+      </p:sp>
+      <p:sp>
+        <p:nvSpPr>
+          <p:cNvPr id="35" name="角丸四角形 34"/>
+          <p:cNvSpPr/>
+          <p:nvPr/>
+        </p:nvSpPr>
+        <p:spPr>
+          <a:xfrm>
+            <a:off x="614141" y="1413443"/>
+            <a:ext cx="1080120" cy="288032"/>
+          </a:xfrm>
+          <a:prstGeom prst="roundRect">
+            <a:avLst>
+              <a:gd name="adj" fmla="val 0"/>
+            </a:avLst>
+          </a:prstGeom>
+          <a:solidFill>
+            <a:srgbClr val="92D400"/>
+          </a:solidFill>
+          <a:ln w="38100" cmpd="dbl">
+            <a:noFill/>
+            <a:prstDash val="sysDash"/>
+          </a:ln>
+          <a:effectLst/>
+        </p:spPr>
+        <p:style>
+          <a:lnRef idx="1">
+            <a:schemeClr val="accent1"/>
+          </a:lnRef>
+          <a:fillRef idx="3">
+            <a:schemeClr val="accent1"/>
+          </a:fillRef>
+          <a:effectRef idx="2">
+            <a:schemeClr val="accent1"/>
+          </a:effectRef>
+          <a:fontRef idx="minor">
+            <a:schemeClr val="lt1"/>
+          </a:fontRef>
+        </p:style>
+        <p:txBody>
+          <a:bodyPr rot="0" spcFirstLastPara="0" vertOverflow="overflow" horzOverflow="overflow" vert="horz" wrap="none" lIns="91440" tIns="45720" rIns="91440" bIns="45720" numCol="1" spcCol="0" rtlCol="0" fromWordArt="0" anchor="t" anchorCtr="0" forceAA="0" compatLnSpc="1">
+            <a:prstTxWarp prst="textNoShape">
+              <a:avLst/>
+            </a:prstTxWarp>
+            <a:noAutofit/>
+          </a:bodyPr>
+          <a:lstStyle/>
+          <a:p>
+            <a:pPr algn="ctr"/>
+            <a:r>
+              <a:rPr kumimoji="1" lang="en-US" altLang="ja-JP" sz="1200" dirty="0" err="1" smtClean="0">
+                <a:solidFill>
+                  <a:schemeClr val="tx1"/>
+                </a:solidFill>
+                <a:latin typeface="メイリオ"/>
+                <a:ea typeface="メイリオ"/>
+                <a:cs typeface="メイリオ"/>
+              </a:rPr>
+              <a:t>nationalparks</a:t>
+            </a:r>
+            <a:endParaRPr kumimoji="1" lang="ja-JP" altLang="en-US" sz="1200" dirty="0">
+              <a:solidFill>
+                <a:schemeClr val="tx1"/>
+              </a:solidFill>
+              <a:latin typeface="メイリオ"/>
+              <a:ea typeface="メイリオ"/>
+              <a:cs typeface="メイリオ"/>
+            </a:endParaRPr>
+          </a:p>
+        </p:txBody>
+      </p:sp>
+      <p:sp>
+        <p:nvSpPr>
+          <p:cNvPr id="37" name="直方体 36"/>
+          <p:cNvSpPr/>
+          <p:nvPr/>
+        </p:nvSpPr>
+        <p:spPr>
+          <a:xfrm>
+            <a:off x="5492124" y="3723878"/>
+            <a:ext cx="864096" cy="504056"/>
+          </a:xfrm>
+          <a:prstGeom prst="cube">
+            <a:avLst/>
+          </a:prstGeom>
+          <a:solidFill>
+            <a:srgbClr val="FF6600"/>
+          </a:solidFill>
+          <a:ln>
+            <a:noFill/>
+          </a:ln>
+          <a:effectLst/>
+        </p:spPr>
+        <p:style>
+          <a:lnRef idx="1">
+            <a:schemeClr val="accent1"/>
+          </a:lnRef>
+          <a:fillRef idx="3">
+            <a:schemeClr val="accent1"/>
+          </a:fillRef>
+          <a:effectRef idx="2">
+            <a:schemeClr val="accent1"/>
+          </a:effectRef>
+          <a:fontRef idx="minor">
+            <a:schemeClr val="lt1"/>
+          </a:fontRef>
+        </p:style>
+        <p:txBody>
+          <a:bodyPr rot="0" spcFirstLastPara="0" vertOverflow="overflow" horzOverflow="overflow" vert="horz" wrap="none" lIns="91440" tIns="45720" rIns="91440" bIns="45720" numCol="1" spcCol="0" rtlCol="0" fromWordArt="0" anchor="b" anchorCtr="0" forceAA="0" compatLnSpc="1">
+            <a:prstTxWarp prst="textNoShape">
+              <a:avLst/>
+            </a:prstTxWarp>
+            <a:noAutofit/>
+          </a:bodyPr>
+          <a:lstStyle/>
+          <a:p>
+            <a:pPr algn="ctr"/>
+            <a:r>
+              <a:rPr lang="en-US" altLang="ja-JP" sz="1200" dirty="0" err="1" smtClean="0">
+                <a:solidFill>
+                  <a:schemeClr val="tx1"/>
+                </a:solidFill>
+                <a:latin typeface="メイリオ"/>
+                <a:ea typeface="メイリオ"/>
+                <a:cs typeface="メイリオ"/>
+              </a:rPr>
+              <a:t>parksmap</a:t>
+            </a:r>
+            <a:endParaRPr lang="en-US" altLang="ja-JP" sz="1200" dirty="0" smtClean="0">
+              <a:solidFill>
+                <a:schemeClr val="tx1"/>
+              </a:solidFill>
+              <a:latin typeface="メイリオ"/>
+              <a:ea typeface="メイリオ"/>
+              <a:cs typeface="メイリオ"/>
+            </a:endParaRPr>
+          </a:p>
+        </p:txBody>
+      </p:sp>
+      <p:cxnSp>
+        <p:nvCxnSpPr>
+          <p:cNvPr id="38" name="直線矢印コネクタ 35"/>
+          <p:cNvCxnSpPr>
+            <a:stCxn id="41" idx="0"/>
+            <a:endCxn id="72" idx="3"/>
+          </p:cNvCxnSpPr>
+          <p:nvPr/>
+        </p:nvCxnSpPr>
+        <p:spPr>
+          <a:xfrm rot="16200000" flipV="1">
+            <a:off x="3419866" y="303504"/>
+            <a:ext cx="1836204" cy="3276351"/>
+          </a:xfrm>
+          <a:prstGeom prst="bentConnector2">
+            <a:avLst/>
+          </a:prstGeom>
+          <a:ln>
+            <a:solidFill>
+              <a:srgbClr val="FF6600"/>
+            </a:solidFill>
+            <a:tailEnd type="arrow"/>
+          </a:ln>
+          <a:effectLst/>
+        </p:spPr>
+        <p:style>
+          <a:lnRef idx="2">
+            <a:schemeClr val="accent1"/>
+          </a:lnRef>
+          <a:fillRef idx="0">
+            <a:schemeClr val="accent1"/>
+          </a:fillRef>
+          <a:effectRef idx="1">
+            <a:schemeClr val="accent1"/>
+          </a:effectRef>
+          <a:fontRef idx="minor">
+            <a:schemeClr val="tx1"/>
+          </a:fontRef>
+        </p:style>
+      </p:cxnSp>
+      <p:sp>
+        <p:nvSpPr>
+          <p:cNvPr id="39" name="直方体 38"/>
+          <p:cNvSpPr/>
+          <p:nvPr/>
+        </p:nvSpPr>
+        <p:spPr>
+          <a:xfrm>
+            <a:off x="1840858" y="3795886"/>
+            <a:ext cx="935999" cy="504056"/>
+          </a:xfrm>
+          <a:prstGeom prst="cube">
+            <a:avLst/>
+          </a:prstGeom>
+          <a:solidFill>
+            <a:srgbClr val="92D400"/>
+          </a:solidFill>
+          <a:ln>
+            <a:noFill/>
+          </a:ln>
+          <a:effectLst/>
+        </p:spPr>
+        <p:style>
+          <a:lnRef idx="1">
+            <a:schemeClr val="accent1"/>
+          </a:lnRef>
+          <a:fillRef idx="3">
+            <a:schemeClr val="accent1"/>
+          </a:fillRef>
+          <a:effectRef idx="2">
+            <a:schemeClr val="accent1"/>
+          </a:effectRef>
+          <a:fontRef idx="minor">
+            <a:schemeClr val="lt1"/>
+          </a:fontRef>
+        </p:style>
+        <p:txBody>
+          <a:bodyPr rot="0" spcFirstLastPara="0" vertOverflow="overflow" horzOverflow="overflow" vert="horz" wrap="none" lIns="91440" tIns="45720" rIns="91440" bIns="45720" numCol="1" spcCol="0" rtlCol="0" fromWordArt="0" anchor="b" anchorCtr="0" forceAA="0" compatLnSpc="1">
+            <a:prstTxWarp prst="textNoShape">
+              <a:avLst/>
+            </a:prstTxWarp>
+            <a:noAutofit/>
+          </a:bodyPr>
+          <a:lstStyle/>
+          <a:p>
+            <a:pPr algn="ctr"/>
+            <a:r>
+              <a:rPr lang="en-US" altLang="ja-JP" sz="1200" dirty="0" smtClean="0">
+                <a:solidFill>
+                  <a:schemeClr val="tx1"/>
+                </a:solidFill>
+                <a:latin typeface="メイリオ"/>
+                <a:ea typeface="メイリオ"/>
+                <a:cs typeface="メイリオ"/>
+              </a:rPr>
+              <a:t>Red Hat</a:t>
+            </a:r>
+          </a:p>
+          <a:p>
+            <a:pPr algn="ctr"/>
+            <a:r>
+              <a:rPr lang="en-US" altLang="ja-JP" sz="1200" dirty="0" smtClean="0">
+                <a:solidFill>
+                  <a:schemeClr val="tx1"/>
+                </a:solidFill>
+                <a:latin typeface="メイリオ"/>
+                <a:ea typeface="メイリオ"/>
+                <a:cs typeface="メイリオ"/>
+              </a:rPr>
+              <a:t>Open JDK</a:t>
+            </a:r>
+          </a:p>
+        </p:txBody>
+      </p:sp>
+      <p:cxnSp>
+        <p:nvCxnSpPr>
+          <p:cNvPr id="40" name="直線矢印コネクタ 35"/>
+          <p:cNvCxnSpPr>
+            <a:stCxn id="26" idx="0"/>
+            <a:endCxn id="35" idx="3"/>
+          </p:cNvCxnSpPr>
+          <p:nvPr/>
+        </p:nvCxnSpPr>
+        <p:spPr>
+          <a:xfrm rot="16200000" flipV="1">
+            <a:off x="1645854" y="1605867"/>
+            <a:ext cx="793093" cy="696278"/>
+          </a:xfrm>
+          <a:prstGeom prst="bentConnector2">
+            <a:avLst/>
+          </a:prstGeom>
+          <a:ln>
+            <a:solidFill>
+              <a:srgbClr val="92D400"/>
+            </a:solidFill>
+            <a:tailEnd type="arrow"/>
+          </a:ln>
+          <a:effectLst/>
+        </p:spPr>
+        <p:style>
+          <a:lnRef idx="2">
+            <a:schemeClr val="accent1"/>
+          </a:lnRef>
+          <a:fillRef idx="0">
+            <a:schemeClr val="accent1"/>
+          </a:fillRef>
+          <a:effectRef idx="1">
+            <a:schemeClr val="accent1"/>
+          </a:effectRef>
+          <a:fontRef idx="minor">
+            <a:schemeClr val="tx1"/>
+          </a:fontRef>
+        </p:style>
+      </p:cxnSp>
+      <p:cxnSp>
+        <p:nvCxnSpPr>
+          <p:cNvPr id="42" name="直線矢印コネクタ 35"/>
+          <p:cNvCxnSpPr>
+            <a:stCxn id="84" idx="2"/>
+            <a:endCxn id="39" idx="0"/>
+          </p:cNvCxnSpPr>
+          <p:nvPr/>
+        </p:nvCxnSpPr>
+        <p:spPr>
+          <a:xfrm flipH="1">
+            <a:off x="2371865" y="3219822"/>
+            <a:ext cx="3877" cy="576064"/>
+          </a:xfrm>
+          <a:prstGeom prst="straightConnector1">
+            <a:avLst/>
+          </a:prstGeom>
+          <a:ln>
+            <a:solidFill>
+              <a:srgbClr val="92D400"/>
+            </a:solidFill>
+            <a:tailEnd type="arrow"/>
+          </a:ln>
+          <a:effectLst/>
+        </p:spPr>
+        <p:style>
+          <a:lnRef idx="2">
+            <a:schemeClr val="accent1"/>
+          </a:lnRef>
+          <a:fillRef idx="0">
+            <a:schemeClr val="accent1"/>
+          </a:fillRef>
+          <a:effectRef idx="1">
+            <a:schemeClr val="accent1"/>
+          </a:effectRef>
+          <a:fontRef idx="minor">
+            <a:schemeClr val="tx1"/>
+          </a:fontRef>
+        </p:style>
+      </p:cxnSp>
+      <p:cxnSp>
+        <p:nvCxnSpPr>
+          <p:cNvPr id="46" name="直線矢印コネクタ 35"/>
+          <p:cNvCxnSpPr>
+            <a:stCxn id="26" idx="3"/>
+            <a:endCxn id="49" idx="1"/>
+          </p:cNvCxnSpPr>
+          <p:nvPr/>
+        </p:nvCxnSpPr>
+        <p:spPr>
+          <a:xfrm flipV="1">
+            <a:off x="2555776" y="2516504"/>
+            <a:ext cx="4608512" cy="1759"/>
+          </a:xfrm>
+          <a:prstGeom prst="bentConnector3">
+            <a:avLst>
+              <a:gd name="adj1" fmla="val 50000"/>
+            </a:avLst>
+          </a:prstGeom>
+          <a:ln>
+            <a:solidFill>
+              <a:srgbClr val="92D400"/>
+            </a:solidFill>
+            <a:headEnd type="triangle" w="lg" len="med"/>
+            <a:tailEnd type="none"/>
+          </a:ln>
+          <a:effectLst/>
+        </p:spPr>
+        <p:style>
+          <a:lnRef idx="2">
+            <a:schemeClr val="accent1"/>
+          </a:lnRef>
+          <a:fillRef idx="0">
+            <a:schemeClr val="accent1"/>
+          </a:fillRef>
+          <a:effectRef idx="1">
+            <a:schemeClr val="accent1"/>
+          </a:effectRef>
+          <a:fontRef idx="minor">
+            <a:schemeClr val="tx1"/>
+          </a:fontRef>
+        </p:style>
+      </p:cxnSp>
+      <p:sp>
+        <p:nvSpPr>
+          <p:cNvPr id="59" name="直方体 58"/>
+          <p:cNvSpPr/>
+          <p:nvPr/>
+        </p:nvSpPr>
+        <p:spPr>
+          <a:xfrm>
+            <a:off x="649006" y="3795886"/>
+            <a:ext cx="936076" cy="504056"/>
+          </a:xfrm>
+          <a:prstGeom prst="cube">
+            <a:avLst/>
+          </a:prstGeom>
+          <a:solidFill>
+            <a:srgbClr val="3B0183"/>
+          </a:solidFill>
+          <a:ln>
+            <a:noFill/>
+          </a:ln>
+          <a:effectLst/>
+        </p:spPr>
+        <p:style>
+          <a:lnRef idx="1">
+            <a:schemeClr val="accent1"/>
+          </a:lnRef>
+          <a:fillRef idx="3">
+            <a:schemeClr val="accent1"/>
+          </a:fillRef>
+          <a:effectRef idx="2">
+            <a:schemeClr val="accent1"/>
+          </a:effectRef>
+          <a:fontRef idx="minor">
+            <a:schemeClr val="lt1"/>
+          </a:fontRef>
+        </p:style>
+        <p:txBody>
+          <a:bodyPr rot="0" spcFirstLastPara="0" vertOverflow="overflow" horzOverflow="overflow" vert="horz" wrap="none" lIns="91440" tIns="45720" rIns="91440" bIns="45720" numCol="1" spcCol="0" rtlCol="0" fromWordArt="0" anchor="b" anchorCtr="0" forceAA="0" compatLnSpc="1">
+            <a:prstTxWarp prst="textNoShape">
+              <a:avLst/>
+            </a:prstTxWarp>
+            <a:noAutofit/>
+          </a:bodyPr>
+          <a:lstStyle/>
+          <a:p>
+            <a:pPr algn="ctr"/>
+            <a:r>
+              <a:rPr lang="en-US" altLang="ja-JP" sz="1200" dirty="0" err="1" smtClean="0">
+                <a:solidFill>
+                  <a:schemeClr val="bg1"/>
+                </a:solidFill>
+                <a:latin typeface="メイリオ"/>
+                <a:ea typeface="メイリオ"/>
+                <a:cs typeface="メイリオ"/>
+              </a:rPr>
+              <a:t>mongodb</a:t>
+            </a:r>
+            <a:endParaRPr lang="en-US" altLang="ja-JP" sz="1200" dirty="0" smtClean="0">
+              <a:solidFill>
+                <a:schemeClr val="bg1"/>
+              </a:solidFill>
+              <a:latin typeface="メイリオ"/>
+              <a:ea typeface="メイリオ"/>
+              <a:cs typeface="メイリオ"/>
+            </a:endParaRPr>
+          </a:p>
+        </p:txBody>
+      </p:sp>
+      <p:cxnSp>
+        <p:nvCxnSpPr>
+          <p:cNvPr id="61" name="直線矢印コネクタ 35"/>
+          <p:cNvCxnSpPr>
+            <a:stCxn id="75" idx="2"/>
+            <a:endCxn id="59" idx="0"/>
+          </p:cNvCxnSpPr>
+          <p:nvPr/>
+        </p:nvCxnSpPr>
+        <p:spPr>
+          <a:xfrm flipH="1">
+            <a:off x="1180051" y="3219822"/>
+            <a:ext cx="7569" cy="576064"/>
+          </a:xfrm>
+          <a:prstGeom prst="straightConnector1">
+            <a:avLst/>
+          </a:prstGeom>
+          <a:ln>
+            <a:solidFill>
+              <a:srgbClr val="3B0183"/>
+            </a:solidFill>
+            <a:tailEnd type="arrow"/>
+          </a:ln>
+          <a:effectLst/>
+        </p:spPr>
+        <p:style>
+          <a:lnRef idx="2">
+            <a:schemeClr val="accent1"/>
+          </a:lnRef>
+          <a:fillRef idx="0">
+            <a:schemeClr val="accent1"/>
+          </a:fillRef>
+          <a:effectRef idx="1">
+            <a:schemeClr val="accent1"/>
+          </a:effectRef>
+          <a:fontRef idx="minor">
+            <a:schemeClr val="tx1"/>
+          </a:fontRef>
+        </p:style>
+      </p:cxnSp>
+      <p:sp>
+        <p:nvSpPr>
+          <p:cNvPr id="75" name="角丸四角形 74"/>
+          <p:cNvSpPr/>
+          <p:nvPr/>
+        </p:nvSpPr>
+        <p:spPr>
+          <a:xfrm>
+            <a:off x="719572" y="2859790"/>
+            <a:ext cx="936095" cy="360032"/>
+          </a:xfrm>
+          <a:prstGeom prst="roundRect">
+            <a:avLst>
+              <a:gd name="adj" fmla="val 15085"/>
+            </a:avLst>
+          </a:prstGeom>
+          <a:noFill/>
+          <a:ln>
+            <a:solidFill>
+              <a:srgbClr val="3B0183"/>
+            </a:solidFill>
+          </a:ln>
+          <a:effectLst/>
+        </p:spPr>
+        <p:style>
+          <a:lnRef idx="1">
+            <a:schemeClr val="accent1"/>
+          </a:lnRef>
+          <a:fillRef idx="3">
+            <a:schemeClr val="accent1"/>
+          </a:fillRef>
+          <a:effectRef idx="2">
+            <a:schemeClr val="accent1"/>
+          </a:effectRef>
+          <a:fontRef idx="minor">
+            <a:schemeClr val="lt1"/>
+          </a:fontRef>
+        </p:style>
+        <p:txBody>
+          <a:bodyPr wrap="none" rtlCol="0" anchor="ctr"/>
+          <a:lstStyle/>
+          <a:p>
+            <a:pPr algn="ctr"/>
+            <a:r>
+              <a:rPr kumimoji="1" lang="en-US" altLang="ja-JP" sz="1000" dirty="0" err="1" smtClean="0">
+                <a:solidFill>
+                  <a:schemeClr val="tx1"/>
+                </a:solidFill>
+                <a:latin typeface="メイリオ"/>
+                <a:ea typeface="メイリオ"/>
+                <a:cs typeface="メイリオ"/>
+              </a:rPr>
+              <a:t>ImageStream</a:t>
+            </a:r>
+            <a:r>
+              <a:rPr lang="en-US" altLang="ja-JP" sz="1000" dirty="0" smtClean="0">
+                <a:solidFill>
+                  <a:schemeClr val="tx1"/>
+                </a:solidFill>
+                <a:latin typeface="メイリオ"/>
+                <a:ea typeface="メイリオ"/>
+                <a:cs typeface="メイリオ"/>
+              </a:rPr>
+              <a:t>:</a:t>
+            </a:r>
+          </a:p>
+          <a:p>
+            <a:pPr algn="ctr"/>
+            <a:r>
+              <a:rPr lang="en-US" altLang="ja-JP" sz="1000" dirty="0" err="1" smtClean="0">
+                <a:solidFill>
+                  <a:schemeClr val="tx1"/>
+                </a:solidFill>
+                <a:latin typeface="メイリオ"/>
+                <a:ea typeface="メイリオ"/>
+                <a:cs typeface="メイリオ"/>
+              </a:rPr>
+              <a:t>mongodb</a:t>
+            </a:r>
+            <a:endParaRPr kumimoji="1" lang="ja-JP" altLang="en-US" sz="1000" dirty="0">
+              <a:solidFill>
+                <a:schemeClr val="tx1"/>
+              </a:solidFill>
+              <a:latin typeface="メイリオ"/>
+              <a:ea typeface="メイリオ"/>
+              <a:cs typeface="メイリオ"/>
+            </a:endParaRPr>
+          </a:p>
+        </p:txBody>
+      </p:sp>
+      <p:cxnSp>
+        <p:nvCxnSpPr>
+          <p:cNvPr id="76" name="直線矢印コネクタ 35"/>
+          <p:cNvCxnSpPr>
+            <a:stCxn id="75" idx="0"/>
+            <a:endCxn id="25" idx="2"/>
+          </p:cNvCxnSpPr>
+          <p:nvPr/>
+        </p:nvCxnSpPr>
+        <p:spPr>
+          <a:xfrm flipV="1">
+            <a:off x="1187620" y="2175706"/>
+            <a:ext cx="4" cy="684084"/>
+          </a:xfrm>
+          <a:prstGeom prst="straightConnector1">
+            <a:avLst/>
+          </a:prstGeom>
+          <a:ln>
+            <a:solidFill>
+              <a:srgbClr val="3B0183"/>
+            </a:solidFill>
+            <a:tailEnd type="arrow"/>
+          </a:ln>
+          <a:effectLst/>
+        </p:spPr>
+        <p:style>
+          <a:lnRef idx="2">
+            <a:schemeClr val="accent1"/>
+          </a:lnRef>
+          <a:fillRef idx="0">
+            <a:schemeClr val="accent1"/>
+          </a:fillRef>
+          <a:effectRef idx="1">
+            <a:schemeClr val="accent1"/>
+          </a:effectRef>
+          <a:fontRef idx="minor">
+            <a:schemeClr val="tx1"/>
+          </a:fontRef>
+        </p:style>
+      </p:cxnSp>
+      <p:sp>
+        <p:nvSpPr>
+          <p:cNvPr id="84" name="角丸四角形 83"/>
+          <p:cNvSpPr/>
+          <p:nvPr/>
+        </p:nvSpPr>
+        <p:spPr>
+          <a:xfrm>
+            <a:off x="1835695" y="2859790"/>
+            <a:ext cx="1080093" cy="360032"/>
+          </a:xfrm>
+          <a:prstGeom prst="roundRect">
+            <a:avLst>
+              <a:gd name="adj" fmla="val 15085"/>
+            </a:avLst>
+          </a:prstGeom>
+          <a:noFill/>
+          <a:ln>
+            <a:solidFill>
+              <a:srgbClr val="92D400"/>
+            </a:solidFill>
+          </a:ln>
+          <a:effectLst/>
+        </p:spPr>
+        <p:style>
+          <a:lnRef idx="1">
+            <a:schemeClr val="accent1"/>
+          </a:lnRef>
+          <a:fillRef idx="3">
+            <a:schemeClr val="accent1"/>
+          </a:fillRef>
+          <a:effectRef idx="2">
+            <a:schemeClr val="accent1"/>
+          </a:effectRef>
+          <a:fontRef idx="minor">
+            <a:schemeClr val="lt1"/>
+          </a:fontRef>
+        </p:style>
+        <p:txBody>
+          <a:bodyPr wrap="none" rtlCol="0" anchor="ctr"/>
+          <a:lstStyle/>
+          <a:p>
+            <a:pPr algn="ctr"/>
+            <a:r>
+              <a:rPr kumimoji="1" lang="en-US" altLang="ja-JP" sz="1000" dirty="0" err="1" smtClean="0">
+                <a:solidFill>
+                  <a:schemeClr val="tx1"/>
+                </a:solidFill>
+                <a:latin typeface="メイリオ"/>
+                <a:ea typeface="メイリオ"/>
+                <a:cs typeface="メイリオ"/>
+              </a:rPr>
+              <a:t>ImageStream</a:t>
+            </a:r>
+            <a:r>
+              <a:rPr lang="en-US" altLang="ja-JP" sz="1000" dirty="0" smtClean="0">
+                <a:solidFill>
+                  <a:schemeClr val="tx1"/>
+                </a:solidFill>
+                <a:latin typeface="メイリオ"/>
+                <a:ea typeface="メイリオ"/>
+                <a:cs typeface="メイリオ"/>
+              </a:rPr>
+              <a:t>:</a:t>
+            </a:r>
+            <a:endParaRPr lang="en-US" altLang="ja-JP" sz="1000" dirty="0">
+              <a:solidFill>
+                <a:schemeClr val="tx1"/>
+              </a:solidFill>
+              <a:latin typeface="メイリオ"/>
+              <a:ea typeface="メイリオ"/>
+              <a:cs typeface="メイリオ"/>
+            </a:endParaRPr>
+          </a:p>
+          <a:p>
+            <a:pPr algn="ctr"/>
+            <a:r>
+              <a:rPr lang="en-US" altLang="ja-JP" sz="1000" dirty="0" err="1" smtClean="0">
+                <a:solidFill>
+                  <a:schemeClr val="tx1"/>
+                </a:solidFill>
+                <a:latin typeface="メイリオ"/>
+                <a:ea typeface="メイリオ"/>
+                <a:cs typeface="メイリオ"/>
+              </a:rPr>
+              <a:t>redhat</a:t>
+            </a:r>
+            <a:r>
+              <a:rPr lang="en-US" altLang="ja-JP" sz="1000" dirty="0" smtClean="0">
+                <a:solidFill>
+                  <a:schemeClr val="tx1"/>
+                </a:solidFill>
+                <a:latin typeface="メイリオ"/>
+                <a:ea typeface="メイリオ"/>
+                <a:cs typeface="メイリオ"/>
+              </a:rPr>
+              <a:t>-open-</a:t>
+            </a:r>
+            <a:r>
+              <a:rPr lang="en-US" altLang="ja-JP" sz="1000" dirty="0" err="1" smtClean="0">
+                <a:solidFill>
+                  <a:schemeClr val="tx1"/>
+                </a:solidFill>
+                <a:latin typeface="メイリオ"/>
+                <a:ea typeface="メイリオ"/>
+                <a:cs typeface="メイリオ"/>
+              </a:rPr>
+              <a:t>jdk</a:t>
+            </a:r>
+            <a:endParaRPr lang="en-US" altLang="ja-JP" sz="1000" dirty="0" smtClean="0">
+              <a:solidFill>
+                <a:schemeClr val="tx1"/>
+              </a:solidFill>
+              <a:latin typeface="メイリオ"/>
+              <a:ea typeface="メイリオ"/>
+              <a:cs typeface="メイリオ"/>
+            </a:endParaRPr>
+          </a:p>
+        </p:txBody>
+      </p:sp>
+      <p:cxnSp>
+        <p:nvCxnSpPr>
+          <p:cNvPr id="86" name="直線矢印コネクタ 35"/>
+          <p:cNvCxnSpPr>
+            <a:stCxn id="84" idx="0"/>
+            <a:endCxn id="26" idx="2"/>
+          </p:cNvCxnSpPr>
+          <p:nvPr/>
+        </p:nvCxnSpPr>
+        <p:spPr>
+          <a:xfrm flipV="1">
+            <a:off x="2375742" y="2685974"/>
+            <a:ext cx="14797" cy="173816"/>
+          </a:xfrm>
+          <a:prstGeom prst="straightConnector1">
+            <a:avLst/>
+          </a:prstGeom>
+          <a:ln>
+            <a:solidFill>
+              <a:srgbClr val="92D400"/>
+            </a:solidFill>
+            <a:tailEnd type="arrow"/>
+          </a:ln>
+          <a:effectLst/>
+        </p:spPr>
+        <p:style>
+          <a:lnRef idx="2">
+            <a:schemeClr val="accent1"/>
+          </a:lnRef>
+          <a:fillRef idx="0">
+            <a:schemeClr val="accent1"/>
+          </a:fillRef>
+          <a:effectRef idx="1">
+            <a:schemeClr val="accent1"/>
+          </a:effectRef>
+          <a:fontRef idx="minor">
+            <a:schemeClr val="tx1"/>
+          </a:fontRef>
+        </p:style>
+      </p:cxnSp>
+      <p:pic>
+        <p:nvPicPr>
+          <p:cNvPr id="8" name="図 7" descr="Icon_RH_Document_Paper-Lined_RGB_Flat.png"/>
+          <p:cNvPicPr>
+            <a:picLocks noChangeAspect="1"/>
+          </p:cNvPicPr>
+          <p:nvPr/>
+        </p:nvPicPr>
+        <p:blipFill>
+          <a:blip r:embed="rId4" cstate="print">
+            <a:extLst>
+              <a:ext uri="{28A0092B-C50C-407E-A947-70E740481C1C}">
+                <a14:useLocalDpi xmlns:a14="http://schemas.microsoft.com/office/drawing/2010/main" val="0"/>
+              </a:ext>
+            </a:extLst>
+          </a:blip>
+          <a:stretch>
+            <a:fillRect/>
+          </a:stretch>
+        </p:blipFill>
+        <p:spPr>
+          <a:xfrm>
+            <a:off x="7723256" y="2394317"/>
+            <a:ext cx="377136" cy="511192"/>
+          </a:xfrm>
+          <a:prstGeom prst="snip1Rect">
+            <a:avLst>
+              <a:gd name="adj" fmla="val 21824"/>
+            </a:avLst>
+          </a:prstGeom>
+          <a:solidFill>
+            <a:schemeClr val="bg1"/>
+          </a:solidFill>
+        </p:spPr>
+      </p:pic>
+      <p:pic>
+        <p:nvPicPr>
+          <p:cNvPr id="26" name="図 25" descr="Icon_RH_Software_Processing_RGB_Flat.png"/>
+          <p:cNvPicPr>
+            <a:picLocks noChangeAspect="1"/>
+          </p:cNvPicPr>
+          <p:nvPr/>
+        </p:nvPicPr>
+        <p:blipFill>
+          <a:blip r:embed="rId5" cstate="print">
+            <a:extLst>
+              <a:ext uri="{28A0092B-C50C-407E-A947-70E740481C1C}">
+                <a14:useLocalDpi xmlns:a14="http://schemas.microsoft.com/office/drawing/2010/main" val="0"/>
+              </a:ext>
+            </a:extLst>
+          </a:blip>
+          <a:stretch>
+            <a:fillRect/>
+          </a:stretch>
+        </p:blipFill>
+        <p:spPr>
+          <a:xfrm>
+            <a:off x="2225301" y="2350552"/>
+            <a:ext cx="330475" cy="335422"/>
+          </a:xfrm>
+          <a:prstGeom prst="rect">
+            <a:avLst/>
+          </a:prstGeom>
+        </p:spPr>
+      </p:pic>
+      <p:sp>
+        <p:nvSpPr>
+          <p:cNvPr id="69" name="角丸四角形 68"/>
+          <p:cNvSpPr/>
+          <p:nvPr/>
+        </p:nvSpPr>
+        <p:spPr>
+          <a:xfrm>
+            <a:off x="578137" y="1377439"/>
+            <a:ext cx="1152128" cy="360040"/>
+          </a:xfrm>
+          <a:prstGeom prst="roundRect">
+            <a:avLst>
+              <a:gd name="adj" fmla="val 18566"/>
+            </a:avLst>
+          </a:prstGeom>
+          <a:noFill/>
+          <a:ln w="28575" cmpd="sng">
+            <a:solidFill>
+              <a:schemeClr val="tx1">
+                <a:lumMod val="75000"/>
+                <a:lumOff val="25000"/>
+              </a:schemeClr>
+            </a:solidFill>
+            <a:prstDash val="sysDash"/>
+          </a:ln>
+          <a:effectLst/>
+        </p:spPr>
+        <p:style>
+          <a:lnRef idx="1">
+            <a:schemeClr val="accent1"/>
+          </a:lnRef>
+          <a:fillRef idx="3">
+            <a:schemeClr val="accent1"/>
+          </a:fillRef>
+          <a:effectRef idx="2">
+            <a:schemeClr val="accent1"/>
+          </a:effectRef>
+          <a:fontRef idx="minor">
+            <a:schemeClr val="lt1"/>
+          </a:fontRef>
+        </p:style>
+        <p:txBody>
+          <a:bodyPr rot="0" spcFirstLastPara="0" vertOverflow="overflow" horzOverflow="overflow" vert="horz" wrap="none" lIns="91440" tIns="45720" rIns="91440" bIns="45720" numCol="1" spcCol="0" rtlCol="0" fromWordArt="0" anchor="t" anchorCtr="0" forceAA="0" compatLnSpc="1">
+            <a:prstTxWarp prst="textNoShape">
+              <a:avLst/>
+            </a:prstTxWarp>
+            <a:noAutofit/>
+          </a:bodyPr>
+          <a:lstStyle/>
+          <a:p>
+            <a:pPr algn="ctr"/>
+            <a:endParaRPr kumimoji="1" lang="ja-JP" altLang="en-US" sz="1200" dirty="0">
+              <a:solidFill>
+                <a:schemeClr val="tx1"/>
+              </a:solidFill>
+              <a:latin typeface="メイリオ"/>
+              <a:ea typeface="メイリオ"/>
+              <a:cs typeface="メイリオ"/>
+            </a:endParaRPr>
+          </a:p>
+        </p:txBody>
+      </p:sp>
+      <p:sp>
+        <p:nvSpPr>
+          <p:cNvPr id="71" name="角丸四角形 70"/>
+          <p:cNvSpPr/>
+          <p:nvPr/>
+        </p:nvSpPr>
+        <p:spPr>
+          <a:xfrm>
+            <a:off x="611560" y="1851670"/>
+            <a:ext cx="1152128" cy="360040"/>
+          </a:xfrm>
+          <a:prstGeom prst="roundRect">
+            <a:avLst>
+              <a:gd name="adj" fmla="val 18566"/>
+            </a:avLst>
+          </a:prstGeom>
+          <a:noFill/>
+          <a:ln w="28575" cmpd="sng">
+            <a:solidFill>
+              <a:schemeClr val="tx1">
+                <a:lumMod val="75000"/>
+                <a:lumOff val="25000"/>
+              </a:schemeClr>
+            </a:solidFill>
+            <a:prstDash val="sysDash"/>
+          </a:ln>
+          <a:effectLst/>
+        </p:spPr>
+        <p:style>
+          <a:lnRef idx="1">
+            <a:schemeClr val="accent1"/>
+          </a:lnRef>
+          <a:fillRef idx="3">
+            <a:schemeClr val="accent1"/>
+          </a:fillRef>
+          <a:effectRef idx="2">
+            <a:schemeClr val="accent1"/>
+          </a:effectRef>
+          <a:fontRef idx="minor">
+            <a:schemeClr val="lt1"/>
+          </a:fontRef>
+        </p:style>
+        <p:txBody>
+          <a:bodyPr rot="0" spcFirstLastPara="0" vertOverflow="overflow" horzOverflow="overflow" vert="horz" wrap="none" lIns="91440" tIns="45720" rIns="91440" bIns="45720" numCol="1" spcCol="0" rtlCol="0" fromWordArt="0" anchor="t" anchorCtr="0" forceAA="0" compatLnSpc="1">
+            <a:prstTxWarp prst="textNoShape">
+              <a:avLst/>
+            </a:prstTxWarp>
+            <a:noAutofit/>
+          </a:bodyPr>
+          <a:lstStyle/>
+          <a:p>
+            <a:pPr algn="ctr"/>
+            <a:endParaRPr kumimoji="1" lang="ja-JP" altLang="en-US" sz="1200" dirty="0">
+              <a:solidFill>
+                <a:schemeClr val="tx1"/>
+              </a:solidFill>
+              <a:latin typeface="メイリオ"/>
+              <a:ea typeface="メイリオ"/>
+              <a:cs typeface="メイリオ"/>
+            </a:endParaRPr>
+          </a:p>
+        </p:txBody>
+      </p:sp>
+      <p:grpSp>
+        <p:nvGrpSpPr>
+          <p:cNvPr id="65" name="図形グループ 64"/>
+          <p:cNvGrpSpPr/>
+          <p:nvPr/>
+        </p:nvGrpSpPr>
+        <p:grpSpPr>
+          <a:xfrm>
+            <a:off x="1763793" y="843558"/>
+            <a:ext cx="935999" cy="360040"/>
+            <a:chOff x="2375809" y="1131590"/>
+            <a:chExt cx="935999" cy="360040"/>
+          </a:xfrm>
+        </p:grpSpPr>
+        <p:sp>
+          <p:nvSpPr>
+            <p:cNvPr id="32" name="角丸四角形 31"/>
+            <p:cNvSpPr/>
+            <p:nvPr/>
+          </p:nvSpPr>
+          <p:spPr>
+            <a:xfrm>
+              <a:off x="2411760" y="1167594"/>
+              <a:ext cx="864096" cy="288032"/>
+            </a:xfrm>
+            <a:prstGeom prst="roundRect">
+              <a:avLst>
+                <a:gd name="adj" fmla="val 0"/>
+              </a:avLst>
+            </a:prstGeom>
+            <a:solidFill>
+              <a:srgbClr val="FF6600"/>
+            </a:solidFill>
+            <a:ln w="38100" cmpd="dbl">
+              <a:noFill/>
+              <a:prstDash val="sysDash"/>
+            </a:ln>
+            <a:effectLst/>
+          </p:spPr>
+          <p:style>
+            <a:lnRef idx="1">
+              <a:schemeClr val="accent1"/>
+            </a:lnRef>
+            <a:fillRef idx="3">
+              <a:schemeClr val="accent1"/>
+            </a:fillRef>
+            <a:effectRef idx="2">
+              <a:schemeClr val="accent1"/>
+            </a:effectRef>
+            <a:fontRef idx="minor">
+              <a:schemeClr val="lt1"/>
+            </a:fontRef>
+          </p:style>
+          <p:txBody>
+            <a:bodyPr rot="0" spcFirstLastPara="0" vertOverflow="overflow" horzOverflow="overflow" vert="horz" wrap="none" lIns="91440" tIns="45720" rIns="91440" bIns="45720" numCol="1" spcCol="0" rtlCol="0" fromWordArt="0" anchor="t" anchorCtr="0" forceAA="0" compatLnSpc="1">
+              <a:prstTxWarp prst="textNoShape">
+                <a:avLst/>
+              </a:prstTxWarp>
+              <a:noAutofit/>
+            </a:bodyPr>
+            <a:lstStyle/>
+            <a:p>
+              <a:pPr algn="ctr"/>
+              <a:r>
+                <a:rPr kumimoji="1" lang="en-US" altLang="ja-JP" sz="1200" dirty="0" err="1" smtClean="0">
+                  <a:solidFill>
+                    <a:schemeClr val="tx1"/>
+                  </a:solidFill>
+                  <a:latin typeface="メイリオ"/>
+                  <a:ea typeface="メイリオ"/>
+                  <a:cs typeface="メイリオ"/>
+                </a:rPr>
+                <a:t>parksmap</a:t>
+              </a:r>
+              <a:endParaRPr kumimoji="1" lang="ja-JP" altLang="en-US" sz="1200" dirty="0">
+                <a:solidFill>
+                  <a:schemeClr val="tx1"/>
+                </a:solidFill>
+                <a:latin typeface="メイリオ"/>
+                <a:ea typeface="メイリオ"/>
+                <a:cs typeface="メイリオ"/>
+              </a:endParaRPr>
+            </a:p>
+          </p:txBody>
+        </p:sp>
+        <p:sp>
+          <p:nvSpPr>
+            <p:cNvPr id="72" name="角丸四角形 71"/>
+            <p:cNvSpPr/>
+            <p:nvPr/>
+          </p:nvSpPr>
+          <p:spPr>
+            <a:xfrm>
+              <a:off x="2375809" y="1131590"/>
+              <a:ext cx="935999" cy="360040"/>
+            </a:xfrm>
+            <a:prstGeom prst="roundRect">
+              <a:avLst>
+                <a:gd name="adj" fmla="val 18566"/>
+              </a:avLst>
+            </a:prstGeom>
+            <a:noFill/>
+            <a:ln w="28575" cmpd="sng">
+              <a:solidFill>
+                <a:schemeClr val="tx1">
+                  <a:lumMod val="75000"/>
+                  <a:lumOff val="25000"/>
+                </a:schemeClr>
+              </a:solidFill>
+              <a:prstDash val="sysDash"/>
+            </a:ln>
+            <a:effectLst/>
+          </p:spPr>
+          <p:style>
+            <a:lnRef idx="1">
+              <a:schemeClr val="accent1"/>
+            </a:lnRef>
+            <a:fillRef idx="3">
+              <a:schemeClr val="accent1"/>
+            </a:fillRef>
+            <a:effectRef idx="2">
+              <a:schemeClr val="accent1"/>
+            </a:effectRef>
+            <a:fontRef idx="minor">
+              <a:schemeClr val="lt1"/>
+            </a:fontRef>
+          </p:style>
+          <p:txBody>
+            <a:bodyPr rot="0" spcFirstLastPara="0" vertOverflow="overflow" horzOverflow="overflow" vert="horz" wrap="none" lIns="91440" tIns="45720" rIns="91440" bIns="45720" numCol="1" spcCol="0" rtlCol="0" fromWordArt="0" anchor="t" anchorCtr="0" forceAA="0" compatLnSpc="1">
+              <a:prstTxWarp prst="textNoShape">
+                <a:avLst/>
+              </a:prstTxWarp>
+              <a:noAutofit/>
+            </a:bodyPr>
+            <a:lstStyle/>
+            <a:p>
+              <a:pPr algn="ctr"/>
+              <a:endParaRPr kumimoji="1" lang="ja-JP" altLang="en-US" sz="1200" dirty="0">
+                <a:solidFill>
+                  <a:schemeClr val="tx1"/>
+                </a:solidFill>
+                <a:latin typeface="メイリオ"/>
+                <a:ea typeface="メイリオ"/>
+                <a:cs typeface="メイリオ"/>
+              </a:endParaRPr>
+            </a:p>
+          </p:txBody>
+        </p:sp>
+      </p:grpSp>
+      <p:pic>
+        <p:nvPicPr>
+          <p:cNvPr id="10" name="図 9"/>
+          <p:cNvPicPr>
+            <a:picLocks noChangeAspect="1"/>
+          </p:cNvPicPr>
+          <p:nvPr/>
+        </p:nvPicPr>
+        <p:blipFill>
+          <a:blip r:embed="rId6"/>
+          <a:stretch>
+            <a:fillRect/>
+          </a:stretch>
+        </p:blipFill>
+        <p:spPr>
+          <a:xfrm>
+            <a:off x="7380312" y="1636056"/>
+            <a:ext cx="338336" cy="359630"/>
+          </a:xfrm>
+          <a:prstGeom prst="rect">
+            <a:avLst/>
+          </a:prstGeom>
+        </p:spPr>
+      </p:pic>
+      <p:sp>
+        <p:nvSpPr>
+          <p:cNvPr id="12" name="テキスト ボックス 11"/>
+          <p:cNvSpPr txBox="1"/>
+          <p:nvPr/>
+        </p:nvSpPr>
+        <p:spPr>
+          <a:xfrm>
+            <a:off x="7092280" y="3075806"/>
+            <a:ext cx="1877437" cy="276999"/>
+          </a:xfrm>
+          <a:prstGeom prst="rect">
+            <a:avLst/>
+          </a:prstGeom>
+          <a:noFill/>
+        </p:spPr>
+        <p:txBody>
+          <a:bodyPr wrap="none" rtlCol="0">
+            <a:spAutoFit/>
+          </a:bodyPr>
+          <a:lstStyle/>
+          <a:p>
+            <a:r>
+              <a:rPr lang="ja-JP" altLang="en-US" sz="1200" b="1" dirty="0" smtClean="0">
+                <a:latin typeface="メイリオ"/>
+                <a:ea typeface="メイリオ"/>
+                <a:cs typeface="メイリオ"/>
+              </a:rPr>
+              <a:t>ソースコードリポジトリ</a:t>
+            </a:r>
+            <a:endParaRPr kumimoji="1" lang="ja-JP" altLang="en-US" sz="1200" b="1" dirty="0" smtClean="0">
+              <a:latin typeface="メイリオ"/>
+              <a:ea typeface="メイリオ"/>
+              <a:cs typeface="メイリオ"/>
+            </a:endParaRPr>
+          </a:p>
+        </p:txBody>
+      </p:sp>
+      <p:sp>
+        <p:nvSpPr>
+          <p:cNvPr id="2" name="上下矢印 1"/>
+          <p:cNvSpPr/>
+          <p:nvPr/>
+        </p:nvSpPr>
+        <p:spPr>
+          <a:xfrm>
+            <a:off x="1043608" y="1563638"/>
+            <a:ext cx="216024" cy="424064"/>
+          </a:xfrm>
+          <a:prstGeom prst="upDownArrow">
+            <a:avLst/>
+          </a:prstGeom>
+          <a:solidFill>
+            <a:srgbClr val="FF0000"/>
+          </a:solidFill>
+          <a:effectLst/>
+        </p:spPr>
+        <p:style>
+          <a:lnRef idx="1">
+            <a:schemeClr val="accent1"/>
+          </a:lnRef>
+          <a:fillRef idx="3">
+            <a:schemeClr val="accent1"/>
+          </a:fillRef>
+          <a:effectRef idx="2">
+            <a:schemeClr val="accent1"/>
+          </a:effectRef>
+          <a:fontRef idx="minor">
+            <a:schemeClr val="lt1"/>
+          </a:fontRef>
+        </p:style>
+        <p:txBody>
+          <a:bodyPr rtlCol="0" anchor="ctr"/>
+          <a:lstStyle/>
+          <a:p>
+            <a:pPr algn="ctr"/>
+            <a:endParaRPr kumimoji="1" lang="ja-JP" altLang="en-US" sz="1200" dirty="0">
+              <a:solidFill>
+                <a:schemeClr val="tx1"/>
+              </a:solidFill>
+              <a:latin typeface="メイリオ"/>
+              <a:ea typeface="メイリオ"/>
+              <a:cs typeface="メイリオ"/>
+            </a:endParaRPr>
+          </a:p>
+        </p:txBody>
+      </p:sp>
+      <p:sp>
+        <p:nvSpPr>
+          <p:cNvPr id="36" name="上下矢印 35"/>
+          <p:cNvSpPr/>
+          <p:nvPr/>
+        </p:nvSpPr>
+        <p:spPr>
+          <a:xfrm rot="2251176">
+            <a:off x="1666107" y="1135266"/>
+            <a:ext cx="172863" cy="406000"/>
+          </a:xfrm>
+          <a:prstGeom prst="upDownArrow">
+            <a:avLst/>
+          </a:prstGeom>
+          <a:solidFill>
+            <a:srgbClr val="FF0000"/>
+          </a:solidFill>
+          <a:effectLst/>
+        </p:spPr>
+        <p:style>
+          <a:lnRef idx="1">
+            <a:schemeClr val="accent1"/>
+          </a:lnRef>
+          <a:fillRef idx="3">
+            <a:schemeClr val="accent1"/>
+          </a:fillRef>
+          <a:effectRef idx="2">
+            <a:schemeClr val="accent1"/>
+          </a:effectRef>
+          <a:fontRef idx="minor">
+            <a:schemeClr val="lt1"/>
+          </a:fontRef>
+        </p:style>
+        <p:txBody>
+          <a:bodyPr rtlCol="0" anchor="ctr"/>
+          <a:lstStyle/>
+          <a:p>
+            <a:pPr algn="ctr"/>
+            <a:endParaRPr kumimoji="1" lang="ja-JP" altLang="en-US" sz="1200" dirty="0">
+              <a:solidFill>
+                <a:schemeClr val="tx1"/>
+              </a:solidFill>
+              <a:latin typeface="メイリオ"/>
+              <a:ea typeface="メイリオ"/>
+              <a:cs typeface="メイリオ"/>
+            </a:endParaRPr>
+          </a:p>
+        </p:txBody>
+      </p:sp>
+      <p:sp>
+        <p:nvSpPr>
+          <p:cNvPr id="41" name="角丸四角形 40"/>
+          <p:cNvSpPr/>
+          <p:nvPr/>
+        </p:nvSpPr>
+        <p:spPr>
+          <a:xfrm>
+            <a:off x="5436096" y="2859782"/>
+            <a:ext cx="1080093" cy="360032"/>
+          </a:xfrm>
+          <a:prstGeom prst="roundRect">
+            <a:avLst>
+              <a:gd name="adj" fmla="val 15085"/>
+            </a:avLst>
+          </a:prstGeom>
+          <a:noFill/>
+          <a:ln>
+            <a:solidFill>
+              <a:srgbClr val="FF6600"/>
+            </a:solidFill>
+          </a:ln>
+          <a:effectLst/>
+        </p:spPr>
+        <p:style>
+          <a:lnRef idx="1">
+            <a:schemeClr val="accent1"/>
+          </a:lnRef>
+          <a:fillRef idx="3">
+            <a:schemeClr val="accent1"/>
+          </a:fillRef>
+          <a:effectRef idx="2">
+            <a:schemeClr val="accent1"/>
+          </a:effectRef>
+          <a:fontRef idx="minor">
+            <a:schemeClr val="lt1"/>
+          </a:fontRef>
+        </p:style>
+        <p:txBody>
+          <a:bodyPr wrap="none" rtlCol="0" anchor="ctr"/>
+          <a:lstStyle/>
+          <a:p>
+            <a:pPr algn="ctr"/>
+            <a:r>
+              <a:rPr kumimoji="1" lang="en-US" altLang="ja-JP" sz="1000" dirty="0" err="1" smtClean="0">
+                <a:solidFill>
+                  <a:schemeClr val="tx1"/>
+                </a:solidFill>
+                <a:latin typeface="メイリオ"/>
+                <a:ea typeface="メイリオ"/>
+                <a:cs typeface="メイリオ"/>
+              </a:rPr>
+              <a:t>ImageStream</a:t>
+            </a:r>
+            <a:r>
+              <a:rPr lang="en-US" altLang="ja-JP" sz="1000" dirty="0" smtClean="0">
+                <a:solidFill>
+                  <a:schemeClr val="tx1"/>
+                </a:solidFill>
+                <a:latin typeface="メイリオ"/>
+                <a:ea typeface="メイリオ"/>
+                <a:cs typeface="メイリオ"/>
+              </a:rPr>
+              <a:t>:</a:t>
+            </a:r>
+            <a:endParaRPr lang="en-US" altLang="ja-JP" sz="1000" dirty="0">
+              <a:solidFill>
+                <a:schemeClr val="tx1"/>
+              </a:solidFill>
+              <a:latin typeface="メイリオ"/>
+              <a:ea typeface="メイリオ"/>
+              <a:cs typeface="メイリオ"/>
+            </a:endParaRPr>
+          </a:p>
+          <a:p>
+            <a:pPr algn="ctr"/>
+            <a:r>
+              <a:rPr lang="en-US" altLang="ja-JP" sz="1000" dirty="0" err="1" smtClean="0">
+                <a:solidFill>
+                  <a:schemeClr val="tx1"/>
+                </a:solidFill>
+                <a:latin typeface="メイリオ"/>
+                <a:ea typeface="メイリオ"/>
+                <a:cs typeface="メイリオ"/>
+              </a:rPr>
+              <a:t>parksmap</a:t>
+            </a:r>
+            <a:endParaRPr lang="en-US" altLang="ja-JP" sz="1000" dirty="0" smtClean="0">
+              <a:solidFill>
+                <a:schemeClr val="tx1"/>
+              </a:solidFill>
+              <a:latin typeface="メイリオ"/>
+              <a:ea typeface="メイリオ"/>
+              <a:cs typeface="メイリオ"/>
+            </a:endParaRPr>
+          </a:p>
+        </p:txBody>
+      </p:sp>
+      <p:cxnSp>
+        <p:nvCxnSpPr>
+          <p:cNvPr id="43" name="直線矢印コネクタ 35"/>
+          <p:cNvCxnSpPr>
+            <a:stCxn id="37" idx="0"/>
+            <a:endCxn id="41" idx="2"/>
+          </p:cNvCxnSpPr>
+          <p:nvPr/>
+        </p:nvCxnSpPr>
+        <p:spPr>
+          <a:xfrm flipH="1" flipV="1">
+            <a:off x="5976143" y="3219814"/>
+            <a:ext cx="11036" cy="504064"/>
+          </a:xfrm>
+          <a:prstGeom prst="straightConnector1">
+            <a:avLst/>
+          </a:prstGeom>
+          <a:ln>
+            <a:solidFill>
+              <a:srgbClr val="FF6600"/>
+            </a:solidFill>
+            <a:tailEnd type="arrow"/>
+          </a:ln>
+          <a:effectLst/>
+        </p:spPr>
+        <p:style>
+          <a:lnRef idx="2">
+            <a:schemeClr val="accent1"/>
+          </a:lnRef>
+          <a:fillRef idx="0">
+            <a:schemeClr val="accent1"/>
+          </a:fillRef>
+          <a:effectRef idx="1">
+            <a:schemeClr val="accent1"/>
+          </a:effectRef>
+          <a:fontRef idx="minor">
+            <a:schemeClr val="tx1"/>
+          </a:fontRef>
+        </p:style>
+      </p:cxnSp>
+    </p:spTree>
+    <p:extLst>
+      <p:ext uri="{BB962C8B-B14F-4D97-AF65-F5344CB8AC3E}">
+        <p14:creationId xmlns:p14="http://schemas.microsoft.com/office/powerpoint/2010/main" val="2712980318"/>
+      </p:ext>
+    </p:extLst>
+  </p:cSld>
+  <p:clrMapOvr>
+    <a:masterClrMapping/>
+  </p:clrMapOvr>
+  <p:timing>
+    <p:tnLst>
+      <p:par>
+        <p:cTn xmlns:p14="http://schemas.microsoft.com/office/powerpoint/2010/main" id="1" dur="indefinite" restart="never" nodeType="tmRoot"/>
+      </p:par>
+    </p:tnLst>
+  </p:timing>
+</p:sld>
+</file>
+
+<file path=ppt/slides/slide4.xml><?xml version="1.0" encoding="utf-8"?>
+<p:sld xmlns:a="http://schemas.openxmlformats.org/drawingml/2006/main" xmlns:r="http://schemas.openxmlformats.org/officeDocument/2006/relationships" xmlns:p="http://schemas.openxmlformats.org/presentationml/2006/main">
+  <p:cSld>
+    <p:spTree>
+      <p:nvGrpSpPr>
+        <p:cNvPr id="1" name=""/>
+        <p:cNvGrpSpPr/>
+        <p:nvPr/>
+      </p:nvGrpSpPr>
+      <p:grpSpPr>
+        <a:xfrm>
+          <a:off x="0" y="0"/>
+          <a:ext cx="0" cy="0"/>
+          <a:chOff x="0" y="0"/>
+          <a:chExt cx="0" cy="0"/>
+        </a:xfrm>
+      </p:grpSpPr>
+      <p:sp>
+        <p:nvSpPr>
+          <p:cNvPr id="2" name="フッター プレースホルダー 1"/>
+          <p:cNvSpPr>
+            <a:spLocks noGrp="1"/>
+          </p:cNvSpPr>
+          <p:nvPr>
+            <p:ph type="ftr" sz="quarter" idx="10"/>
+          </p:nvPr>
+        </p:nvSpPr>
+        <p:spPr/>
+        <p:txBody>
+          <a:bodyPr/>
+          <a:lstStyle/>
+          <a:p>
+            <a:r>
+              <a:rPr lang="en-US" altLang="ja-JP" smtClean="0"/>
+              <a:t>Copyright@2017, Red Hat K.K. </a:t>
+            </a:r>
+            <a:endParaRPr lang="ja-JP" altLang="en-US" dirty="0">
+              <a:latin typeface="Arial" charset="0"/>
+              <a:ea typeface="ＭＳ ゴシック" charset="0"/>
+              <a:cs typeface="ＭＳ ゴシック" charset="0"/>
+            </a:endParaRPr>
+          </a:p>
+        </p:txBody>
+      </p:sp>
+      <p:sp>
+        <p:nvSpPr>
+          <p:cNvPr id="3" name="スライド番号プレースホルダー 2"/>
+          <p:cNvSpPr>
+            <a:spLocks noGrp="1"/>
+          </p:cNvSpPr>
+          <p:nvPr>
+            <p:ph type="sldNum" sz="quarter" idx="11"/>
+          </p:nvPr>
+        </p:nvSpPr>
+        <p:spPr/>
+        <p:txBody>
+          <a:bodyPr/>
+          <a:lstStyle/>
+          <a:p>
+            <a:fld id="{92478E15-1A92-8C42-BB8E-DC52EDC0C8F3}" type="slidenum">
+              <a:rPr lang="ja-JP" altLang="en-US" smtClean="0"/>
+              <a:pPr/>
+              <a:t>4</a:t>
+            </a:fld>
+            <a:endParaRPr lang="ja-JP" altLang="en-US"/>
+          </a:p>
+        </p:txBody>
+      </p:sp>
+      <p:sp>
+        <p:nvSpPr>
+          <p:cNvPr id="4" name="円柱 3"/>
+          <p:cNvSpPr/>
+          <p:nvPr/>
+        </p:nvSpPr>
+        <p:spPr>
+          <a:xfrm>
+            <a:off x="2314600" y="3795886"/>
+            <a:ext cx="914400" cy="568080"/>
+          </a:xfrm>
+          <a:prstGeom prst="can">
+            <a:avLst/>
+          </a:prstGeom>
+          <a:solidFill>
+            <a:srgbClr val="3B0183"/>
+          </a:solidFill>
+          <a:effectLst/>
+        </p:spPr>
+        <p:style>
+          <a:lnRef idx="1">
+            <a:schemeClr val="accent1"/>
+          </a:lnRef>
+          <a:fillRef idx="3">
+            <a:schemeClr val="accent1"/>
+          </a:fillRef>
+          <a:effectRef idx="2">
+            <a:schemeClr val="accent1"/>
+          </a:effectRef>
+          <a:fontRef idx="minor">
+            <a:schemeClr val="lt1"/>
+          </a:fontRef>
+        </p:style>
+        <p:txBody>
+          <a:bodyPr rtlCol="0" anchor="ctr"/>
+          <a:lstStyle/>
+          <a:p>
+            <a:pPr algn="ctr"/>
+            <a:r>
+              <a:rPr kumimoji="1" lang="en-US" altLang="ja-JP" sz="800" b="1" dirty="0" err="1" smtClean="0">
+                <a:solidFill>
+                  <a:schemeClr val="bg1"/>
+                </a:solidFill>
+                <a:latin typeface="メイリオ"/>
+                <a:ea typeface="メイリオ"/>
+                <a:cs typeface="メイリオ"/>
+              </a:rPr>
+              <a:t>mongodb</a:t>
+            </a:r>
+            <a:endParaRPr kumimoji="1" lang="ja-JP" altLang="en-US" sz="800" b="1" dirty="0">
+              <a:solidFill>
+                <a:schemeClr val="bg1"/>
+              </a:solidFill>
+              <a:latin typeface="メイリオ"/>
+              <a:ea typeface="メイリオ"/>
+              <a:cs typeface="メイリオ"/>
+            </a:endParaRPr>
+          </a:p>
+        </p:txBody>
+      </p:sp>
+      <p:sp>
+        <p:nvSpPr>
+          <p:cNvPr id="5" name="角丸四角形 4"/>
+          <p:cNvSpPr/>
+          <p:nvPr/>
+        </p:nvSpPr>
+        <p:spPr>
+          <a:xfrm>
+            <a:off x="2267744" y="2931790"/>
+            <a:ext cx="1008112" cy="504056"/>
+          </a:xfrm>
+          <a:prstGeom prst="roundRect">
+            <a:avLst>
+              <a:gd name="adj" fmla="val 0"/>
+            </a:avLst>
+          </a:prstGeom>
+          <a:solidFill>
+            <a:srgbClr val="92D400"/>
+          </a:solidFill>
+          <a:effectLst/>
+        </p:spPr>
+        <p:style>
+          <a:lnRef idx="1">
+            <a:schemeClr val="accent1"/>
+          </a:lnRef>
+          <a:fillRef idx="3">
+            <a:schemeClr val="accent1"/>
+          </a:fillRef>
+          <a:effectRef idx="2">
+            <a:schemeClr val="accent1"/>
+          </a:effectRef>
+          <a:fontRef idx="minor">
+            <a:schemeClr val="lt1"/>
+          </a:fontRef>
+        </p:style>
+        <p:txBody>
+          <a:bodyPr rtlCol="0" anchor="ctr"/>
+          <a:lstStyle/>
+          <a:p>
+            <a:pPr algn="ctr"/>
+            <a:r>
+              <a:rPr kumimoji="1" lang="en-US" altLang="ja-JP" sz="800" b="1" dirty="0" err="1" smtClean="0">
+                <a:solidFill>
+                  <a:schemeClr val="tx1"/>
+                </a:solidFill>
+                <a:latin typeface="メイリオ"/>
+                <a:ea typeface="メイリオ"/>
+                <a:cs typeface="メイリオ"/>
+              </a:rPr>
+              <a:t>nationalparks</a:t>
+            </a:r>
+            <a:endParaRPr kumimoji="1" lang="ja-JP" altLang="en-US" sz="800" b="1" dirty="0">
+              <a:solidFill>
+                <a:schemeClr val="tx1"/>
+              </a:solidFill>
+              <a:latin typeface="メイリオ"/>
+              <a:ea typeface="メイリオ"/>
+              <a:cs typeface="メイリオ"/>
+            </a:endParaRPr>
+          </a:p>
+        </p:txBody>
+      </p:sp>
+      <p:sp>
+        <p:nvSpPr>
+          <p:cNvPr id="6" name="角丸四角形 5"/>
+          <p:cNvSpPr/>
+          <p:nvPr/>
+        </p:nvSpPr>
+        <p:spPr>
+          <a:xfrm>
+            <a:off x="3419872" y="2571750"/>
+            <a:ext cx="1008112" cy="504056"/>
+          </a:xfrm>
+          <a:prstGeom prst="roundRect">
+            <a:avLst>
+              <a:gd name="adj" fmla="val 0"/>
+            </a:avLst>
+          </a:prstGeom>
+          <a:solidFill>
+            <a:srgbClr val="FF6600"/>
+          </a:solidFill>
+          <a:effectLst/>
+        </p:spPr>
+        <p:style>
+          <a:lnRef idx="1">
+            <a:schemeClr val="accent1"/>
+          </a:lnRef>
+          <a:fillRef idx="3">
+            <a:schemeClr val="accent1"/>
+          </a:fillRef>
+          <a:effectRef idx="2">
+            <a:schemeClr val="accent1"/>
+          </a:effectRef>
+          <a:fontRef idx="minor">
+            <a:schemeClr val="lt1"/>
+          </a:fontRef>
+        </p:style>
+        <p:txBody>
+          <a:bodyPr rtlCol="0" anchor="ctr"/>
+          <a:lstStyle/>
+          <a:p>
+            <a:pPr algn="ctr"/>
+            <a:r>
+              <a:rPr kumimoji="1" lang="en-US" altLang="ja-JP" sz="800" b="1" dirty="0" err="1" smtClean="0">
+                <a:solidFill>
+                  <a:schemeClr val="tx1"/>
+                </a:solidFill>
+                <a:latin typeface="メイリオ"/>
+                <a:ea typeface="メイリオ"/>
+                <a:cs typeface="メイリオ"/>
+              </a:rPr>
+              <a:t>parksmap</a:t>
+            </a:r>
+            <a:endParaRPr kumimoji="1" lang="ja-JP" altLang="en-US" sz="800" b="1" dirty="0">
+              <a:solidFill>
+                <a:schemeClr val="tx1"/>
+              </a:solidFill>
+              <a:latin typeface="メイリオ"/>
+              <a:ea typeface="メイリオ"/>
+              <a:cs typeface="メイリオ"/>
+            </a:endParaRPr>
+          </a:p>
+        </p:txBody>
+      </p:sp>
+      <p:pic>
+        <p:nvPicPr>
+          <p:cNvPr id="8" name="図 7" descr="Icon_RH_Hardware_Laptop-A_RGB_Flat.png"/>
+          <p:cNvPicPr>
+            <a:picLocks noChangeAspect="1"/>
+          </p:cNvPicPr>
+          <p:nvPr/>
+        </p:nvPicPr>
+        <p:blipFill>
+          <a:blip r:embed="rId2" cstate="print">
+            <a:extLst>
+              <a:ext uri="{28A0092B-C50C-407E-A947-70E740481C1C}">
+                <a14:useLocalDpi xmlns:a14="http://schemas.microsoft.com/office/drawing/2010/main" val="0"/>
+              </a:ext>
+            </a:extLst>
+          </a:blip>
+          <a:stretch>
+            <a:fillRect/>
+          </a:stretch>
+        </p:blipFill>
+        <p:spPr>
+          <a:xfrm>
+            <a:off x="2536278" y="483518"/>
+            <a:ext cx="471045" cy="345812"/>
+          </a:xfrm>
+          <a:prstGeom prst="rect">
+            <a:avLst/>
+          </a:prstGeom>
+        </p:spPr>
+      </p:pic>
+      <p:sp>
+        <p:nvSpPr>
+          <p:cNvPr id="10" name="角丸四角形 9"/>
+          <p:cNvSpPr/>
+          <p:nvPr/>
+        </p:nvSpPr>
+        <p:spPr>
+          <a:xfrm>
+            <a:off x="2303748" y="2558356"/>
+            <a:ext cx="936104" cy="504056"/>
+          </a:xfrm>
+          <a:prstGeom prst="roundRect">
+            <a:avLst>
+              <a:gd name="adj" fmla="val 0"/>
+            </a:avLst>
+          </a:prstGeom>
+          <a:solidFill>
+            <a:srgbClr val="FFFFFF"/>
+          </a:solidFill>
+          <a:effectLst/>
+        </p:spPr>
+        <p:style>
+          <a:lnRef idx="1">
+            <a:schemeClr val="accent1"/>
+          </a:lnRef>
+          <a:fillRef idx="3">
+            <a:schemeClr val="accent1"/>
+          </a:fillRef>
+          <a:effectRef idx="2">
+            <a:schemeClr val="accent1"/>
+          </a:effectRef>
+          <a:fontRef idx="minor">
+            <a:schemeClr val="lt1"/>
+          </a:fontRef>
+        </p:style>
+        <p:txBody>
+          <a:bodyPr rtlCol="0" anchor="ctr"/>
+          <a:lstStyle/>
+          <a:p>
+            <a:r>
+              <a:rPr kumimoji="1" lang="en-US" altLang="ja-JP" sz="800" dirty="0" smtClean="0">
+                <a:solidFill>
+                  <a:schemeClr val="tx1"/>
+                </a:solidFill>
+                <a:latin typeface="メイリオ"/>
+                <a:ea typeface="メイリオ"/>
+                <a:cs typeface="メイリオ"/>
+              </a:rPr>
+              <a:t>/</a:t>
+            </a:r>
+            <a:r>
+              <a:rPr kumimoji="1" lang="en-US" altLang="ja-JP" sz="800" dirty="0" err="1" smtClean="0">
+                <a:solidFill>
+                  <a:schemeClr val="tx1"/>
+                </a:solidFill>
+                <a:latin typeface="メイリオ"/>
+                <a:ea typeface="メイリオ"/>
+                <a:cs typeface="メイリオ"/>
+              </a:rPr>
+              <a:t>ws</a:t>
+            </a:r>
+            <a:r>
+              <a:rPr kumimoji="1" lang="en-US" altLang="ja-JP" sz="800" dirty="0" smtClean="0">
+                <a:solidFill>
+                  <a:schemeClr val="tx1"/>
+                </a:solidFill>
+                <a:latin typeface="メイリオ"/>
+                <a:ea typeface="メイリオ"/>
+                <a:cs typeface="メイリオ"/>
+              </a:rPr>
+              <a:t>/info/</a:t>
+            </a:r>
+          </a:p>
+          <a:p>
+            <a:r>
+              <a:rPr lang="en-US" altLang="ja-JP" sz="800" dirty="0" smtClean="0">
+                <a:solidFill>
+                  <a:schemeClr val="tx1"/>
+                </a:solidFill>
+                <a:latin typeface="メイリオ"/>
+                <a:ea typeface="メイリオ"/>
+                <a:cs typeface="メイリオ"/>
+              </a:rPr>
+              <a:t>/</a:t>
+            </a:r>
+            <a:r>
+              <a:rPr lang="en-US" altLang="ja-JP" sz="800" dirty="0" err="1" smtClean="0">
+                <a:solidFill>
+                  <a:schemeClr val="tx1"/>
+                </a:solidFill>
+                <a:latin typeface="メイリオ"/>
+                <a:ea typeface="メイリオ"/>
+                <a:cs typeface="メイリオ"/>
+              </a:rPr>
+              <a:t>ws</a:t>
+            </a:r>
+            <a:r>
+              <a:rPr lang="en-US" altLang="ja-JP" sz="800" dirty="0" smtClean="0">
+                <a:solidFill>
+                  <a:schemeClr val="tx1"/>
+                </a:solidFill>
+                <a:latin typeface="メイリオ"/>
+                <a:ea typeface="メイリオ"/>
+                <a:cs typeface="メイリオ"/>
+              </a:rPr>
+              <a:t>/data/all</a:t>
+            </a:r>
+          </a:p>
+          <a:p>
+            <a:r>
+              <a:rPr kumimoji="1" lang="en-US" altLang="ja-JP" sz="800" dirty="0" smtClean="0">
+                <a:solidFill>
+                  <a:schemeClr val="tx1"/>
+                </a:solidFill>
+                <a:latin typeface="メイリオ"/>
+                <a:ea typeface="メイリオ"/>
+                <a:cs typeface="メイリオ"/>
+              </a:rPr>
+              <a:t>/</a:t>
+            </a:r>
+            <a:r>
+              <a:rPr kumimoji="1" lang="en-US" altLang="ja-JP" sz="800" dirty="0" err="1" smtClean="0">
+                <a:solidFill>
+                  <a:schemeClr val="tx1"/>
+                </a:solidFill>
+                <a:latin typeface="メイリオ"/>
+                <a:ea typeface="メイリオ"/>
+                <a:cs typeface="メイリオ"/>
+              </a:rPr>
+              <a:t>ws</a:t>
+            </a:r>
+            <a:r>
+              <a:rPr kumimoji="1" lang="en-US" altLang="ja-JP" sz="800" dirty="0" smtClean="0">
+                <a:solidFill>
+                  <a:schemeClr val="tx1"/>
+                </a:solidFill>
+                <a:latin typeface="メイリオ"/>
+                <a:ea typeface="メイリオ"/>
+                <a:cs typeface="メイリオ"/>
+              </a:rPr>
+              <a:t>/data/load</a:t>
+            </a:r>
+            <a:endParaRPr kumimoji="1" lang="ja-JP" altLang="en-US" sz="800" dirty="0">
+              <a:solidFill>
+                <a:schemeClr val="tx1"/>
+              </a:solidFill>
+              <a:latin typeface="メイリオ"/>
+              <a:ea typeface="メイリオ"/>
+              <a:cs typeface="メイリオ"/>
+            </a:endParaRPr>
+          </a:p>
+        </p:txBody>
+      </p:sp>
+      <p:cxnSp>
+        <p:nvCxnSpPr>
+          <p:cNvPr id="12" name="カギ線コネクタ 11"/>
+          <p:cNvCxnSpPr>
+            <a:stCxn id="8" idx="2"/>
+            <a:endCxn id="6" idx="0"/>
+          </p:cNvCxnSpPr>
+          <p:nvPr/>
+        </p:nvCxnSpPr>
+        <p:spPr>
+          <a:xfrm rot="16200000" flipH="1">
+            <a:off x="2476654" y="1124476"/>
+            <a:ext cx="1742420" cy="1152127"/>
+          </a:xfrm>
+          <a:prstGeom prst="bentConnector3">
+            <a:avLst>
+              <a:gd name="adj1" fmla="val 79716"/>
+            </a:avLst>
+          </a:prstGeom>
+          <a:effectLst/>
+        </p:spPr>
+        <p:style>
+          <a:lnRef idx="2">
+            <a:schemeClr val="accent1"/>
+          </a:lnRef>
+          <a:fillRef idx="0">
+            <a:schemeClr val="accent1"/>
+          </a:fillRef>
+          <a:effectRef idx="1">
+            <a:schemeClr val="accent1"/>
+          </a:effectRef>
+          <a:fontRef idx="minor">
+            <a:schemeClr val="tx1"/>
+          </a:fontRef>
+        </p:style>
+      </p:cxnSp>
+      <p:cxnSp>
+        <p:nvCxnSpPr>
+          <p:cNvPr id="13" name="カギ線コネクタ 12"/>
+          <p:cNvCxnSpPr>
+            <a:stCxn id="8" idx="2"/>
+            <a:endCxn id="10" idx="0"/>
+          </p:cNvCxnSpPr>
+          <p:nvPr/>
+        </p:nvCxnSpPr>
+        <p:spPr>
+          <a:xfrm rot="5400000">
+            <a:off x="1907288" y="1693843"/>
+            <a:ext cx="1729026" cy="1"/>
+          </a:xfrm>
+          <a:prstGeom prst="bentConnector3">
+            <a:avLst>
+              <a:gd name="adj1" fmla="val 50000"/>
+            </a:avLst>
+          </a:prstGeom>
+          <a:effectLst/>
+        </p:spPr>
+        <p:style>
+          <a:lnRef idx="2">
+            <a:schemeClr val="accent1"/>
+          </a:lnRef>
+          <a:fillRef idx="0">
+            <a:schemeClr val="accent1"/>
+          </a:fillRef>
+          <a:effectRef idx="1">
+            <a:schemeClr val="accent1"/>
+          </a:effectRef>
+          <a:fontRef idx="minor">
+            <a:schemeClr val="tx1"/>
+          </a:fontRef>
+        </p:style>
+      </p:cxnSp>
+      <p:cxnSp>
+        <p:nvCxnSpPr>
+          <p:cNvPr id="19" name="カギ線コネクタ 18"/>
+          <p:cNvCxnSpPr>
+            <a:stCxn id="5" idx="2"/>
+            <a:endCxn id="4" idx="1"/>
+          </p:cNvCxnSpPr>
+          <p:nvPr/>
+        </p:nvCxnSpPr>
+        <p:spPr>
+          <a:xfrm rot="5400000">
+            <a:off x="2591780" y="3615866"/>
+            <a:ext cx="360040" cy="12700"/>
+          </a:xfrm>
+          <a:prstGeom prst="bentConnector3">
+            <a:avLst>
+              <a:gd name="adj1" fmla="val 50000"/>
+            </a:avLst>
+          </a:prstGeom>
+          <a:effectLst/>
+        </p:spPr>
+        <p:style>
+          <a:lnRef idx="2">
+            <a:schemeClr val="accent1"/>
+          </a:lnRef>
+          <a:fillRef idx="0">
+            <a:schemeClr val="accent1"/>
+          </a:fillRef>
+          <a:effectRef idx="1">
+            <a:schemeClr val="accent1"/>
+          </a:effectRef>
+          <a:fontRef idx="minor">
+            <a:schemeClr val="tx1"/>
+          </a:fontRef>
+        </p:style>
+      </p:cxnSp>
+      <p:sp>
+        <p:nvSpPr>
+          <p:cNvPr id="25" name="角丸四角形 24"/>
+          <p:cNvSpPr/>
+          <p:nvPr/>
+        </p:nvSpPr>
+        <p:spPr>
+          <a:xfrm>
+            <a:off x="1403649" y="1491630"/>
+            <a:ext cx="3240360" cy="3024336"/>
+          </a:xfrm>
+          <a:prstGeom prst="roundRect">
+            <a:avLst>
+              <a:gd name="adj" fmla="val 0"/>
+            </a:avLst>
+          </a:prstGeom>
+          <a:noFill/>
+          <a:effectLst/>
+        </p:spPr>
+        <p:style>
+          <a:lnRef idx="1">
+            <a:schemeClr val="accent1"/>
+          </a:lnRef>
+          <a:fillRef idx="3">
+            <a:schemeClr val="accent1"/>
+          </a:fillRef>
+          <a:effectRef idx="2">
+            <a:schemeClr val="accent1"/>
+          </a:effectRef>
+          <a:fontRef idx="minor">
+            <a:schemeClr val="lt1"/>
+          </a:fontRef>
+        </p:style>
+        <p:txBody>
+          <a:bodyPr rtlCol="0" anchor="ctr"/>
+          <a:lstStyle/>
+          <a:p>
+            <a:pPr algn="ctr"/>
+            <a:endParaRPr kumimoji="1" lang="en-US" altLang="ja-JP" dirty="0" smtClean="0"/>
+          </a:p>
+          <a:p>
+            <a:pPr algn="ctr"/>
+            <a:endParaRPr lang="en-US" altLang="ja-JP" dirty="0"/>
+          </a:p>
+        </p:txBody>
+      </p:sp>
+      <p:pic>
+        <p:nvPicPr>
+          <p:cNvPr id="26" name="図 25" descr="Logotype_RH_OpenShift_wLogo_RGB_Black.png"/>
+          <p:cNvPicPr>
+            <a:picLocks noChangeAspect="1"/>
+          </p:cNvPicPr>
+          <p:nvPr/>
+        </p:nvPicPr>
+        <p:blipFill>
+          <a:blip r:embed="rId3">
+            <a:extLst>
+              <a:ext uri="{28A0092B-C50C-407E-A947-70E740481C1C}">
+                <a14:useLocalDpi xmlns:a14="http://schemas.microsoft.com/office/drawing/2010/main" val="0"/>
+              </a:ext>
+            </a:extLst>
+          </a:blip>
+          <a:stretch>
+            <a:fillRect/>
+          </a:stretch>
+        </p:blipFill>
+        <p:spPr>
+          <a:xfrm>
+            <a:off x="3203848" y="1563638"/>
+            <a:ext cx="1449083" cy="372287"/>
+          </a:xfrm>
+          <a:prstGeom prst="rect">
+            <a:avLst/>
+          </a:prstGeom>
+        </p:spPr>
+      </p:pic>
+    </p:spTree>
+    <p:extLst>
+      <p:ext uri="{BB962C8B-B14F-4D97-AF65-F5344CB8AC3E}">
+        <p14:creationId xmlns:p14="http://schemas.microsoft.com/office/powerpoint/2010/main" val="1549646776"/>
+      </p:ext>
+    </p:extLst>
+  </p:cSld>
+  <p:clrMapOvr>
+    <a:masterClrMapping/>
+  </p:clrMapOvr>
+</p:sld>
+</file>
+
+<file path=ppt/slides/slide5.xml><?xml version="1.0" encoding="utf-8"?>
+<p:sld xmlns:a="http://schemas.openxmlformats.org/drawingml/2006/main" xmlns:r="http://schemas.openxmlformats.org/officeDocument/2006/relationships" xmlns:p="http://schemas.openxmlformats.org/presentationml/2006/main">
+  <p:cSld>
+    <p:spTree>
+      <p:nvGrpSpPr>
+        <p:cNvPr id="1" name=""/>
+        <p:cNvGrpSpPr/>
+        <p:nvPr/>
+      </p:nvGrpSpPr>
+      <p:grpSpPr>
+        <a:xfrm>
+          <a:off x="0" y="0"/>
+          <a:ext cx="0" cy="0"/>
+          <a:chOff x="0" y="0"/>
+          <a:chExt cx="0" cy="0"/>
+        </a:xfrm>
+      </p:grpSpPr>
+      <p:sp>
+        <p:nvSpPr>
+          <p:cNvPr id="98" name="角丸四角形 97"/>
+          <p:cNvSpPr/>
+          <p:nvPr/>
+        </p:nvSpPr>
+        <p:spPr>
+          <a:xfrm>
+            <a:off x="2123728" y="2850013"/>
+            <a:ext cx="2232248" cy="1872208"/>
+          </a:xfrm>
+          <a:prstGeom prst="roundRect">
+            <a:avLst>
+              <a:gd name="adj" fmla="val 0"/>
+            </a:avLst>
+          </a:prstGeom>
+          <a:solidFill>
+            <a:schemeClr val="bg1">
+              <a:lumMod val="65000"/>
+            </a:schemeClr>
+          </a:solidFill>
+          <a:ln>
+            <a:noFill/>
+          </a:ln>
+          <a:effectLst/>
+        </p:spPr>
+        <p:style>
+          <a:lnRef idx="1">
+            <a:schemeClr val="accent1"/>
+          </a:lnRef>
+          <a:fillRef idx="3">
+            <a:schemeClr val="accent1"/>
+          </a:fillRef>
+          <a:effectRef idx="2">
+            <a:schemeClr val="accent1"/>
+          </a:effectRef>
+          <a:fontRef idx="minor">
+            <a:schemeClr val="lt1"/>
+          </a:fontRef>
+        </p:style>
+        <p:txBody>
+          <a:bodyPr rtlCol="0" anchor="ctr"/>
+          <a:lstStyle/>
+          <a:p>
+            <a:endParaRPr kumimoji="1" lang="ja-JP" altLang="en-US" sz="800" dirty="0">
+              <a:solidFill>
+                <a:schemeClr val="tx1"/>
+              </a:solidFill>
+              <a:latin typeface="メイリオ"/>
+              <a:ea typeface="メイリオ"/>
+              <a:cs typeface="メイリオ"/>
+            </a:endParaRPr>
+          </a:p>
+        </p:txBody>
+      </p:sp>
+      <p:sp>
+        <p:nvSpPr>
+          <p:cNvPr id="91" name="角丸四角形 90"/>
+          <p:cNvSpPr/>
+          <p:nvPr/>
+        </p:nvSpPr>
+        <p:spPr>
+          <a:xfrm>
+            <a:off x="2123728" y="1131590"/>
+            <a:ext cx="6480720" cy="1728192"/>
+          </a:xfrm>
+          <a:prstGeom prst="roundRect">
+            <a:avLst>
+              <a:gd name="adj" fmla="val 0"/>
+            </a:avLst>
+          </a:prstGeom>
+          <a:solidFill>
+            <a:schemeClr val="bg1">
+              <a:lumMod val="65000"/>
+            </a:schemeClr>
+          </a:solidFill>
+          <a:ln>
+            <a:noFill/>
+          </a:ln>
+          <a:effectLst/>
+        </p:spPr>
+        <p:style>
+          <a:lnRef idx="1">
+            <a:schemeClr val="accent1"/>
+          </a:lnRef>
+          <a:fillRef idx="3">
+            <a:schemeClr val="accent1"/>
+          </a:fillRef>
+          <a:effectRef idx="2">
+            <a:schemeClr val="accent1"/>
+          </a:effectRef>
+          <a:fontRef idx="minor">
+            <a:schemeClr val="lt1"/>
+          </a:fontRef>
+        </p:style>
+        <p:txBody>
+          <a:bodyPr rtlCol="0" anchor="ctr"/>
+          <a:lstStyle/>
+          <a:p>
+            <a:endParaRPr kumimoji="1" lang="ja-JP" altLang="en-US" sz="800" dirty="0">
+              <a:solidFill>
+                <a:schemeClr val="tx1"/>
+              </a:solidFill>
+              <a:latin typeface="メイリオ"/>
+              <a:ea typeface="メイリオ"/>
+              <a:cs typeface="メイリオ"/>
+            </a:endParaRPr>
+          </a:p>
+        </p:txBody>
+      </p:sp>
+      <p:sp>
+        <p:nvSpPr>
+          <p:cNvPr id="7" name="角丸四角形 6"/>
+          <p:cNvSpPr/>
+          <p:nvPr/>
+        </p:nvSpPr>
+        <p:spPr>
+          <a:xfrm>
+            <a:off x="4572200" y="1779662"/>
+            <a:ext cx="1800000" cy="648072"/>
+          </a:xfrm>
+          <a:prstGeom prst="roundRect">
+            <a:avLst>
+              <a:gd name="adj" fmla="val 48238"/>
+            </a:avLst>
+          </a:prstGeom>
+          <a:solidFill>
+            <a:schemeClr val="bg1"/>
+          </a:solidFill>
+          <a:effectLst/>
+        </p:spPr>
+        <p:style>
+          <a:lnRef idx="1">
+            <a:schemeClr val="accent1"/>
+          </a:lnRef>
+          <a:fillRef idx="3">
+            <a:schemeClr val="accent1"/>
+          </a:fillRef>
+          <a:effectRef idx="2">
+            <a:schemeClr val="accent1"/>
+          </a:effectRef>
+          <a:fontRef idx="minor">
+            <a:schemeClr val="lt1"/>
+          </a:fontRef>
+        </p:style>
+        <p:txBody>
+          <a:bodyPr rtlCol="0" anchor="ctr"/>
+          <a:lstStyle/>
+          <a:p>
+            <a:r>
+              <a:rPr kumimoji="1" lang="en-US" altLang="ja-JP" sz="800" dirty="0" err="1" smtClean="0">
+                <a:solidFill>
+                  <a:schemeClr val="tx1"/>
+                </a:solidFill>
+                <a:latin typeface="メイリオ"/>
+                <a:ea typeface="メイリオ"/>
+                <a:cs typeface="メイリオ"/>
+              </a:rPr>
+              <a:t>mongodb</a:t>
+            </a:r>
+            <a:endParaRPr kumimoji="1" lang="ja-JP" altLang="en-US" sz="800" dirty="0">
+              <a:solidFill>
+                <a:schemeClr val="tx1"/>
+              </a:solidFill>
+              <a:latin typeface="メイリオ"/>
+              <a:ea typeface="メイリオ"/>
+              <a:cs typeface="メイリオ"/>
+            </a:endParaRPr>
+          </a:p>
+        </p:txBody>
+      </p:sp>
+      <p:sp>
+        <p:nvSpPr>
+          <p:cNvPr id="48" name="角丸四角形 47"/>
+          <p:cNvSpPr/>
+          <p:nvPr/>
+        </p:nvSpPr>
+        <p:spPr>
+          <a:xfrm>
+            <a:off x="2195736" y="1779662"/>
+            <a:ext cx="1800200" cy="648000"/>
+          </a:xfrm>
+          <a:prstGeom prst="roundRect">
+            <a:avLst>
+              <a:gd name="adj" fmla="val 50000"/>
+            </a:avLst>
+          </a:prstGeom>
+          <a:solidFill>
+            <a:schemeClr val="bg1"/>
+          </a:solidFill>
+          <a:effectLst/>
+        </p:spPr>
+        <p:style>
+          <a:lnRef idx="1">
+            <a:schemeClr val="accent1"/>
+          </a:lnRef>
+          <a:fillRef idx="3">
+            <a:schemeClr val="accent1"/>
+          </a:fillRef>
+          <a:effectRef idx="2">
+            <a:schemeClr val="accent1"/>
+          </a:effectRef>
+          <a:fontRef idx="minor">
+            <a:schemeClr val="lt1"/>
+          </a:fontRef>
+        </p:style>
+        <p:txBody>
+          <a:bodyPr rtlCol="0" anchor="ctr"/>
+          <a:lstStyle/>
+          <a:p>
+            <a:r>
+              <a:rPr lang="en-US" altLang="ja-JP" sz="800" dirty="0" err="1" smtClean="0">
+                <a:solidFill>
+                  <a:schemeClr val="tx1"/>
+                </a:solidFill>
+                <a:latin typeface="メイリオ"/>
+                <a:ea typeface="メイリオ"/>
+                <a:cs typeface="メイリオ"/>
+              </a:rPr>
+              <a:t>nationalparks</a:t>
+            </a:r>
+            <a:endParaRPr kumimoji="1" lang="ja-JP" altLang="en-US" sz="800" dirty="0">
+              <a:solidFill>
+                <a:schemeClr val="tx1"/>
+              </a:solidFill>
+              <a:latin typeface="メイリオ"/>
+              <a:ea typeface="メイリオ"/>
+              <a:cs typeface="メイリオ"/>
+            </a:endParaRPr>
+          </a:p>
+        </p:txBody>
+      </p:sp>
+      <p:sp>
+        <p:nvSpPr>
+          <p:cNvPr id="79" name="角丸四角形 78"/>
+          <p:cNvSpPr/>
+          <p:nvPr/>
+        </p:nvSpPr>
+        <p:spPr>
+          <a:xfrm>
+            <a:off x="6876256" y="1779662"/>
+            <a:ext cx="1512168" cy="648072"/>
+          </a:xfrm>
+          <a:prstGeom prst="roundRect">
+            <a:avLst>
+              <a:gd name="adj" fmla="val 46730"/>
+            </a:avLst>
+          </a:prstGeom>
+          <a:solidFill>
+            <a:schemeClr val="bg1"/>
+          </a:solidFill>
+          <a:effectLst/>
+        </p:spPr>
+        <p:style>
+          <a:lnRef idx="1">
+            <a:schemeClr val="accent1"/>
+          </a:lnRef>
+          <a:fillRef idx="3">
+            <a:schemeClr val="accent1"/>
+          </a:fillRef>
+          <a:effectRef idx="2">
+            <a:schemeClr val="accent1"/>
+          </a:effectRef>
+          <a:fontRef idx="minor">
+            <a:schemeClr val="lt1"/>
+          </a:fontRef>
+        </p:style>
+        <p:txBody>
+          <a:bodyPr rtlCol="0" anchor="ctr"/>
+          <a:lstStyle/>
+          <a:p>
+            <a:r>
+              <a:rPr lang="en-US" altLang="ja-JP" sz="800" dirty="0" err="1" smtClean="0">
+                <a:solidFill>
+                  <a:schemeClr val="tx1"/>
+                </a:solidFill>
+                <a:latin typeface="メイリオ"/>
+                <a:ea typeface="メイリオ"/>
+                <a:cs typeface="メイリオ"/>
+              </a:rPr>
+              <a:t>parksmap</a:t>
+            </a:r>
+            <a:endParaRPr kumimoji="1" lang="ja-JP" altLang="en-US" sz="800" dirty="0">
+              <a:solidFill>
+                <a:schemeClr val="tx1"/>
+              </a:solidFill>
+              <a:latin typeface="メイリオ"/>
+              <a:ea typeface="メイリオ"/>
+              <a:cs typeface="メイリオ"/>
+            </a:endParaRPr>
+          </a:p>
+        </p:txBody>
+      </p:sp>
+      <p:sp>
+        <p:nvSpPr>
+          <p:cNvPr id="2" name="フッター プレースホルダー 1"/>
+          <p:cNvSpPr>
+            <a:spLocks noGrp="1"/>
+          </p:cNvSpPr>
+          <p:nvPr>
+            <p:ph type="ftr" sz="quarter" idx="10"/>
+          </p:nvPr>
+        </p:nvSpPr>
+        <p:spPr/>
+        <p:txBody>
+          <a:bodyPr/>
+          <a:lstStyle/>
+          <a:p>
+            <a:r>
+              <a:rPr lang="en-US" altLang="ja-JP" dirty="0" smtClean="0"/>
+              <a:t>Copyright@2017, Red Hat K.K. </a:t>
+            </a:r>
+            <a:endParaRPr lang="ja-JP" altLang="en-US" dirty="0">
+              <a:latin typeface="Arial" charset="0"/>
+              <a:ea typeface="ＭＳ ゴシック" charset="0"/>
+              <a:cs typeface="ＭＳ ゴシック" charset="0"/>
+            </a:endParaRPr>
+          </a:p>
+        </p:txBody>
+      </p:sp>
+      <p:sp>
+        <p:nvSpPr>
+          <p:cNvPr id="3" name="スライド番号プレースホルダー 2"/>
+          <p:cNvSpPr>
+            <a:spLocks noGrp="1"/>
+          </p:cNvSpPr>
+          <p:nvPr>
+            <p:ph type="sldNum" sz="quarter" idx="11"/>
+          </p:nvPr>
+        </p:nvSpPr>
+        <p:spPr/>
+        <p:txBody>
+          <a:bodyPr/>
+          <a:lstStyle/>
+          <a:p>
+            <a:fld id="{92478E15-1A92-8C42-BB8E-DC52EDC0C8F3}" type="slidenum">
+              <a:rPr lang="ja-JP" altLang="en-US" smtClean="0"/>
+              <a:pPr/>
+              <a:t>5</a:t>
+            </a:fld>
+            <a:endParaRPr lang="ja-JP" altLang="en-US"/>
+          </a:p>
+        </p:txBody>
+      </p:sp>
+      <p:sp>
+        <p:nvSpPr>
+          <p:cNvPr id="4" name="角丸四角形 3"/>
+          <p:cNvSpPr/>
+          <p:nvPr/>
+        </p:nvSpPr>
+        <p:spPr>
+          <a:xfrm>
+            <a:off x="4571094" y="3579862"/>
+            <a:ext cx="1799928" cy="288032"/>
+          </a:xfrm>
+          <a:prstGeom prst="roundRect">
+            <a:avLst/>
+          </a:prstGeom>
+          <a:noFill/>
+          <a:effectLst/>
+        </p:spPr>
+        <p:style>
+          <a:lnRef idx="1">
+            <a:schemeClr val="accent1"/>
+          </a:lnRef>
+          <a:fillRef idx="3">
+            <a:schemeClr val="accent1"/>
+          </a:fillRef>
+          <a:effectRef idx="2">
+            <a:schemeClr val="accent1"/>
+          </a:effectRef>
+          <a:fontRef idx="minor">
+            <a:schemeClr val="lt1"/>
+          </a:fontRef>
+        </p:style>
+        <p:txBody>
+          <a:bodyPr rtlCol="0" anchor="ctr"/>
+          <a:lstStyle/>
+          <a:p>
+            <a:pPr algn="ctr"/>
+            <a:r>
+              <a:rPr kumimoji="1" lang="en-US" altLang="ja-JP" sz="800" dirty="0" err="1" smtClean="0">
+                <a:solidFill>
+                  <a:schemeClr val="tx1"/>
+                </a:solidFill>
+                <a:latin typeface="メイリオ"/>
+                <a:ea typeface="メイリオ"/>
+                <a:cs typeface="メイリオ"/>
+              </a:rPr>
+              <a:t>registry.access.redhat.com</a:t>
+            </a:r>
+            <a:endParaRPr kumimoji="1" lang="ja-JP" altLang="en-US" sz="800" dirty="0">
+              <a:solidFill>
+                <a:schemeClr val="tx1"/>
+              </a:solidFill>
+              <a:latin typeface="メイリオ"/>
+              <a:ea typeface="メイリオ"/>
+              <a:cs typeface="メイリオ"/>
+            </a:endParaRPr>
+          </a:p>
+        </p:txBody>
+      </p:sp>
+      <p:sp>
+        <p:nvSpPr>
+          <p:cNvPr id="5" name="角丸四角形 4"/>
+          <p:cNvSpPr/>
+          <p:nvPr/>
+        </p:nvSpPr>
+        <p:spPr>
+          <a:xfrm>
+            <a:off x="6876256" y="3579862"/>
+            <a:ext cx="1800200" cy="288032"/>
+          </a:xfrm>
+          <a:prstGeom prst="roundRect">
+            <a:avLst/>
+          </a:prstGeom>
+          <a:noFill/>
+          <a:effectLst/>
+        </p:spPr>
+        <p:style>
+          <a:lnRef idx="1">
+            <a:schemeClr val="accent1"/>
+          </a:lnRef>
+          <a:fillRef idx="3">
+            <a:schemeClr val="accent1"/>
+          </a:fillRef>
+          <a:effectRef idx="2">
+            <a:schemeClr val="accent1"/>
+          </a:effectRef>
+          <a:fontRef idx="minor">
+            <a:schemeClr val="lt1"/>
+          </a:fontRef>
+        </p:style>
+        <p:txBody>
+          <a:bodyPr rtlCol="0" anchor="ctr"/>
+          <a:lstStyle/>
+          <a:p>
+            <a:pPr algn="ctr"/>
+            <a:r>
+              <a:rPr kumimoji="1" lang="en-US" altLang="ja-JP" sz="800" dirty="0" err="1" smtClean="0">
+                <a:solidFill>
+                  <a:schemeClr val="tx1"/>
+                </a:solidFill>
+                <a:latin typeface="メイリオ"/>
+                <a:ea typeface="メイリオ"/>
+                <a:cs typeface="メイリオ"/>
+              </a:rPr>
+              <a:t>docker</a:t>
+            </a:r>
+            <a:r>
+              <a:rPr kumimoji="1" lang="en-US" altLang="ja-JP" sz="800" dirty="0" smtClean="0">
+                <a:solidFill>
+                  <a:schemeClr val="tx1"/>
+                </a:solidFill>
+                <a:latin typeface="メイリオ"/>
+                <a:ea typeface="メイリオ"/>
+                <a:cs typeface="メイリオ"/>
+              </a:rPr>
+              <a:t> hub </a:t>
+            </a:r>
+            <a:r>
+              <a:rPr kumimoji="1" lang="ja-JP" altLang="en-US" sz="800" dirty="0" smtClean="0">
+                <a:solidFill>
+                  <a:schemeClr val="tx1"/>
+                </a:solidFill>
+                <a:latin typeface="メイリオ"/>
+                <a:ea typeface="メイリオ"/>
+                <a:cs typeface="メイリオ"/>
+              </a:rPr>
+              <a:t>など</a:t>
+            </a:r>
+            <a:endParaRPr kumimoji="1" lang="ja-JP" altLang="en-US" sz="800" dirty="0">
+              <a:solidFill>
+                <a:schemeClr val="tx1"/>
+              </a:solidFill>
+              <a:latin typeface="メイリオ"/>
+              <a:ea typeface="メイリオ"/>
+              <a:cs typeface="メイリオ"/>
+            </a:endParaRPr>
+          </a:p>
+        </p:txBody>
+      </p:sp>
+      <p:sp>
+        <p:nvSpPr>
+          <p:cNvPr id="6" name="角丸四角形 5"/>
+          <p:cNvSpPr/>
+          <p:nvPr/>
+        </p:nvSpPr>
+        <p:spPr>
+          <a:xfrm>
+            <a:off x="2199561" y="3579862"/>
+            <a:ext cx="1800000" cy="288032"/>
+          </a:xfrm>
+          <a:prstGeom prst="roundRect">
+            <a:avLst/>
+          </a:prstGeom>
+          <a:solidFill>
+            <a:srgbClr val="FFFFFF"/>
+          </a:solidFill>
+          <a:effectLst/>
+        </p:spPr>
+        <p:style>
+          <a:lnRef idx="1">
+            <a:schemeClr val="accent1"/>
+          </a:lnRef>
+          <a:fillRef idx="3">
+            <a:schemeClr val="accent1"/>
+          </a:fillRef>
+          <a:effectRef idx="2">
+            <a:schemeClr val="accent1"/>
+          </a:effectRef>
+          <a:fontRef idx="minor">
+            <a:schemeClr val="lt1"/>
+          </a:fontRef>
+        </p:style>
+        <p:txBody>
+          <a:bodyPr rtlCol="0" anchor="ctr"/>
+          <a:lstStyle/>
+          <a:p>
+            <a:pPr algn="ctr"/>
+            <a:r>
+              <a:rPr lang="en-US" altLang="ja-JP" sz="800" dirty="0" err="1" smtClean="0">
+                <a:solidFill>
+                  <a:schemeClr val="tx1"/>
+                </a:solidFill>
+                <a:latin typeface="メイリオ"/>
+                <a:ea typeface="メイリオ"/>
+                <a:cs typeface="メイリオ"/>
+              </a:rPr>
+              <a:t>OpenShift</a:t>
+            </a:r>
+            <a:r>
+              <a:rPr lang="ja-JP" altLang="en-US" sz="800" dirty="0" smtClean="0">
+                <a:solidFill>
+                  <a:schemeClr val="tx1"/>
+                </a:solidFill>
+                <a:latin typeface="メイリオ"/>
+                <a:ea typeface="メイリオ"/>
+                <a:cs typeface="メイリオ"/>
+              </a:rPr>
+              <a:t>内の</a:t>
+            </a:r>
+            <a:r>
+              <a:rPr lang="en-US" altLang="ja-JP" sz="800" dirty="0" err="1" smtClean="0">
+                <a:solidFill>
+                  <a:schemeClr val="tx1"/>
+                </a:solidFill>
+                <a:latin typeface="メイリオ"/>
+                <a:ea typeface="メイリオ"/>
+                <a:cs typeface="メイリオ"/>
+              </a:rPr>
+              <a:t>Docker</a:t>
+            </a:r>
+            <a:r>
+              <a:rPr lang="en-US" altLang="ja-JP" sz="800" dirty="0" smtClean="0">
+                <a:solidFill>
+                  <a:schemeClr val="tx1"/>
+                </a:solidFill>
+                <a:latin typeface="メイリオ"/>
+                <a:ea typeface="メイリオ"/>
+                <a:cs typeface="メイリオ"/>
+              </a:rPr>
+              <a:t> Registry</a:t>
+            </a:r>
+            <a:endParaRPr kumimoji="1" lang="ja-JP" altLang="en-US" sz="800" dirty="0">
+              <a:solidFill>
+                <a:schemeClr val="tx1"/>
+              </a:solidFill>
+              <a:latin typeface="メイリオ"/>
+              <a:ea typeface="メイリオ"/>
+              <a:cs typeface="メイリオ"/>
+            </a:endParaRPr>
+          </a:p>
+        </p:txBody>
+      </p:sp>
+      <p:sp>
+        <p:nvSpPr>
+          <p:cNvPr id="8" name="角丸四角形 7"/>
+          <p:cNvSpPr/>
+          <p:nvPr/>
+        </p:nvSpPr>
+        <p:spPr>
+          <a:xfrm>
+            <a:off x="4758047" y="4011910"/>
+            <a:ext cx="1612975" cy="648072"/>
+          </a:xfrm>
+          <a:prstGeom prst="roundRect">
+            <a:avLst>
+              <a:gd name="adj" fmla="val 0"/>
+            </a:avLst>
+          </a:prstGeom>
+          <a:noFill/>
+          <a:effectLst/>
+        </p:spPr>
+        <p:style>
+          <a:lnRef idx="1">
+            <a:schemeClr val="accent1"/>
+          </a:lnRef>
+          <a:fillRef idx="3">
+            <a:schemeClr val="accent1"/>
+          </a:fillRef>
+          <a:effectRef idx="2">
+            <a:schemeClr val="accent1"/>
+          </a:effectRef>
+          <a:fontRef idx="minor">
+            <a:schemeClr val="lt1"/>
+          </a:fontRef>
+        </p:style>
+        <p:txBody>
+          <a:bodyPr rtlCol="0" anchor="ctr"/>
+          <a:lstStyle/>
+          <a:p>
+            <a:r>
+              <a:rPr kumimoji="1" lang="en-US" altLang="ja-JP" sz="800" dirty="0" err="1" smtClean="0">
+                <a:solidFill>
+                  <a:schemeClr val="tx1"/>
+                </a:solidFill>
+                <a:latin typeface="メイリオ"/>
+                <a:ea typeface="メイリオ"/>
+                <a:cs typeface="メイリオ"/>
+              </a:rPr>
+              <a:t>mongodb</a:t>
+            </a:r>
+            <a:endParaRPr kumimoji="1" lang="ja-JP" altLang="en-US" sz="800" dirty="0">
+              <a:solidFill>
+                <a:schemeClr val="tx1"/>
+              </a:solidFill>
+              <a:latin typeface="メイリオ"/>
+              <a:ea typeface="メイリオ"/>
+              <a:cs typeface="メイリオ"/>
+            </a:endParaRPr>
+          </a:p>
+        </p:txBody>
+      </p:sp>
+      <p:sp>
+        <p:nvSpPr>
+          <p:cNvPr id="9" name="角丸四角形 8"/>
+          <p:cNvSpPr/>
+          <p:nvPr/>
+        </p:nvSpPr>
+        <p:spPr>
+          <a:xfrm>
+            <a:off x="2339480" y="3955814"/>
+            <a:ext cx="1656456" cy="704167"/>
+          </a:xfrm>
+          <a:prstGeom prst="roundRect">
+            <a:avLst>
+              <a:gd name="adj" fmla="val 0"/>
+            </a:avLst>
+          </a:prstGeom>
+          <a:solidFill>
+            <a:srgbClr val="FFFFFF"/>
+          </a:solidFill>
+          <a:effectLst/>
+        </p:spPr>
+        <p:style>
+          <a:lnRef idx="1">
+            <a:schemeClr val="accent1"/>
+          </a:lnRef>
+          <a:fillRef idx="3">
+            <a:schemeClr val="accent1"/>
+          </a:fillRef>
+          <a:effectRef idx="2">
+            <a:schemeClr val="accent1"/>
+          </a:effectRef>
+          <a:fontRef idx="minor">
+            <a:schemeClr val="lt1"/>
+          </a:fontRef>
+        </p:style>
+        <p:txBody>
+          <a:bodyPr rtlCol="0" anchor="ctr"/>
+          <a:lstStyle/>
+          <a:p>
+            <a:r>
+              <a:rPr lang="en-US" altLang="ja-JP" sz="800" dirty="0" err="1" smtClean="0">
+                <a:solidFill>
+                  <a:schemeClr val="tx1"/>
+                </a:solidFill>
+                <a:latin typeface="メイリオ"/>
+                <a:ea typeface="メイリオ"/>
+                <a:cs typeface="メイリオ"/>
+              </a:rPr>
+              <a:t>nationalparks</a:t>
+            </a:r>
+            <a:endParaRPr kumimoji="1" lang="ja-JP" altLang="en-US" sz="800" dirty="0">
+              <a:solidFill>
+                <a:schemeClr val="tx1"/>
+              </a:solidFill>
+              <a:latin typeface="メイリオ"/>
+              <a:ea typeface="メイリオ"/>
+              <a:cs typeface="メイリオ"/>
+            </a:endParaRPr>
+          </a:p>
+        </p:txBody>
+      </p:sp>
+      <p:grpSp>
+        <p:nvGrpSpPr>
+          <p:cNvPr id="14" name="図形グループ 13"/>
+          <p:cNvGrpSpPr/>
+          <p:nvPr/>
+        </p:nvGrpSpPr>
+        <p:grpSpPr>
+          <a:xfrm>
+            <a:off x="5866966" y="4048796"/>
+            <a:ext cx="495393" cy="238821"/>
+            <a:chOff x="3635897" y="4313153"/>
+            <a:chExt cx="495393" cy="238821"/>
+          </a:xfrm>
+        </p:grpSpPr>
+        <p:pic>
+          <p:nvPicPr>
+            <p:cNvPr id="10" name="図 9" descr="download.png"/>
+            <p:cNvPicPr>
+              <a:picLocks noChangeAspect="1"/>
+            </p:cNvPicPr>
+            <p:nvPr/>
+          </p:nvPicPr>
+          <p:blipFill>
+            <a:blip r:embed="rId2">
+              <a:extLst>
+                <a:ext uri="{BEBA8EAE-BF5A-486C-A8C5-ECC9F3942E4B}">
+                  <a14:imgProps xmlns:a14="http://schemas.microsoft.com/office/drawing/2010/main">
+                    <a14:imgLayer r:embed="rId3">
+                      <a14:imgEffect>
+                        <a14:backgroundRemoval t="10000" b="90000" l="10000" r="90000"/>
+                      </a14:imgEffect>
+                    </a14:imgLayer>
+                  </a14:imgProps>
+                </a:ext>
+                <a:ext uri="{28A0092B-C50C-407E-A947-70E740481C1C}">
+                  <a14:useLocalDpi xmlns:a14="http://schemas.microsoft.com/office/drawing/2010/main" val="0"/>
+                </a:ext>
+              </a:extLst>
+            </a:blip>
+            <a:stretch>
+              <a:fillRect/>
+            </a:stretch>
+          </p:blipFill>
+          <p:spPr>
+            <a:xfrm rot="16200000">
+              <a:off x="3635897" y="4335943"/>
+              <a:ext cx="216031" cy="216031"/>
+            </a:xfrm>
+            <a:prstGeom prst="rect">
+              <a:avLst/>
+            </a:prstGeom>
+          </p:spPr>
+        </p:pic>
+        <p:sp>
+          <p:nvSpPr>
+            <p:cNvPr id="13" name="テキスト ボックス 12"/>
+            <p:cNvSpPr txBox="1"/>
+            <p:nvPr/>
+          </p:nvSpPr>
+          <p:spPr>
+            <a:xfrm>
+              <a:off x="3779912" y="4313153"/>
+              <a:ext cx="351378" cy="215444"/>
+            </a:xfrm>
+            <a:prstGeom prst="rect">
+              <a:avLst/>
+            </a:prstGeom>
+            <a:noFill/>
+          </p:spPr>
+          <p:txBody>
+            <a:bodyPr wrap="none" rtlCol="0">
+              <a:spAutoFit/>
+            </a:bodyPr>
+            <a:lstStyle/>
+            <a:p>
+              <a:r>
+                <a:rPr kumimoji="1" lang="en-US" altLang="ja-JP" sz="800" dirty="0" smtClean="0">
+                  <a:latin typeface="メイリオ"/>
+                  <a:ea typeface="メイリオ"/>
+                  <a:cs typeface="メイリオ"/>
+                </a:rPr>
+                <a:t>3.2</a:t>
+              </a:r>
+              <a:endParaRPr kumimoji="1" lang="ja-JP" altLang="en-US" sz="800" dirty="0" err="1" smtClean="0">
+                <a:latin typeface="メイリオ"/>
+                <a:ea typeface="メイリオ"/>
+                <a:cs typeface="メイリオ"/>
+              </a:endParaRPr>
+            </a:p>
+          </p:txBody>
+        </p:sp>
+      </p:grpSp>
+      <p:grpSp>
+        <p:nvGrpSpPr>
+          <p:cNvPr id="15" name="図形グループ 14"/>
+          <p:cNvGrpSpPr/>
+          <p:nvPr/>
+        </p:nvGrpSpPr>
+        <p:grpSpPr>
+          <a:xfrm>
+            <a:off x="5866966" y="4201196"/>
+            <a:ext cx="495393" cy="238821"/>
+            <a:chOff x="3635897" y="4313153"/>
+            <a:chExt cx="495393" cy="238821"/>
+          </a:xfrm>
+        </p:grpSpPr>
+        <p:pic>
+          <p:nvPicPr>
+            <p:cNvPr id="16" name="図 15" descr="download.png"/>
+            <p:cNvPicPr>
+              <a:picLocks noChangeAspect="1"/>
+            </p:cNvPicPr>
+            <p:nvPr/>
+          </p:nvPicPr>
+          <p:blipFill>
+            <a:blip r:embed="rId2">
+              <a:extLst>
+                <a:ext uri="{BEBA8EAE-BF5A-486C-A8C5-ECC9F3942E4B}">
+                  <a14:imgProps xmlns:a14="http://schemas.microsoft.com/office/drawing/2010/main">
+                    <a14:imgLayer r:embed="rId4">
+                      <a14:imgEffect>
+                        <a14:backgroundRemoval t="10000" b="90000" l="10000" r="90000"/>
+                      </a14:imgEffect>
+                    </a14:imgLayer>
+                  </a14:imgProps>
+                </a:ext>
+                <a:ext uri="{28A0092B-C50C-407E-A947-70E740481C1C}">
+                  <a14:useLocalDpi xmlns:a14="http://schemas.microsoft.com/office/drawing/2010/main" val="0"/>
+                </a:ext>
+              </a:extLst>
+            </a:blip>
+            <a:stretch>
+              <a:fillRect/>
+            </a:stretch>
+          </p:blipFill>
+          <p:spPr>
+            <a:xfrm rot="16200000">
+              <a:off x="3635897" y="4335943"/>
+              <a:ext cx="216031" cy="216031"/>
+            </a:xfrm>
+            <a:prstGeom prst="rect">
+              <a:avLst/>
+            </a:prstGeom>
+          </p:spPr>
+        </p:pic>
+        <p:sp>
+          <p:nvSpPr>
+            <p:cNvPr id="17" name="テキスト ボックス 16"/>
+            <p:cNvSpPr txBox="1"/>
+            <p:nvPr/>
+          </p:nvSpPr>
+          <p:spPr>
+            <a:xfrm>
+              <a:off x="3779912" y="4313153"/>
+              <a:ext cx="351378" cy="215444"/>
+            </a:xfrm>
+            <a:prstGeom prst="rect">
+              <a:avLst/>
+            </a:prstGeom>
+            <a:noFill/>
+          </p:spPr>
+          <p:txBody>
+            <a:bodyPr wrap="none" rtlCol="0">
+              <a:spAutoFit/>
+            </a:bodyPr>
+            <a:lstStyle/>
+            <a:p>
+              <a:r>
+                <a:rPr lang="en-US" altLang="ja-JP" sz="800" dirty="0" smtClean="0">
+                  <a:latin typeface="メイリオ"/>
+                  <a:ea typeface="メイリオ"/>
+                  <a:cs typeface="メイリオ"/>
+                </a:rPr>
+                <a:t>2.4</a:t>
+              </a:r>
+              <a:endParaRPr kumimoji="1" lang="ja-JP" altLang="en-US" sz="800" dirty="0" err="1" smtClean="0">
+                <a:latin typeface="メイリオ"/>
+                <a:ea typeface="メイリオ"/>
+                <a:cs typeface="メイリオ"/>
+              </a:endParaRPr>
+            </a:p>
+          </p:txBody>
+        </p:sp>
+      </p:grpSp>
+      <p:grpSp>
+        <p:nvGrpSpPr>
+          <p:cNvPr id="18" name="図形グループ 17"/>
+          <p:cNvGrpSpPr/>
+          <p:nvPr/>
+        </p:nvGrpSpPr>
+        <p:grpSpPr>
+          <a:xfrm>
+            <a:off x="5866966" y="4353596"/>
+            <a:ext cx="495393" cy="238821"/>
+            <a:chOff x="3635897" y="4313153"/>
+            <a:chExt cx="495393" cy="238821"/>
+          </a:xfrm>
+        </p:grpSpPr>
+        <p:pic>
+          <p:nvPicPr>
+            <p:cNvPr id="19" name="図 18" descr="download.png"/>
+            <p:cNvPicPr>
+              <a:picLocks noChangeAspect="1"/>
+            </p:cNvPicPr>
+            <p:nvPr/>
+          </p:nvPicPr>
+          <p:blipFill>
+            <a:blip r:embed="rId2">
+              <a:extLst>
+                <a:ext uri="{BEBA8EAE-BF5A-486C-A8C5-ECC9F3942E4B}">
+                  <a14:imgProps xmlns:a14="http://schemas.microsoft.com/office/drawing/2010/main">
+                    <a14:imgLayer r:embed="rId5">
+                      <a14:imgEffect>
+                        <a14:backgroundRemoval t="10000" b="90000" l="10000" r="90000"/>
+                      </a14:imgEffect>
+                    </a14:imgLayer>
+                  </a14:imgProps>
+                </a:ext>
+                <a:ext uri="{28A0092B-C50C-407E-A947-70E740481C1C}">
+                  <a14:useLocalDpi xmlns:a14="http://schemas.microsoft.com/office/drawing/2010/main" val="0"/>
+                </a:ext>
+              </a:extLst>
+            </a:blip>
+            <a:stretch>
+              <a:fillRect/>
+            </a:stretch>
+          </p:blipFill>
+          <p:spPr>
+            <a:xfrm rot="16200000">
+              <a:off x="3635897" y="4335943"/>
+              <a:ext cx="216031" cy="216031"/>
+            </a:xfrm>
+            <a:prstGeom prst="rect">
+              <a:avLst/>
+            </a:prstGeom>
+          </p:spPr>
+        </p:pic>
+        <p:sp>
+          <p:nvSpPr>
+            <p:cNvPr id="20" name="テキスト ボックス 19"/>
+            <p:cNvSpPr txBox="1"/>
+            <p:nvPr/>
+          </p:nvSpPr>
+          <p:spPr>
+            <a:xfrm>
+              <a:off x="3779912" y="4313153"/>
+              <a:ext cx="351378" cy="215444"/>
+            </a:xfrm>
+            <a:prstGeom prst="rect">
+              <a:avLst/>
+            </a:prstGeom>
+            <a:noFill/>
+          </p:spPr>
+          <p:txBody>
+            <a:bodyPr wrap="none" rtlCol="0">
+              <a:spAutoFit/>
+            </a:bodyPr>
+            <a:lstStyle/>
+            <a:p>
+              <a:r>
+                <a:rPr lang="en-US" altLang="ja-JP" sz="800" dirty="0" smtClean="0">
+                  <a:latin typeface="メイリオ"/>
+                  <a:ea typeface="メイリオ"/>
+                  <a:cs typeface="メイリオ"/>
+                </a:rPr>
+                <a:t>2.6</a:t>
+              </a:r>
+              <a:endParaRPr kumimoji="1" lang="ja-JP" altLang="en-US" sz="800" dirty="0" err="1" smtClean="0">
+                <a:latin typeface="メイリオ"/>
+                <a:ea typeface="メイリオ"/>
+                <a:cs typeface="メイリオ"/>
+              </a:endParaRPr>
+            </a:p>
+          </p:txBody>
+        </p:sp>
+      </p:grpSp>
+      <p:pic>
+        <p:nvPicPr>
+          <p:cNvPr id="25" name="図 24" descr="download.jpg"/>
+          <p:cNvPicPr>
+            <a:picLocks noChangeAspect="1"/>
+          </p:cNvPicPr>
+          <p:nvPr/>
+        </p:nvPicPr>
+        <p:blipFill>
+          <a:blip r:embed="rId6">
+            <a:extLst>
+              <a:ext uri="{BEBA8EAE-BF5A-486C-A8C5-ECC9F3942E4B}">
+                <a14:imgProps xmlns:a14="http://schemas.microsoft.com/office/drawing/2010/main">
+                  <a14:imgLayer r:embed="rId7">
+                    <a14:imgEffect>
+                      <a14:backgroundRemoval t="10000" b="90000" l="0" r="100000">
+                        <a14:foregroundMark x1="28889" y1="70667" x2="28889" y2="70667"/>
+                        <a14:foregroundMark x1="33333" y1="74444" x2="23556" y2="70000"/>
+                        <a14:foregroundMark x1="37111" y1="61556" x2="37111" y2="61556"/>
+                      </a14:backgroundRemoval>
+                    </a14:imgEffect>
+                  </a14:imgLayer>
+                </a14:imgProps>
+              </a:ext>
+              <a:ext uri="{28A0092B-C50C-407E-A947-70E740481C1C}">
+                <a14:useLocalDpi xmlns:a14="http://schemas.microsoft.com/office/drawing/2010/main" val="0"/>
+              </a:ext>
+            </a:extLst>
+          </a:blip>
+          <a:stretch>
+            <a:fillRect/>
+          </a:stretch>
+        </p:blipFill>
+        <p:spPr>
+          <a:xfrm>
+            <a:off x="4763411" y="3982603"/>
+            <a:ext cx="360040" cy="360040"/>
+          </a:xfrm>
+          <a:prstGeom prst="rect">
+            <a:avLst/>
+          </a:prstGeom>
+        </p:spPr>
+      </p:pic>
+      <p:grpSp>
+        <p:nvGrpSpPr>
+          <p:cNvPr id="26" name="図形グループ 25"/>
+          <p:cNvGrpSpPr/>
+          <p:nvPr/>
+        </p:nvGrpSpPr>
+        <p:grpSpPr>
+          <a:xfrm>
+            <a:off x="5746128" y="1829942"/>
+            <a:ext cx="495393" cy="238821"/>
+            <a:chOff x="3635897" y="4313153"/>
+            <a:chExt cx="495393" cy="238821"/>
+          </a:xfrm>
+        </p:grpSpPr>
+        <p:pic>
+          <p:nvPicPr>
+            <p:cNvPr id="27" name="図 26" descr="download.png"/>
+            <p:cNvPicPr>
+              <a:picLocks noChangeAspect="1"/>
+            </p:cNvPicPr>
+            <p:nvPr/>
+          </p:nvPicPr>
+          <p:blipFill>
+            <a:blip r:embed="rId2">
+              <a:extLst>
+                <a:ext uri="{BEBA8EAE-BF5A-486C-A8C5-ECC9F3942E4B}">
+                  <a14:imgProps xmlns:a14="http://schemas.microsoft.com/office/drawing/2010/main">
+                    <a14:imgLayer r:embed="rId5">
+                      <a14:imgEffect>
+                        <a14:backgroundRemoval t="10000" b="90000" l="10000" r="90000"/>
+                      </a14:imgEffect>
+                    </a14:imgLayer>
+                  </a14:imgProps>
+                </a:ext>
+                <a:ext uri="{28A0092B-C50C-407E-A947-70E740481C1C}">
+                  <a14:useLocalDpi xmlns:a14="http://schemas.microsoft.com/office/drawing/2010/main" val="0"/>
+                </a:ext>
+              </a:extLst>
+            </a:blip>
+            <a:stretch>
+              <a:fillRect/>
+            </a:stretch>
+          </p:blipFill>
+          <p:spPr>
+            <a:xfrm rot="16200000">
+              <a:off x="3635897" y="4335943"/>
+              <a:ext cx="216031" cy="216031"/>
+            </a:xfrm>
+            <a:prstGeom prst="rect">
+              <a:avLst/>
+            </a:prstGeom>
+          </p:spPr>
+        </p:pic>
+        <p:sp>
+          <p:nvSpPr>
+            <p:cNvPr id="28" name="テキスト ボックス 27"/>
+            <p:cNvSpPr txBox="1"/>
+            <p:nvPr/>
+          </p:nvSpPr>
+          <p:spPr>
+            <a:xfrm>
+              <a:off x="3779912" y="4313153"/>
+              <a:ext cx="351378" cy="215444"/>
+            </a:xfrm>
+            <a:prstGeom prst="rect">
+              <a:avLst/>
+            </a:prstGeom>
+            <a:noFill/>
+          </p:spPr>
+          <p:txBody>
+            <a:bodyPr wrap="none" rtlCol="0">
+              <a:spAutoFit/>
+            </a:bodyPr>
+            <a:lstStyle/>
+            <a:p>
+              <a:r>
+                <a:rPr kumimoji="1" lang="en-US" altLang="ja-JP" sz="800" dirty="0" smtClean="0">
+                  <a:latin typeface="メイリオ"/>
+                  <a:ea typeface="メイリオ"/>
+                  <a:cs typeface="メイリオ"/>
+                </a:rPr>
+                <a:t>3.2</a:t>
+              </a:r>
+              <a:endParaRPr kumimoji="1" lang="ja-JP" altLang="en-US" sz="800" dirty="0" err="1" smtClean="0">
+                <a:latin typeface="メイリオ"/>
+                <a:ea typeface="メイリオ"/>
+                <a:cs typeface="メイリオ"/>
+              </a:endParaRPr>
+            </a:p>
+          </p:txBody>
+        </p:sp>
+      </p:grpSp>
+      <p:grpSp>
+        <p:nvGrpSpPr>
+          <p:cNvPr id="29" name="図形グループ 28"/>
+          <p:cNvGrpSpPr/>
+          <p:nvPr/>
+        </p:nvGrpSpPr>
+        <p:grpSpPr>
+          <a:xfrm>
+            <a:off x="5746128" y="1982342"/>
+            <a:ext cx="495393" cy="238821"/>
+            <a:chOff x="3635897" y="4313153"/>
+            <a:chExt cx="495393" cy="238821"/>
+          </a:xfrm>
+        </p:grpSpPr>
+        <p:pic>
+          <p:nvPicPr>
+            <p:cNvPr id="30" name="図 29" descr="download.png"/>
+            <p:cNvPicPr>
+              <a:picLocks noChangeAspect="1"/>
+            </p:cNvPicPr>
+            <p:nvPr/>
+          </p:nvPicPr>
+          <p:blipFill>
+            <a:blip r:embed="rId2">
+              <a:extLst>
+                <a:ext uri="{BEBA8EAE-BF5A-486C-A8C5-ECC9F3942E4B}">
+                  <a14:imgProps xmlns:a14="http://schemas.microsoft.com/office/drawing/2010/main">
+                    <a14:imgLayer r:embed="rId5">
+                      <a14:imgEffect>
+                        <a14:backgroundRemoval t="10000" b="90000" l="10000" r="90000"/>
+                      </a14:imgEffect>
+                    </a14:imgLayer>
+                  </a14:imgProps>
+                </a:ext>
+                <a:ext uri="{28A0092B-C50C-407E-A947-70E740481C1C}">
+                  <a14:useLocalDpi xmlns:a14="http://schemas.microsoft.com/office/drawing/2010/main" val="0"/>
+                </a:ext>
+              </a:extLst>
+            </a:blip>
+            <a:stretch>
+              <a:fillRect/>
+            </a:stretch>
+          </p:blipFill>
+          <p:spPr>
+            <a:xfrm rot="16200000">
+              <a:off x="3635897" y="4335943"/>
+              <a:ext cx="216031" cy="216031"/>
+            </a:xfrm>
+            <a:prstGeom prst="rect">
+              <a:avLst/>
+            </a:prstGeom>
+          </p:spPr>
+        </p:pic>
+        <p:sp>
+          <p:nvSpPr>
+            <p:cNvPr id="31" name="テキスト ボックス 30"/>
+            <p:cNvSpPr txBox="1"/>
+            <p:nvPr/>
+          </p:nvSpPr>
+          <p:spPr>
+            <a:xfrm>
+              <a:off x="3779912" y="4313153"/>
+              <a:ext cx="351378" cy="215444"/>
+            </a:xfrm>
+            <a:prstGeom prst="rect">
+              <a:avLst/>
+            </a:prstGeom>
+            <a:noFill/>
+          </p:spPr>
+          <p:txBody>
+            <a:bodyPr wrap="none" rtlCol="0">
+              <a:spAutoFit/>
+            </a:bodyPr>
+            <a:lstStyle/>
+            <a:p>
+              <a:r>
+                <a:rPr lang="en-US" altLang="ja-JP" sz="800" dirty="0" smtClean="0">
+                  <a:latin typeface="メイリオ"/>
+                  <a:ea typeface="メイリオ"/>
+                  <a:cs typeface="メイリオ"/>
+                </a:rPr>
+                <a:t>2.4</a:t>
+              </a:r>
+              <a:endParaRPr kumimoji="1" lang="ja-JP" altLang="en-US" sz="800" dirty="0" err="1" smtClean="0">
+                <a:latin typeface="メイリオ"/>
+                <a:ea typeface="メイリオ"/>
+                <a:cs typeface="メイリオ"/>
+              </a:endParaRPr>
+            </a:p>
+          </p:txBody>
+        </p:sp>
+      </p:grpSp>
+      <p:grpSp>
+        <p:nvGrpSpPr>
+          <p:cNvPr id="32" name="図形グループ 31"/>
+          <p:cNvGrpSpPr/>
+          <p:nvPr/>
+        </p:nvGrpSpPr>
+        <p:grpSpPr>
+          <a:xfrm>
+            <a:off x="5746128" y="2134742"/>
+            <a:ext cx="495393" cy="238821"/>
+            <a:chOff x="3635897" y="4313153"/>
+            <a:chExt cx="495393" cy="238821"/>
+          </a:xfrm>
+        </p:grpSpPr>
+        <p:pic>
+          <p:nvPicPr>
+            <p:cNvPr id="33" name="図 32" descr="download.png"/>
+            <p:cNvPicPr>
+              <a:picLocks noChangeAspect="1"/>
+            </p:cNvPicPr>
+            <p:nvPr/>
+          </p:nvPicPr>
+          <p:blipFill>
+            <a:blip r:embed="rId2">
+              <a:extLst>
+                <a:ext uri="{BEBA8EAE-BF5A-486C-A8C5-ECC9F3942E4B}">
+                  <a14:imgProps xmlns:a14="http://schemas.microsoft.com/office/drawing/2010/main">
+                    <a14:imgLayer r:embed="rId5">
+                      <a14:imgEffect>
+                        <a14:backgroundRemoval t="10000" b="90000" l="10000" r="90000"/>
+                      </a14:imgEffect>
+                    </a14:imgLayer>
+                  </a14:imgProps>
+                </a:ext>
+                <a:ext uri="{28A0092B-C50C-407E-A947-70E740481C1C}">
+                  <a14:useLocalDpi xmlns:a14="http://schemas.microsoft.com/office/drawing/2010/main" val="0"/>
+                </a:ext>
+              </a:extLst>
+            </a:blip>
+            <a:stretch>
+              <a:fillRect/>
+            </a:stretch>
+          </p:blipFill>
+          <p:spPr>
+            <a:xfrm rot="16200000">
+              <a:off x="3635897" y="4335943"/>
+              <a:ext cx="216031" cy="216031"/>
+            </a:xfrm>
+            <a:prstGeom prst="rect">
+              <a:avLst/>
+            </a:prstGeom>
+          </p:spPr>
+        </p:pic>
+        <p:sp>
+          <p:nvSpPr>
+            <p:cNvPr id="34" name="テキスト ボックス 33"/>
+            <p:cNvSpPr txBox="1"/>
+            <p:nvPr/>
+          </p:nvSpPr>
+          <p:spPr>
+            <a:xfrm>
+              <a:off x="3779912" y="4313153"/>
+              <a:ext cx="351378" cy="215444"/>
+            </a:xfrm>
+            <a:prstGeom prst="rect">
+              <a:avLst/>
+            </a:prstGeom>
+            <a:noFill/>
+          </p:spPr>
+          <p:txBody>
+            <a:bodyPr wrap="none" rtlCol="0">
+              <a:spAutoFit/>
+            </a:bodyPr>
+            <a:lstStyle/>
+            <a:p>
+              <a:r>
+                <a:rPr lang="en-US" altLang="ja-JP" sz="800" dirty="0" smtClean="0">
+                  <a:latin typeface="メイリオ"/>
+                  <a:ea typeface="メイリオ"/>
+                  <a:cs typeface="メイリオ"/>
+                </a:rPr>
+                <a:t>2.6</a:t>
+              </a:r>
+              <a:endParaRPr kumimoji="1" lang="ja-JP" altLang="en-US" sz="800" dirty="0" err="1" smtClean="0">
+                <a:latin typeface="メイリオ"/>
+                <a:ea typeface="メイリオ"/>
+                <a:cs typeface="メイリオ"/>
+              </a:endParaRPr>
+            </a:p>
+          </p:txBody>
+        </p:sp>
+      </p:grpSp>
+      <p:cxnSp>
+        <p:nvCxnSpPr>
+          <p:cNvPr id="36" name="カギ線コネクタ 35"/>
+          <p:cNvCxnSpPr>
+            <a:stCxn id="7" idx="3"/>
+            <a:endCxn id="17" idx="3"/>
+          </p:cNvCxnSpPr>
+          <p:nvPr/>
+        </p:nvCxnSpPr>
+        <p:spPr>
+          <a:xfrm flipH="1">
+            <a:off x="6362359" y="2103698"/>
+            <a:ext cx="9841" cy="2205220"/>
+          </a:xfrm>
+          <a:prstGeom prst="bentConnector3">
+            <a:avLst>
+              <a:gd name="adj1" fmla="val -2322935"/>
+            </a:avLst>
+          </a:prstGeom>
+          <a:effectLst/>
+        </p:spPr>
+        <p:style>
+          <a:lnRef idx="2">
+            <a:schemeClr val="accent1"/>
+          </a:lnRef>
+          <a:fillRef idx="0">
+            <a:schemeClr val="accent1"/>
+          </a:fillRef>
+          <a:effectRef idx="1">
+            <a:schemeClr val="accent1"/>
+          </a:effectRef>
+          <a:fontRef idx="minor">
+            <a:schemeClr val="tx1"/>
+          </a:fontRef>
+        </p:style>
+      </p:cxnSp>
+      <p:grpSp>
+        <p:nvGrpSpPr>
+          <p:cNvPr id="49" name="図形グループ 48"/>
+          <p:cNvGrpSpPr/>
+          <p:nvPr/>
+        </p:nvGrpSpPr>
+        <p:grpSpPr>
+          <a:xfrm>
+            <a:off x="3393541" y="1923678"/>
+            <a:ext cx="602294" cy="238821"/>
+            <a:chOff x="3635897" y="4313153"/>
+            <a:chExt cx="602294" cy="238821"/>
+          </a:xfrm>
+        </p:grpSpPr>
+        <p:pic>
+          <p:nvPicPr>
+            <p:cNvPr id="50" name="図 49" descr="download.png"/>
+            <p:cNvPicPr>
+              <a:picLocks noChangeAspect="1"/>
+            </p:cNvPicPr>
+            <p:nvPr/>
+          </p:nvPicPr>
+          <p:blipFill>
+            <a:blip r:embed="rId2">
+              <a:extLst>
+                <a:ext uri="{BEBA8EAE-BF5A-486C-A8C5-ECC9F3942E4B}">
+                  <a14:imgProps xmlns:a14="http://schemas.microsoft.com/office/drawing/2010/main">
+                    <a14:imgLayer r:embed="rId5">
+                      <a14:imgEffect>
+                        <a14:backgroundRemoval t="10000" b="90000" l="10000" r="90000"/>
+                      </a14:imgEffect>
+                    </a14:imgLayer>
+                  </a14:imgProps>
+                </a:ext>
+                <a:ext uri="{28A0092B-C50C-407E-A947-70E740481C1C}">
+                  <a14:useLocalDpi xmlns:a14="http://schemas.microsoft.com/office/drawing/2010/main" val="0"/>
+                </a:ext>
+              </a:extLst>
+            </a:blip>
+            <a:stretch>
+              <a:fillRect/>
+            </a:stretch>
+          </p:blipFill>
+          <p:spPr>
+            <a:xfrm rot="16200000">
+              <a:off x="3635897" y="4335943"/>
+              <a:ext cx="216031" cy="216031"/>
+            </a:xfrm>
+            <a:prstGeom prst="rect">
+              <a:avLst/>
+            </a:prstGeom>
+          </p:spPr>
+        </p:pic>
+        <p:sp>
+          <p:nvSpPr>
+            <p:cNvPr id="51" name="テキスト ボックス 50"/>
+            <p:cNvSpPr txBox="1"/>
+            <p:nvPr/>
+          </p:nvSpPr>
+          <p:spPr>
+            <a:xfrm>
+              <a:off x="3779912" y="4313153"/>
+              <a:ext cx="458279" cy="215444"/>
+            </a:xfrm>
+            <a:prstGeom prst="rect">
+              <a:avLst/>
+            </a:prstGeom>
+            <a:noFill/>
+          </p:spPr>
+          <p:txBody>
+            <a:bodyPr wrap="none" rtlCol="0">
+              <a:spAutoFit/>
+            </a:bodyPr>
+            <a:lstStyle/>
+            <a:p>
+              <a:r>
+                <a:rPr lang="en-US" altLang="ja-JP" sz="800" dirty="0" smtClean="0">
+                  <a:latin typeface="メイリオ"/>
+                  <a:ea typeface="メイリオ"/>
+                  <a:cs typeface="メイリオ"/>
+                </a:rPr>
+                <a:t>latest</a:t>
+              </a:r>
+              <a:endParaRPr kumimoji="1" lang="ja-JP" altLang="en-US" sz="800" dirty="0" err="1" smtClean="0">
+                <a:latin typeface="メイリオ"/>
+                <a:ea typeface="メイリオ"/>
+                <a:cs typeface="メイリオ"/>
+              </a:endParaRPr>
+            </a:p>
+          </p:txBody>
+        </p:sp>
+      </p:grpSp>
+      <p:grpSp>
+        <p:nvGrpSpPr>
+          <p:cNvPr id="52" name="図形グループ 51"/>
+          <p:cNvGrpSpPr/>
+          <p:nvPr/>
+        </p:nvGrpSpPr>
+        <p:grpSpPr>
+          <a:xfrm>
+            <a:off x="3393541" y="2076078"/>
+            <a:ext cx="508217" cy="238821"/>
+            <a:chOff x="3635897" y="4313153"/>
+            <a:chExt cx="508217" cy="238821"/>
+          </a:xfrm>
+        </p:grpSpPr>
+        <p:pic>
+          <p:nvPicPr>
+            <p:cNvPr id="53" name="図 52" descr="download.png"/>
+            <p:cNvPicPr>
+              <a:picLocks noChangeAspect="1"/>
+            </p:cNvPicPr>
+            <p:nvPr/>
+          </p:nvPicPr>
+          <p:blipFill>
+            <a:blip r:embed="rId2">
+              <a:extLst>
+                <a:ext uri="{BEBA8EAE-BF5A-486C-A8C5-ECC9F3942E4B}">
+                  <a14:imgProps xmlns:a14="http://schemas.microsoft.com/office/drawing/2010/main">
+                    <a14:imgLayer r:embed="rId5">
+                      <a14:imgEffect>
+                        <a14:backgroundRemoval t="10000" b="90000" l="10000" r="90000"/>
+                      </a14:imgEffect>
+                    </a14:imgLayer>
+                  </a14:imgProps>
+                </a:ext>
+                <a:ext uri="{28A0092B-C50C-407E-A947-70E740481C1C}">
+                  <a14:useLocalDpi xmlns:a14="http://schemas.microsoft.com/office/drawing/2010/main" val="0"/>
+                </a:ext>
+              </a:extLst>
+            </a:blip>
+            <a:stretch>
+              <a:fillRect/>
+            </a:stretch>
+          </p:blipFill>
+          <p:spPr>
+            <a:xfrm rot="16200000">
+              <a:off x="3635897" y="4335943"/>
+              <a:ext cx="216031" cy="216031"/>
+            </a:xfrm>
+            <a:prstGeom prst="rect">
+              <a:avLst/>
+            </a:prstGeom>
+          </p:spPr>
+        </p:pic>
+        <p:sp>
+          <p:nvSpPr>
+            <p:cNvPr id="54" name="テキスト ボックス 53"/>
+            <p:cNvSpPr txBox="1"/>
+            <p:nvPr/>
+          </p:nvSpPr>
+          <p:spPr>
+            <a:xfrm>
+              <a:off x="3779912" y="4313153"/>
+              <a:ext cx="364202" cy="215444"/>
+            </a:xfrm>
+            <a:prstGeom prst="rect">
+              <a:avLst/>
+            </a:prstGeom>
+            <a:noFill/>
+          </p:spPr>
+          <p:txBody>
+            <a:bodyPr wrap="none" rtlCol="0">
+              <a:spAutoFit/>
+            </a:bodyPr>
+            <a:lstStyle/>
+            <a:p>
+              <a:r>
+                <a:rPr lang="en-US" altLang="ja-JP" sz="800" dirty="0" smtClean="0">
+                  <a:latin typeface="メイリオ"/>
+                  <a:ea typeface="メイリオ"/>
+                  <a:cs typeface="メイリオ"/>
+                </a:rPr>
+                <a:t>live</a:t>
+              </a:r>
+              <a:endParaRPr kumimoji="1" lang="ja-JP" altLang="en-US" sz="800" dirty="0" err="1" smtClean="0">
+                <a:latin typeface="メイリオ"/>
+                <a:ea typeface="メイリオ"/>
+                <a:cs typeface="メイリオ"/>
+              </a:endParaRPr>
+            </a:p>
+          </p:txBody>
+        </p:sp>
+      </p:grpSp>
+      <p:cxnSp>
+        <p:nvCxnSpPr>
+          <p:cNvPr id="61" name="カギ線コネクタ 60"/>
+          <p:cNvCxnSpPr>
+            <a:stCxn id="50" idx="0"/>
+            <a:endCxn id="43" idx="0"/>
+          </p:cNvCxnSpPr>
+          <p:nvPr/>
+        </p:nvCxnSpPr>
+        <p:spPr>
+          <a:xfrm rot="10800000" flipV="1">
+            <a:off x="3347865" y="2054483"/>
+            <a:ext cx="45677" cy="2016224"/>
+          </a:xfrm>
+          <a:prstGeom prst="bentConnector3">
+            <a:avLst>
+              <a:gd name="adj1" fmla="val 600471"/>
+            </a:avLst>
+          </a:prstGeom>
+          <a:effectLst/>
+        </p:spPr>
+        <p:style>
+          <a:lnRef idx="2">
+            <a:schemeClr val="accent1"/>
+          </a:lnRef>
+          <a:fillRef idx="0">
+            <a:schemeClr val="accent1"/>
+          </a:fillRef>
+          <a:effectRef idx="1">
+            <a:schemeClr val="accent1"/>
+          </a:effectRef>
+          <a:fontRef idx="minor">
+            <a:schemeClr val="tx1"/>
+          </a:fontRef>
+        </p:style>
+      </p:cxnSp>
+      <p:cxnSp>
+        <p:nvCxnSpPr>
+          <p:cNvPr id="64" name="カギ線コネクタ 63"/>
+          <p:cNvCxnSpPr>
+            <a:stCxn id="54" idx="3"/>
+            <a:endCxn id="57" idx="3"/>
+          </p:cNvCxnSpPr>
+          <p:nvPr/>
+        </p:nvCxnSpPr>
+        <p:spPr>
+          <a:xfrm flipH="1">
+            <a:off x="3843257" y="2183800"/>
+            <a:ext cx="58501" cy="2157446"/>
+          </a:xfrm>
+          <a:prstGeom prst="bentConnector3">
+            <a:avLst>
+              <a:gd name="adj1" fmla="val -390763"/>
+            </a:avLst>
+          </a:prstGeom>
+          <a:effectLst/>
+        </p:spPr>
+        <p:style>
+          <a:lnRef idx="2">
+            <a:schemeClr val="accent1"/>
+          </a:lnRef>
+          <a:fillRef idx="0">
+            <a:schemeClr val="accent1"/>
+          </a:fillRef>
+          <a:effectRef idx="1">
+            <a:schemeClr val="accent1"/>
+          </a:effectRef>
+          <a:fontRef idx="minor">
+            <a:schemeClr val="tx1"/>
+          </a:fontRef>
+        </p:style>
+      </p:cxnSp>
+      <p:sp>
+        <p:nvSpPr>
+          <p:cNvPr id="68" name="角丸四角形 67"/>
+          <p:cNvSpPr/>
+          <p:nvPr/>
+        </p:nvSpPr>
+        <p:spPr>
+          <a:xfrm>
+            <a:off x="7073703" y="4011910"/>
+            <a:ext cx="1602753" cy="648072"/>
+          </a:xfrm>
+          <a:prstGeom prst="roundRect">
+            <a:avLst>
+              <a:gd name="adj" fmla="val 0"/>
+            </a:avLst>
+          </a:prstGeom>
+          <a:noFill/>
+          <a:effectLst/>
+        </p:spPr>
+        <p:style>
+          <a:lnRef idx="1">
+            <a:schemeClr val="accent1"/>
+          </a:lnRef>
+          <a:fillRef idx="3">
+            <a:schemeClr val="accent1"/>
+          </a:fillRef>
+          <a:effectRef idx="2">
+            <a:schemeClr val="accent1"/>
+          </a:effectRef>
+          <a:fontRef idx="minor">
+            <a:schemeClr val="lt1"/>
+          </a:fontRef>
+        </p:style>
+        <p:txBody>
+          <a:bodyPr rtlCol="0" anchor="ctr"/>
+          <a:lstStyle/>
+          <a:p>
+            <a:r>
+              <a:rPr lang="en-US" altLang="ja-JP" sz="800" dirty="0" err="1" smtClean="0">
+                <a:solidFill>
+                  <a:schemeClr val="tx1"/>
+                </a:solidFill>
+                <a:latin typeface="メイリオ"/>
+                <a:ea typeface="メイリオ"/>
+                <a:cs typeface="メイリオ"/>
+              </a:rPr>
+              <a:t>parksmap</a:t>
+            </a:r>
+            <a:endParaRPr kumimoji="1" lang="ja-JP" altLang="en-US" sz="800" dirty="0">
+              <a:solidFill>
+                <a:schemeClr val="tx1"/>
+              </a:solidFill>
+              <a:latin typeface="メイリオ"/>
+              <a:ea typeface="メイリオ"/>
+              <a:cs typeface="メイリオ"/>
+            </a:endParaRPr>
+          </a:p>
+        </p:txBody>
+      </p:sp>
+      <p:grpSp>
+        <p:nvGrpSpPr>
+          <p:cNvPr id="69" name="図形グループ 68"/>
+          <p:cNvGrpSpPr/>
+          <p:nvPr/>
+        </p:nvGrpSpPr>
+        <p:grpSpPr>
+          <a:xfrm>
+            <a:off x="8172400" y="4242512"/>
+            <a:ext cx="495393" cy="238821"/>
+            <a:chOff x="3635897" y="4313153"/>
+            <a:chExt cx="495393" cy="238821"/>
+          </a:xfrm>
+        </p:grpSpPr>
+        <p:pic>
+          <p:nvPicPr>
+            <p:cNvPr id="70" name="図 69" descr="download.png"/>
+            <p:cNvPicPr>
+              <a:picLocks noChangeAspect="1"/>
+            </p:cNvPicPr>
+            <p:nvPr/>
+          </p:nvPicPr>
+          <p:blipFill>
+            <a:blip r:embed="rId2">
+              <a:extLst>
+                <a:ext uri="{BEBA8EAE-BF5A-486C-A8C5-ECC9F3942E4B}">
+                  <a14:imgProps xmlns:a14="http://schemas.microsoft.com/office/drawing/2010/main">
+                    <a14:imgLayer r:embed="rId5">
+                      <a14:imgEffect>
+                        <a14:backgroundRemoval t="10000" b="90000" l="10000" r="90000"/>
+                      </a14:imgEffect>
+                    </a14:imgLayer>
+                  </a14:imgProps>
+                </a:ext>
+                <a:ext uri="{28A0092B-C50C-407E-A947-70E740481C1C}">
+                  <a14:useLocalDpi xmlns:a14="http://schemas.microsoft.com/office/drawing/2010/main" val="0"/>
+                </a:ext>
+              </a:extLst>
+            </a:blip>
+            <a:stretch>
+              <a:fillRect/>
+            </a:stretch>
+          </p:blipFill>
+          <p:spPr>
+            <a:xfrm rot="16200000">
+              <a:off x="3635897" y="4335943"/>
+              <a:ext cx="216031" cy="216031"/>
+            </a:xfrm>
+            <a:prstGeom prst="rect">
+              <a:avLst/>
+            </a:prstGeom>
+          </p:spPr>
+        </p:pic>
+        <p:sp>
+          <p:nvSpPr>
+            <p:cNvPr id="71" name="テキスト ボックス 70"/>
+            <p:cNvSpPr txBox="1"/>
+            <p:nvPr/>
+          </p:nvSpPr>
+          <p:spPr>
+            <a:xfrm>
+              <a:off x="3779912" y="4313153"/>
+              <a:ext cx="351378" cy="215444"/>
+            </a:xfrm>
+            <a:prstGeom prst="rect">
+              <a:avLst/>
+            </a:prstGeom>
+            <a:noFill/>
+          </p:spPr>
+          <p:txBody>
+            <a:bodyPr wrap="none" rtlCol="0">
+              <a:spAutoFit/>
+            </a:bodyPr>
+            <a:lstStyle/>
+            <a:p>
+              <a:r>
+                <a:rPr lang="en-US" altLang="ja-JP" sz="800" dirty="0" smtClean="0">
+                  <a:latin typeface="メイリオ"/>
+                  <a:ea typeface="メイリオ"/>
+                  <a:cs typeface="メイリオ"/>
+                </a:rPr>
+                <a:t>1.2</a:t>
+              </a:r>
+              <a:endParaRPr kumimoji="1" lang="ja-JP" altLang="en-US" sz="800" dirty="0" err="1" smtClean="0">
+                <a:latin typeface="メイリオ"/>
+                <a:ea typeface="メイリオ"/>
+                <a:cs typeface="メイリオ"/>
+              </a:endParaRPr>
+            </a:p>
+          </p:txBody>
+        </p:sp>
+      </p:grpSp>
+      <p:pic>
+        <p:nvPicPr>
+          <p:cNvPr id="78" name="図 77" descr="download.jpg"/>
+          <p:cNvPicPr>
+            <a:picLocks noChangeAspect="1"/>
+          </p:cNvPicPr>
+          <p:nvPr/>
+        </p:nvPicPr>
+        <p:blipFill>
+          <a:blip r:embed="rId6">
+            <a:extLst>
+              <a:ext uri="{BEBA8EAE-BF5A-486C-A8C5-ECC9F3942E4B}">
+                <a14:imgProps xmlns:a14="http://schemas.microsoft.com/office/drawing/2010/main">
+                  <a14:imgLayer r:embed="rId8">
+                    <a14:imgEffect>
+                      <a14:backgroundRemoval t="10000" b="90000" l="0" r="100000">
+                        <a14:foregroundMark x1="28889" y1="70667" x2="28889" y2="70667"/>
+                        <a14:foregroundMark x1="33333" y1="74444" x2="23556" y2="70000"/>
+                        <a14:foregroundMark x1="37111" y1="61556" x2="37111" y2="61556"/>
+                      </a14:backgroundRemoval>
+                    </a14:imgEffect>
+                  </a14:imgLayer>
+                </a14:imgProps>
+              </a:ext>
+              <a:ext uri="{28A0092B-C50C-407E-A947-70E740481C1C}">
+                <a14:useLocalDpi xmlns:a14="http://schemas.microsoft.com/office/drawing/2010/main" val="0"/>
+              </a:ext>
+            </a:extLst>
+          </a:blip>
+          <a:stretch>
+            <a:fillRect/>
+          </a:stretch>
+        </p:blipFill>
+        <p:spPr>
+          <a:xfrm>
+            <a:off x="7092280" y="3982603"/>
+            <a:ext cx="360040" cy="360040"/>
+          </a:xfrm>
+          <a:prstGeom prst="rect">
+            <a:avLst/>
+          </a:prstGeom>
+        </p:spPr>
+      </p:pic>
+      <p:grpSp>
+        <p:nvGrpSpPr>
+          <p:cNvPr id="80" name="図形グループ 79"/>
+          <p:cNvGrpSpPr/>
+          <p:nvPr/>
+        </p:nvGrpSpPr>
+        <p:grpSpPr>
+          <a:xfrm>
+            <a:off x="7882027" y="1990726"/>
+            <a:ext cx="495393" cy="238821"/>
+            <a:chOff x="3635897" y="4313153"/>
+            <a:chExt cx="495393" cy="238821"/>
+          </a:xfrm>
+        </p:grpSpPr>
+        <p:pic>
+          <p:nvPicPr>
+            <p:cNvPr id="81" name="図 80" descr="download.png"/>
+            <p:cNvPicPr>
+              <a:picLocks noChangeAspect="1"/>
+            </p:cNvPicPr>
+            <p:nvPr/>
+          </p:nvPicPr>
+          <p:blipFill>
+            <a:blip r:embed="rId2">
+              <a:extLst>
+                <a:ext uri="{BEBA8EAE-BF5A-486C-A8C5-ECC9F3942E4B}">
+                  <a14:imgProps xmlns:a14="http://schemas.microsoft.com/office/drawing/2010/main">
+                    <a14:imgLayer r:embed="rId5">
+                      <a14:imgEffect>
+                        <a14:backgroundRemoval t="10000" b="90000" l="10000" r="90000"/>
+                      </a14:imgEffect>
+                    </a14:imgLayer>
+                  </a14:imgProps>
+                </a:ext>
+                <a:ext uri="{28A0092B-C50C-407E-A947-70E740481C1C}">
+                  <a14:useLocalDpi xmlns:a14="http://schemas.microsoft.com/office/drawing/2010/main" val="0"/>
+                </a:ext>
+              </a:extLst>
+            </a:blip>
+            <a:stretch>
+              <a:fillRect/>
+            </a:stretch>
+          </p:blipFill>
+          <p:spPr>
+            <a:xfrm rot="16200000">
+              <a:off x="3635897" y="4335943"/>
+              <a:ext cx="216031" cy="216031"/>
+            </a:xfrm>
+            <a:prstGeom prst="rect">
+              <a:avLst/>
+            </a:prstGeom>
+          </p:spPr>
+        </p:pic>
+        <p:sp>
+          <p:nvSpPr>
+            <p:cNvPr id="82" name="テキスト ボックス 81"/>
+            <p:cNvSpPr txBox="1"/>
+            <p:nvPr/>
+          </p:nvSpPr>
+          <p:spPr>
+            <a:xfrm>
+              <a:off x="3779912" y="4313153"/>
+              <a:ext cx="351378" cy="215444"/>
+            </a:xfrm>
+            <a:prstGeom prst="rect">
+              <a:avLst/>
+            </a:prstGeom>
+            <a:noFill/>
+          </p:spPr>
+          <p:txBody>
+            <a:bodyPr wrap="none" rtlCol="0">
+              <a:spAutoFit/>
+            </a:bodyPr>
+            <a:lstStyle/>
+            <a:p>
+              <a:r>
+                <a:rPr lang="en-US" altLang="ja-JP" sz="800" dirty="0" smtClean="0">
+                  <a:latin typeface="メイリオ"/>
+                  <a:ea typeface="メイリオ"/>
+                  <a:cs typeface="メイリオ"/>
+                </a:rPr>
+                <a:t>1.2</a:t>
+              </a:r>
+              <a:endParaRPr kumimoji="1" lang="ja-JP" altLang="en-US" sz="800" dirty="0" err="1" smtClean="0">
+                <a:latin typeface="メイリオ"/>
+                <a:ea typeface="メイリオ"/>
+                <a:cs typeface="メイリオ"/>
+              </a:endParaRPr>
+            </a:p>
+          </p:txBody>
+        </p:sp>
+      </p:grpSp>
+      <p:cxnSp>
+        <p:nvCxnSpPr>
+          <p:cNvPr id="85" name="カギ線コネクタ 84"/>
+          <p:cNvCxnSpPr>
+            <a:stCxn id="79" idx="3"/>
+            <a:endCxn id="71" idx="3"/>
+          </p:cNvCxnSpPr>
+          <p:nvPr/>
+        </p:nvCxnSpPr>
+        <p:spPr>
+          <a:xfrm>
+            <a:off x="8388424" y="2103698"/>
+            <a:ext cx="279369" cy="2246536"/>
+          </a:xfrm>
+          <a:prstGeom prst="bentConnector3">
+            <a:avLst>
+              <a:gd name="adj1" fmla="val 181827"/>
+            </a:avLst>
+          </a:prstGeom>
+          <a:effectLst/>
+        </p:spPr>
+        <p:style>
+          <a:lnRef idx="2">
+            <a:schemeClr val="accent1"/>
+          </a:lnRef>
+          <a:fillRef idx="0">
+            <a:schemeClr val="accent1"/>
+          </a:fillRef>
+          <a:effectRef idx="1">
+            <a:schemeClr val="accent1"/>
+          </a:effectRef>
+          <a:fontRef idx="minor">
+            <a:schemeClr val="tx1"/>
+          </a:fontRef>
+        </p:style>
+      </p:cxnSp>
+      <p:pic>
+        <p:nvPicPr>
+          <p:cNvPr id="92" name="図 91" descr="Logotype_RH_OpenShift_wLogo_RGB_Black.png"/>
+          <p:cNvPicPr>
+            <a:picLocks noChangeAspect="1"/>
+          </p:cNvPicPr>
+          <p:nvPr/>
+        </p:nvPicPr>
+        <p:blipFill>
+          <a:blip r:embed="rId9">
+            <a:extLst>
+              <a:ext uri="{28A0092B-C50C-407E-A947-70E740481C1C}">
+                <a14:useLocalDpi xmlns:a14="http://schemas.microsoft.com/office/drawing/2010/main" val="0"/>
+              </a:ext>
+            </a:extLst>
+          </a:blip>
+          <a:stretch>
+            <a:fillRect/>
+          </a:stretch>
+        </p:blipFill>
+        <p:spPr>
+          <a:xfrm>
+            <a:off x="7049579" y="1203598"/>
+            <a:ext cx="1449083" cy="372287"/>
+          </a:xfrm>
+          <a:prstGeom prst="rect">
+            <a:avLst/>
+          </a:prstGeom>
+        </p:spPr>
+      </p:pic>
+      <p:sp>
+        <p:nvSpPr>
+          <p:cNvPr id="94" name="左中かっこ 93"/>
+          <p:cNvSpPr/>
+          <p:nvPr/>
+        </p:nvSpPr>
+        <p:spPr>
+          <a:xfrm>
+            <a:off x="1691680" y="3363838"/>
+            <a:ext cx="360040" cy="1296144"/>
+          </a:xfrm>
+          <a:prstGeom prst="leftBrace">
+            <a:avLst>
+              <a:gd name="adj1" fmla="val 38180"/>
+              <a:gd name="adj2" fmla="val 50000"/>
+            </a:avLst>
+          </a:prstGeom>
+          <a:effectLst/>
+        </p:spPr>
+        <p:style>
+          <a:lnRef idx="2">
+            <a:schemeClr val="accent1"/>
+          </a:lnRef>
+          <a:fillRef idx="0">
+            <a:schemeClr val="accent1"/>
+          </a:fillRef>
+          <a:effectRef idx="1">
+            <a:schemeClr val="accent1"/>
+          </a:effectRef>
+          <a:fontRef idx="minor">
+            <a:schemeClr val="tx1"/>
+          </a:fontRef>
+        </p:style>
+        <p:txBody>
+          <a:bodyPr rtlCol="0" anchor="ctr"/>
+          <a:lstStyle/>
+          <a:p>
+            <a:pPr algn="ctr"/>
+            <a:endParaRPr kumimoji="1" lang="ja-JP" altLang="en-US"/>
+          </a:p>
+        </p:txBody>
+      </p:sp>
+      <p:sp>
+        <p:nvSpPr>
+          <p:cNvPr id="95" name="左中かっこ 94"/>
+          <p:cNvSpPr/>
+          <p:nvPr/>
+        </p:nvSpPr>
+        <p:spPr>
+          <a:xfrm>
+            <a:off x="1763688" y="1707654"/>
+            <a:ext cx="360040" cy="792088"/>
+          </a:xfrm>
+          <a:prstGeom prst="leftBrace">
+            <a:avLst>
+              <a:gd name="adj1" fmla="val 38180"/>
+              <a:gd name="adj2" fmla="val 50000"/>
+            </a:avLst>
+          </a:prstGeom>
+          <a:effectLst/>
+        </p:spPr>
+        <p:style>
+          <a:lnRef idx="2">
+            <a:schemeClr val="accent1"/>
+          </a:lnRef>
+          <a:fillRef idx="0">
+            <a:schemeClr val="accent1"/>
+          </a:fillRef>
+          <a:effectRef idx="1">
+            <a:schemeClr val="accent1"/>
+          </a:effectRef>
+          <a:fontRef idx="minor">
+            <a:schemeClr val="tx1"/>
+          </a:fontRef>
+        </p:style>
+        <p:txBody>
+          <a:bodyPr rtlCol="0" anchor="ctr"/>
+          <a:lstStyle/>
+          <a:p>
+            <a:pPr algn="ctr"/>
+            <a:endParaRPr kumimoji="1" lang="ja-JP" altLang="en-US"/>
+          </a:p>
+        </p:txBody>
+      </p:sp>
+      <p:sp>
+        <p:nvSpPr>
+          <p:cNvPr id="96" name="テキスト ボックス 95"/>
+          <p:cNvSpPr txBox="1"/>
+          <p:nvPr/>
+        </p:nvSpPr>
+        <p:spPr>
+          <a:xfrm>
+            <a:off x="683568" y="3867894"/>
+            <a:ext cx="979755" cy="215444"/>
+          </a:xfrm>
+          <a:prstGeom prst="rect">
+            <a:avLst/>
+          </a:prstGeom>
+          <a:noFill/>
+        </p:spPr>
+        <p:txBody>
+          <a:bodyPr wrap="none" rtlCol="0">
+            <a:spAutoFit/>
+          </a:bodyPr>
+          <a:lstStyle/>
+          <a:p>
+            <a:r>
+              <a:rPr kumimoji="1" lang="en-US" altLang="ja-JP" sz="800" dirty="0" err="1" smtClean="0">
+                <a:latin typeface="メイリオ"/>
+                <a:ea typeface="メイリオ"/>
+                <a:cs typeface="メイリオ"/>
+              </a:rPr>
+              <a:t>Docker</a:t>
+            </a:r>
+            <a:r>
+              <a:rPr kumimoji="1" lang="en-US" altLang="ja-JP" sz="800" dirty="0" smtClean="0">
+                <a:latin typeface="メイリオ"/>
+                <a:ea typeface="メイリオ"/>
+                <a:cs typeface="メイリオ"/>
+              </a:rPr>
+              <a:t> Registry</a:t>
+            </a:r>
+            <a:endParaRPr kumimoji="1" lang="ja-JP" altLang="en-US" sz="800" dirty="0" err="1" smtClean="0">
+              <a:latin typeface="メイリオ"/>
+              <a:ea typeface="メイリオ"/>
+              <a:cs typeface="メイリオ"/>
+            </a:endParaRPr>
+          </a:p>
+        </p:txBody>
+      </p:sp>
+      <p:sp>
+        <p:nvSpPr>
+          <p:cNvPr id="97" name="テキスト ボックス 96"/>
+          <p:cNvSpPr txBox="1"/>
+          <p:nvPr/>
+        </p:nvSpPr>
+        <p:spPr>
+          <a:xfrm>
+            <a:off x="107504" y="1923678"/>
+            <a:ext cx="1728192" cy="338554"/>
+          </a:xfrm>
+          <a:prstGeom prst="rect">
+            <a:avLst/>
+          </a:prstGeom>
+          <a:noFill/>
+        </p:spPr>
+        <p:txBody>
+          <a:bodyPr wrap="square" rtlCol="0">
+            <a:spAutoFit/>
+          </a:bodyPr>
+          <a:lstStyle/>
+          <a:p>
+            <a:r>
+              <a:rPr kumimoji="1" lang="en-US" altLang="ja-JP" sz="800" dirty="0" smtClean="0">
+                <a:latin typeface="メイリオ"/>
+                <a:ea typeface="メイリオ"/>
+                <a:cs typeface="メイリオ"/>
+              </a:rPr>
+              <a:t>Image Stream</a:t>
+            </a:r>
+          </a:p>
+          <a:p>
+            <a:r>
+              <a:rPr lang="en-US" altLang="ja-JP" sz="800" dirty="0">
+                <a:latin typeface="メイリオ"/>
+                <a:ea typeface="メイリオ"/>
+                <a:cs typeface="メイリオ"/>
+              </a:rPr>
+              <a:t>(</a:t>
+            </a:r>
+            <a:r>
+              <a:rPr kumimoji="1" lang="en-US" altLang="ja-JP" sz="800" dirty="0" err="1" smtClean="0">
+                <a:latin typeface="メイリオ"/>
+                <a:ea typeface="メイリオ"/>
+                <a:cs typeface="メイリオ"/>
+              </a:rPr>
+              <a:t>Docker</a:t>
+            </a:r>
+            <a:r>
+              <a:rPr kumimoji="1" lang="en-US" altLang="ja-JP" sz="800" dirty="0" smtClean="0">
+                <a:latin typeface="メイリオ"/>
+                <a:ea typeface="メイリオ"/>
+                <a:cs typeface="メイリオ"/>
+              </a:rPr>
+              <a:t> Image </a:t>
+            </a:r>
+            <a:r>
+              <a:rPr kumimoji="1" lang="ja-JP" altLang="en-US" sz="800" dirty="0" smtClean="0">
+                <a:latin typeface="メイリオ"/>
+                <a:ea typeface="メイリオ"/>
+                <a:cs typeface="メイリオ"/>
+              </a:rPr>
+              <a:t>への</a:t>
+            </a:r>
+            <a:r>
+              <a:rPr lang="ja-JP" altLang="en-US" sz="800" dirty="0" smtClean="0">
+                <a:latin typeface="メイリオ"/>
+                <a:ea typeface="メイリオ"/>
+                <a:cs typeface="メイリオ"/>
+              </a:rPr>
+              <a:t>ポインター</a:t>
+            </a:r>
+            <a:r>
+              <a:rPr lang="en-US" altLang="ja-JP" sz="800" dirty="0" smtClean="0">
+                <a:latin typeface="メイリオ"/>
+                <a:ea typeface="メイリオ"/>
+                <a:cs typeface="メイリオ"/>
+              </a:rPr>
+              <a:t>)</a:t>
+            </a:r>
+            <a:endParaRPr kumimoji="1" lang="en-US" altLang="ja-JP" sz="800" dirty="0" smtClean="0">
+              <a:latin typeface="メイリオ"/>
+              <a:ea typeface="メイリオ"/>
+              <a:cs typeface="メイリオ"/>
+            </a:endParaRPr>
+          </a:p>
+        </p:txBody>
+      </p:sp>
+      <p:grpSp>
+        <p:nvGrpSpPr>
+          <p:cNvPr id="42" name="図形グループ 41"/>
+          <p:cNvGrpSpPr/>
+          <p:nvPr/>
+        </p:nvGrpSpPr>
+        <p:grpSpPr>
+          <a:xfrm>
+            <a:off x="3347864" y="3939902"/>
+            <a:ext cx="508217" cy="238821"/>
+            <a:chOff x="3635897" y="4313153"/>
+            <a:chExt cx="508217" cy="238821"/>
+          </a:xfrm>
+        </p:grpSpPr>
+        <p:pic>
+          <p:nvPicPr>
+            <p:cNvPr id="43" name="図 42" descr="download.png"/>
+            <p:cNvPicPr>
+              <a:picLocks noChangeAspect="1"/>
+            </p:cNvPicPr>
+            <p:nvPr/>
+          </p:nvPicPr>
+          <p:blipFill>
+            <a:blip r:embed="rId2">
+              <a:extLst>
+                <a:ext uri="{BEBA8EAE-BF5A-486C-A8C5-ECC9F3942E4B}">
+                  <a14:imgProps xmlns:a14="http://schemas.microsoft.com/office/drawing/2010/main">
+                    <a14:imgLayer r:embed="rId5">
+                      <a14:imgEffect>
+                        <a14:backgroundRemoval t="10000" b="90000" l="10000" r="90000"/>
+                      </a14:imgEffect>
+                    </a14:imgLayer>
+                  </a14:imgProps>
+                </a:ext>
+                <a:ext uri="{28A0092B-C50C-407E-A947-70E740481C1C}">
+                  <a14:useLocalDpi xmlns:a14="http://schemas.microsoft.com/office/drawing/2010/main" val="0"/>
+                </a:ext>
+              </a:extLst>
+            </a:blip>
+            <a:stretch>
+              <a:fillRect/>
+            </a:stretch>
+          </p:blipFill>
+          <p:spPr>
+            <a:xfrm rot="16200000">
+              <a:off x="3635897" y="4335943"/>
+              <a:ext cx="216031" cy="216031"/>
+            </a:xfrm>
+            <a:prstGeom prst="rect">
+              <a:avLst/>
+            </a:prstGeom>
+          </p:spPr>
+        </p:pic>
+        <p:sp>
+          <p:nvSpPr>
+            <p:cNvPr id="44" name="テキスト ボックス 43"/>
+            <p:cNvSpPr txBox="1"/>
+            <p:nvPr/>
+          </p:nvSpPr>
+          <p:spPr>
+            <a:xfrm>
+              <a:off x="3779912" y="4313153"/>
+              <a:ext cx="364202" cy="215444"/>
+            </a:xfrm>
+            <a:prstGeom prst="rect">
+              <a:avLst/>
+            </a:prstGeom>
+            <a:noFill/>
+          </p:spPr>
+          <p:txBody>
+            <a:bodyPr wrap="none" rtlCol="0">
+              <a:spAutoFit/>
+            </a:bodyPr>
+            <a:lstStyle/>
+            <a:p>
+              <a:r>
+                <a:rPr lang="en-US" altLang="ja-JP" sz="800" dirty="0">
+                  <a:latin typeface="メイリオ"/>
+                  <a:ea typeface="メイリオ"/>
+                  <a:cs typeface="メイリオ"/>
+                </a:rPr>
+                <a:t>N</a:t>
+              </a:r>
+              <a:r>
+                <a:rPr lang="en-US" altLang="ja-JP" sz="800" dirty="0" smtClean="0">
+                  <a:latin typeface="メイリオ"/>
+                  <a:ea typeface="メイリオ"/>
+                  <a:cs typeface="メイリオ"/>
+                </a:rPr>
+                <a:t>.0</a:t>
+              </a:r>
+              <a:endParaRPr kumimoji="1" lang="ja-JP" altLang="en-US" sz="800" dirty="0" err="1" smtClean="0">
+                <a:latin typeface="メイリオ"/>
+                <a:ea typeface="メイリオ"/>
+                <a:cs typeface="メイリオ"/>
+              </a:endParaRPr>
+            </a:p>
+          </p:txBody>
+        </p:sp>
+      </p:grpSp>
+      <p:grpSp>
+        <p:nvGrpSpPr>
+          <p:cNvPr id="45" name="図形グループ 44"/>
+          <p:cNvGrpSpPr/>
+          <p:nvPr/>
+        </p:nvGrpSpPr>
+        <p:grpSpPr>
+          <a:xfrm>
+            <a:off x="3347864" y="4086713"/>
+            <a:ext cx="436132" cy="238821"/>
+            <a:chOff x="3635897" y="4313153"/>
+            <a:chExt cx="436132" cy="238821"/>
+          </a:xfrm>
+        </p:grpSpPr>
+        <p:pic>
+          <p:nvPicPr>
+            <p:cNvPr id="46" name="図 45" descr="download.png"/>
+            <p:cNvPicPr>
+              <a:picLocks noChangeAspect="1"/>
+            </p:cNvPicPr>
+            <p:nvPr/>
+          </p:nvPicPr>
+          <p:blipFill>
+            <a:blip r:embed="rId2">
+              <a:extLst>
+                <a:ext uri="{BEBA8EAE-BF5A-486C-A8C5-ECC9F3942E4B}">
+                  <a14:imgProps xmlns:a14="http://schemas.microsoft.com/office/drawing/2010/main">
+                    <a14:imgLayer r:embed="rId5">
+                      <a14:imgEffect>
+                        <a14:backgroundRemoval t="10000" b="90000" l="10000" r="90000"/>
+                      </a14:imgEffect>
+                    </a14:imgLayer>
+                  </a14:imgProps>
+                </a:ext>
+                <a:ext uri="{28A0092B-C50C-407E-A947-70E740481C1C}">
+                  <a14:useLocalDpi xmlns:a14="http://schemas.microsoft.com/office/drawing/2010/main" val="0"/>
+                </a:ext>
+              </a:extLst>
+            </a:blip>
+            <a:stretch>
+              <a:fillRect/>
+            </a:stretch>
+          </p:blipFill>
+          <p:spPr>
+            <a:xfrm rot="16200000">
+              <a:off x="3635897" y="4335943"/>
+              <a:ext cx="216031" cy="216031"/>
+            </a:xfrm>
+            <a:prstGeom prst="rect">
+              <a:avLst/>
+            </a:prstGeom>
+          </p:spPr>
+        </p:pic>
+        <p:sp>
+          <p:nvSpPr>
+            <p:cNvPr id="47" name="テキスト ボックス 46"/>
+            <p:cNvSpPr txBox="1"/>
+            <p:nvPr/>
+          </p:nvSpPr>
+          <p:spPr>
+            <a:xfrm>
+              <a:off x="3779912" y="4313153"/>
+              <a:ext cx="292117" cy="215444"/>
+            </a:xfrm>
+            <a:prstGeom prst="rect">
+              <a:avLst/>
+            </a:prstGeom>
+            <a:noFill/>
+          </p:spPr>
+          <p:txBody>
+            <a:bodyPr wrap="none" rtlCol="0">
+              <a:spAutoFit/>
+            </a:bodyPr>
+            <a:lstStyle/>
+            <a:p>
+              <a:r>
+                <a:rPr lang="en-US" altLang="ja-JP" sz="800" dirty="0" smtClean="0">
+                  <a:latin typeface="メイリオ"/>
+                  <a:ea typeface="メイリオ"/>
+                  <a:cs typeface="メイリオ"/>
+                </a:rPr>
+                <a:t>...</a:t>
+              </a:r>
+              <a:endParaRPr kumimoji="1" lang="ja-JP" altLang="en-US" sz="800" dirty="0" err="1" smtClean="0">
+                <a:latin typeface="メイリオ"/>
+                <a:ea typeface="メイリオ"/>
+                <a:cs typeface="メイリオ"/>
+              </a:endParaRPr>
+            </a:p>
+          </p:txBody>
+        </p:sp>
+      </p:grpSp>
+      <p:grpSp>
+        <p:nvGrpSpPr>
+          <p:cNvPr id="55" name="図形グループ 54"/>
+          <p:cNvGrpSpPr/>
+          <p:nvPr/>
+        </p:nvGrpSpPr>
+        <p:grpSpPr>
+          <a:xfrm>
+            <a:off x="3347864" y="4233524"/>
+            <a:ext cx="495393" cy="238821"/>
+            <a:chOff x="3635897" y="4313153"/>
+            <a:chExt cx="495393" cy="238821"/>
+          </a:xfrm>
+        </p:grpSpPr>
+        <p:pic>
+          <p:nvPicPr>
+            <p:cNvPr id="56" name="図 55" descr="download.png"/>
+            <p:cNvPicPr>
+              <a:picLocks noChangeAspect="1"/>
+            </p:cNvPicPr>
+            <p:nvPr/>
+          </p:nvPicPr>
+          <p:blipFill>
+            <a:blip r:embed="rId2">
+              <a:extLst>
+                <a:ext uri="{BEBA8EAE-BF5A-486C-A8C5-ECC9F3942E4B}">
+                  <a14:imgProps xmlns:a14="http://schemas.microsoft.com/office/drawing/2010/main">
+                    <a14:imgLayer r:embed="rId5">
+                      <a14:imgEffect>
+                        <a14:backgroundRemoval t="10000" b="90000" l="10000" r="90000"/>
+                      </a14:imgEffect>
+                    </a14:imgLayer>
+                  </a14:imgProps>
+                </a:ext>
+                <a:ext uri="{28A0092B-C50C-407E-A947-70E740481C1C}">
+                  <a14:useLocalDpi xmlns:a14="http://schemas.microsoft.com/office/drawing/2010/main" val="0"/>
+                </a:ext>
+              </a:extLst>
+            </a:blip>
+            <a:stretch>
+              <a:fillRect/>
+            </a:stretch>
+          </p:blipFill>
+          <p:spPr>
+            <a:xfrm rot="16200000">
+              <a:off x="3635897" y="4335943"/>
+              <a:ext cx="216031" cy="216031"/>
+            </a:xfrm>
+            <a:prstGeom prst="rect">
+              <a:avLst/>
+            </a:prstGeom>
+          </p:spPr>
+        </p:pic>
+        <p:sp>
+          <p:nvSpPr>
+            <p:cNvPr id="57" name="テキスト ボックス 56"/>
+            <p:cNvSpPr txBox="1"/>
+            <p:nvPr/>
+          </p:nvSpPr>
+          <p:spPr>
+            <a:xfrm>
+              <a:off x="3779912" y="4313153"/>
+              <a:ext cx="351378" cy="215444"/>
+            </a:xfrm>
+            <a:prstGeom prst="rect">
+              <a:avLst/>
+            </a:prstGeom>
+            <a:noFill/>
+          </p:spPr>
+          <p:txBody>
+            <a:bodyPr wrap="none" rtlCol="0">
+              <a:spAutoFit/>
+            </a:bodyPr>
+            <a:lstStyle/>
+            <a:p>
+              <a:r>
+                <a:rPr lang="en-US" altLang="ja-JP" sz="800" dirty="0" smtClean="0">
+                  <a:latin typeface="メイリオ"/>
+                  <a:ea typeface="メイリオ"/>
+                  <a:cs typeface="メイリオ"/>
+                </a:rPr>
+                <a:t>2.0</a:t>
+              </a:r>
+              <a:endParaRPr kumimoji="1" lang="ja-JP" altLang="en-US" sz="800" dirty="0" err="1" smtClean="0">
+                <a:latin typeface="メイリオ"/>
+                <a:ea typeface="メイリオ"/>
+                <a:cs typeface="メイリオ"/>
+              </a:endParaRPr>
+            </a:p>
+          </p:txBody>
+        </p:sp>
+      </p:grpSp>
+      <p:grpSp>
+        <p:nvGrpSpPr>
+          <p:cNvPr id="58" name="図形グループ 57"/>
+          <p:cNvGrpSpPr/>
+          <p:nvPr/>
+        </p:nvGrpSpPr>
+        <p:grpSpPr>
+          <a:xfrm>
+            <a:off x="3347864" y="4380334"/>
+            <a:ext cx="495393" cy="238821"/>
+            <a:chOff x="3635897" y="4313153"/>
+            <a:chExt cx="495393" cy="238821"/>
+          </a:xfrm>
+        </p:grpSpPr>
+        <p:pic>
+          <p:nvPicPr>
+            <p:cNvPr id="59" name="図 58" descr="download.png"/>
+            <p:cNvPicPr>
+              <a:picLocks noChangeAspect="1"/>
+            </p:cNvPicPr>
+            <p:nvPr/>
+          </p:nvPicPr>
+          <p:blipFill>
+            <a:blip r:embed="rId2">
+              <a:extLst>
+                <a:ext uri="{BEBA8EAE-BF5A-486C-A8C5-ECC9F3942E4B}">
+                  <a14:imgProps xmlns:a14="http://schemas.microsoft.com/office/drawing/2010/main">
+                    <a14:imgLayer r:embed="rId5">
+                      <a14:imgEffect>
+                        <a14:backgroundRemoval t="10000" b="90000" l="10000" r="90000"/>
+                      </a14:imgEffect>
+                    </a14:imgLayer>
+                  </a14:imgProps>
+                </a:ext>
+                <a:ext uri="{28A0092B-C50C-407E-A947-70E740481C1C}">
+                  <a14:useLocalDpi xmlns:a14="http://schemas.microsoft.com/office/drawing/2010/main" val="0"/>
+                </a:ext>
+              </a:extLst>
+            </a:blip>
+            <a:stretch>
+              <a:fillRect/>
+            </a:stretch>
+          </p:blipFill>
+          <p:spPr>
+            <a:xfrm rot="16200000">
+              <a:off x="3635897" y="4335943"/>
+              <a:ext cx="216031" cy="216031"/>
+            </a:xfrm>
+            <a:prstGeom prst="rect">
+              <a:avLst/>
+            </a:prstGeom>
+          </p:spPr>
+        </p:pic>
+        <p:sp>
+          <p:nvSpPr>
+            <p:cNvPr id="60" name="テキスト ボックス 59"/>
+            <p:cNvSpPr txBox="1"/>
+            <p:nvPr/>
+          </p:nvSpPr>
+          <p:spPr>
+            <a:xfrm>
+              <a:off x="3779912" y="4313153"/>
+              <a:ext cx="351378" cy="215444"/>
+            </a:xfrm>
+            <a:prstGeom prst="rect">
+              <a:avLst/>
+            </a:prstGeom>
+            <a:noFill/>
+          </p:spPr>
+          <p:txBody>
+            <a:bodyPr wrap="none" rtlCol="0">
+              <a:spAutoFit/>
+            </a:bodyPr>
+            <a:lstStyle/>
+            <a:p>
+              <a:r>
+                <a:rPr lang="en-US" altLang="ja-JP" sz="800" dirty="0" smtClean="0">
+                  <a:latin typeface="メイリオ"/>
+                  <a:ea typeface="メイリオ"/>
+                  <a:cs typeface="メイリオ"/>
+                </a:rPr>
+                <a:t>1.0</a:t>
+              </a:r>
+              <a:endParaRPr kumimoji="1" lang="ja-JP" altLang="en-US" sz="800" dirty="0" err="1" smtClean="0">
+                <a:latin typeface="メイリオ"/>
+                <a:ea typeface="メイリオ"/>
+                <a:cs typeface="メイリオ"/>
+              </a:endParaRPr>
+            </a:p>
+          </p:txBody>
+        </p:sp>
+      </p:grpSp>
+      <p:pic>
+        <p:nvPicPr>
+          <p:cNvPr id="67" name="図 66" descr="download.jpg"/>
+          <p:cNvPicPr>
+            <a:picLocks noChangeAspect="1"/>
+          </p:cNvPicPr>
+          <p:nvPr/>
+        </p:nvPicPr>
+        <p:blipFill>
+          <a:blip r:embed="rId6">
+            <a:extLst>
+              <a:ext uri="{BEBA8EAE-BF5A-486C-A8C5-ECC9F3942E4B}">
+                <a14:imgProps xmlns:a14="http://schemas.microsoft.com/office/drawing/2010/main">
+                  <a14:imgLayer r:embed="rId8">
+                    <a14:imgEffect>
+                      <a14:backgroundRemoval t="10000" b="90000" l="0" r="100000">
+                        <a14:foregroundMark x1="28889" y1="70667" x2="28889" y2="70667"/>
+                        <a14:foregroundMark x1="33333" y1="74444" x2="23556" y2="70000"/>
+                        <a14:foregroundMark x1="37111" y1="61556" x2="37111" y2="61556"/>
+                      </a14:backgroundRemoval>
+                    </a14:imgEffect>
+                  </a14:imgLayer>
+                </a14:imgProps>
+              </a:ext>
+              <a:ext uri="{28A0092B-C50C-407E-A947-70E740481C1C}">
+                <a14:useLocalDpi xmlns:a14="http://schemas.microsoft.com/office/drawing/2010/main" val="0"/>
+              </a:ext>
+            </a:extLst>
+          </a:blip>
+          <a:stretch>
+            <a:fillRect/>
+          </a:stretch>
+        </p:blipFill>
+        <p:spPr>
+          <a:xfrm>
+            <a:off x="2339480" y="3939902"/>
+            <a:ext cx="360040" cy="360040"/>
+          </a:xfrm>
+          <a:prstGeom prst="rect">
+            <a:avLst/>
+          </a:prstGeom>
+        </p:spPr>
+      </p:pic>
+    </p:spTree>
+    <p:extLst>
+      <p:ext uri="{BB962C8B-B14F-4D97-AF65-F5344CB8AC3E}">
+        <p14:creationId xmlns:p14="http://schemas.microsoft.com/office/powerpoint/2010/main" val="3735841479"/>
+      </p:ext>
+    </p:extLst>
+  </p:cSld>
+  <p:clrMapOvr>
+    <a:masterClrMapping/>
+  </p:clrMapOvr>
+  <p:timing>
+    <p:tnLst>
+      <p:par>
+        <p:cTn xmlns:p14="http://schemas.microsoft.com/office/powerpoint/2010/main" id="1" dur="indefinite" restart="never" nodeType="tmRoot"/>
+      </p:par>
+    </p:tnLst>
+  </p:timing>
+</p:sld>
+</file>
+
+<file path=ppt/slides/slide6.xml><?xml version="1.0" encoding="utf-8"?>
 <p:sld xmlns:a="http://schemas.openxmlformats.org/drawingml/2006/main" xmlns:r="http://schemas.openxmlformats.org/officeDocument/2006/relationships" xmlns:p="http://schemas.openxmlformats.org/presentationml/2006/main">
   <p:cSld>
     <p:spTree>
@@ -12575,10 +18168,17 @@
   <p:clrMapOvr>
     <a:masterClrMapping/>
   </p:clrMapOvr>
+  <p:timing>
+    <p:tnLst>
+      <p:par>
+        <p:cTn xmlns:p14="http://schemas.microsoft.com/office/powerpoint/2010/main" id="1" dur="indefinite" restart="never" nodeType="tmRoot"/>
+      </p:par>
+    </p:tnLst>
+  </p:timing>
 </p:sld>
 </file>
 
-<file path=ppt/slides/slide4.xml><?xml version="1.0" encoding="utf-8"?>
+<file path=ppt/slides/slide7.xml><?xml version="1.0" encoding="utf-8"?>
 <p:sld xmlns:a="http://schemas.openxmlformats.org/drawingml/2006/main" xmlns:r="http://schemas.openxmlformats.org/officeDocument/2006/relationships" xmlns:p="http://schemas.openxmlformats.org/presentationml/2006/main">
   <p:cSld>
     <p:spTree>
@@ -12640,7 +18240,7 @@
             <a:fld id="{92478E15-1A92-8C42-BB8E-DC52EDC0C8F3}" type="slidenum">
               <a:rPr lang="ja-JP" altLang="en-US" smtClean="0"/>
               <a:pPr/>
-              <a:t>4</a:t>
+              <a:t>7</a:t>
             </a:fld>
             <a:endParaRPr lang="ja-JP" altLang="en-US"/>
           </a:p>
@@ -13298,7 +18898,7 @@
 </p:sld>
 </file>
 
-<file path=ppt/slides/slide5.xml><?xml version="1.0" encoding="utf-8"?>
+<file path=ppt/slides/slide8.xml><?xml version="1.0" encoding="utf-8"?>
 <p:sld xmlns:a="http://schemas.openxmlformats.org/drawingml/2006/main" xmlns:r="http://schemas.openxmlformats.org/officeDocument/2006/relationships" xmlns:p="http://schemas.openxmlformats.org/presentationml/2006/main">
   <p:cSld>
     <p:spTree>
@@ -13360,7 +18960,7 @@
             <a:fld id="{92478E15-1A92-8C42-BB8E-DC52EDC0C8F3}" type="slidenum">
               <a:rPr lang="ja-JP" altLang="en-US" smtClean="0"/>
               <a:pPr/>
-              <a:t>5</a:t>
+              <a:t>8</a:t>
             </a:fld>
             <a:endParaRPr lang="ja-JP" altLang="en-US"/>
           </a:p>
@@ -14174,6 +19774,886 @@
     <p:extLst>
       <p:ext uri="{BB962C8B-B14F-4D97-AF65-F5344CB8AC3E}">
         <p14:creationId xmlns:p14="http://schemas.microsoft.com/office/powerpoint/2010/main" val="2823316895"/>
+      </p:ext>
+    </p:extLst>
+  </p:cSld>
+  <p:clrMapOvr>
+    <a:masterClrMapping/>
+  </p:clrMapOvr>
+</p:sld>
+</file>
+
+<file path=ppt/slides/slide9.xml><?xml version="1.0" encoding="utf-8"?>
+<p:sld xmlns:a="http://schemas.openxmlformats.org/drawingml/2006/main" xmlns:r="http://schemas.openxmlformats.org/officeDocument/2006/relationships" xmlns:p="http://schemas.openxmlformats.org/presentationml/2006/main">
+  <p:cSld>
+    <p:spTree>
+      <p:nvGrpSpPr>
+        <p:cNvPr id="1" name=""/>
+        <p:cNvGrpSpPr/>
+        <p:nvPr/>
+      </p:nvGrpSpPr>
+      <p:grpSpPr>
+        <a:xfrm>
+          <a:off x="0" y="0"/>
+          <a:ext cx="0" cy="0"/>
+          <a:chOff x="0" y="0"/>
+          <a:chExt cx="0" cy="0"/>
+        </a:xfrm>
+      </p:grpSpPr>
+      <p:sp>
+        <p:nvSpPr>
+          <p:cNvPr id="2" name="フッター プレースホルダー 1"/>
+          <p:cNvSpPr>
+            <a:spLocks noGrp="1"/>
+          </p:cNvSpPr>
+          <p:nvPr>
+            <p:ph type="ftr" sz="quarter" idx="10"/>
+          </p:nvPr>
+        </p:nvSpPr>
+        <p:spPr/>
+        <p:txBody>
+          <a:bodyPr/>
+          <a:lstStyle/>
+          <a:p>
+            <a:r>
+              <a:rPr lang="en-US" altLang="ja-JP" smtClean="0"/>
+              <a:t>Copyright@2017, Red Hat K.K. </a:t>
+            </a:r>
+            <a:endParaRPr lang="ja-JP" altLang="en-US" dirty="0">
+              <a:latin typeface="Arial" charset="0"/>
+              <a:ea typeface="ＭＳ ゴシック" charset="0"/>
+              <a:cs typeface="ＭＳ ゴシック" charset="0"/>
+            </a:endParaRPr>
+          </a:p>
+        </p:txBody>
+      </p:sp>
+      <p:sp>
+        <p:nvSpPr>
+          <p:cNvPr id="3" name="スライド番号プレースホルダー 2"/>
+          <p:cNvSpPr>
+            <a:spLocks noGrp="1"/>
+          </p:cNvSpPr>
+          <p:nvPr>
+            <p:ph type="sldNum" sz="quarter" idx="11"/>
+          </p:nvPr>
+        </p:nvSpPr>
+        <p:spPr/>
+        <p:txBody>
+          <a:bodyPr/>
+          <a:lstStyle/>
+          <a:p>
+            <a:fld id="{92478E15-1A92-8C42-BB8E-DC52EDC0C8F3}" type="slidenum">
+              <a:rPr lang="ja-JP" altLang="en-US" smtClean="0"/>
+              <a:pPr/>
+              <a:t>9</a:t>
+            </a:fld>
+            <a:endParaRPr lang="ja-JP" altLang="en-US"/>
+          </a:p>
+        </p:txBody>
+      </p:sp>
+      <p:sp>
+        <p:nvSpPr>
+          <p:cNvPr id="4" name="角丸四角形 3"/>
+          <p:cNvSpPr/>
+          <p:nvPr/>
+        </p:nvSpPr>
+        <p:spPr>
+          <a:xfrm>
+            <a:off x="3230508" y="1131590"/>
+            <a:ext cx="2793584" cy="2865301"/>
+          </a:xfrm>
+          <a:prstGeom prst="roundRect">
+            <a:avLst>
+              <a:gd name="adj" fmla="val 5592"/>
+            </a:avLst>
+          </a:prstGeom>
+          <a:noFill/>
+          <a:ln>
+            <a:solidFill>
+              <a:srgbClr val="003366"/>
+            </a:solidFill>
+          </a:ln>
+        </p:spPr>
+        <p:style>
+          <a:lnRef idx="1">
+            <a:schemeClr val="accent1"/>
+          </a:lnRef>
+          <a:fillRef idx="3">
+            <a:schemeClr val="accent1"/>
+          </a:fillRef>
+          <a:effectRef idx="2">
+            <a:schemeClr val="accent1"/>
+          </a:effectRef>
+          <a:fontRef idx="minor">
+            <a:schemeClr val="lt1"/>
+          </a:fontRef>
+        </p:style>
+        <p:txBody>
+          <a:bodyPr wrap="none" lIns="36000" tIns="0" rIns="36000" bIns="0" rtlCol="0" anchor="t"/>
+          <a:lstStyle/>
+          <a:p>
+            <a:pPr algn="ctr"/>
+            <a:endParaRPr kumimoji="1" lang="ja-JP" altLang="en-US" sz="1050" dirty="0">
+              <a:solidFill>
+                <a:schemeClr val="tx1"/>
+              </a:solidFill>
+              <a:latin typeface="メイリオ"/>
+              <a:ea typeface="メイリオ"/>
+              <a:cs typeface="メイリオ"/>
+            </a:endParaRPr>
+          </a:p>
+        </p:txBody>
+      </p:sp>
+      <p:sp>
+        <p:nvSpPr>
+          <p:cNvPr id="5" name="角丸四角形 4"/>
+          <p:cNvSpPr/>
+          <p:nvPr/>
+        </p:nvSpPr>
+        <p:spPr>
+          <a:xfrm>
+            <a:off x="786965" y="1310116"/>
+            <a:ext cx="1296000" cy="420728"/>
+          </a:xfrm>
+          <a:prstGeom prst="roundRect">
+            <a:avLst/>
+          </a:prstGeom>
+          <a:solidFill>
+            <a:srgbClr val="3399FF"/>
+          </a:solidFill>
+          <a:ln>
+            <a:solidFill>
+              <a:srgbClr val="003366"/>
+            </a:solidFill>
+          </a:ln>
+        </p:spPr>
+        <p:style>
+          <a:lnRef idx="1">
+            <a:schemeClr val="accent1"/>
+          </a:lnRef>
+          <a:fillRef idx="3">
+            <a:schemeClr val="accent1"/>
+          </a:fillRef>
+          <a:effectRef idx="2">
+            <a:schemeClr val="accent1"/>
+          </a:effectRef>
+          <a:fontRef idx="minor">
+            <a:schemeClr val="lt1"/>
+          </a:fontRef>
+        </p:style>
+        <p:txBody>
+          <a:bodyPr wrap="none" lIns="36000" tIns="0" rIns="36000" bIns="0" rtlCol="0" anchor="ctr"/>
+          <a:lstStyle/>
+          <a:p>
+            <a:pPr algn="ctr"/>
+            <a:r>
+              <a:rPr lang="en-US" altLang="ja-JP" sz="1050" dirty="0" err="1" smtClean="0">
+                <a:solidFill>
+                  <a:schemeClr val="tx1"/>
+                </a:solidFill>
+                <a:latin typeface="メイリオ"/>
+                <a:ea typeface="メイリオ"/>
+                <a:cs typeface="メイリオ"/>
+              </a:rPr>
+              <a:t>oc</a:t>
+            </a:r>
+            <a:r>
+              <a:rPr lang="en-US" altLang="ja-JP" sz="1050" dirty="0" smtClean="0">
+                <a:solidFill>
+                  <a:schemeClr val="tx1"/>
+                </a:solidFill>
+                <a:latin typeface="メイリオ"/>
+                <a:ea typeface="メイリオ"/>
+                <a:cs typeface="メイリオ"/>
+              </a:rPr>
+              <a:t> </a:t>
+            </a:r>
+            <a:r>
+              <a:rPr lang="ja-JP" altLang="en-US" sz="1050" dirty="0" smtClean="0">
+                <a:solidFill>
+                  <a:schemeClr val="tx1"/>
+                </a:solidFill>
+                <a:latin typeface="メイリオ"/>
+                <a:ea typeface="メイリオ"/>
+                <a:cs typeface="メイリオ"/>
+              </a:rPr>
+              <a:t>コマンド</a:t>
+            </a:r>
+            <a:endParaRPr kumimoji="1" lang="ja-JP" altLang="en-US" sz="1050" dirty="0">
+              <a:solidFill>
+                <a:schemeClr val="tx1"/>
+              </a:solidFill>
+              <a:latin typeface="メイリオ"/>
+              <a:ea typeface="メイリオ"/>
+              <a:cs typeface="メイリオ"/>
+            </a:endParaRPr>
+          </a:p>
+        </p:txBody>
+      </p:sp>
+      <p:sp>
+        <p:nvSpPr>
+          <p:cNvPr id="6" name="角丸四角形 5"/>
+          <p:cNvSpPr/>
+          <p:nvPr/>
+        </p:nvSpPr>
+        <p:spPr>
+          <a:xfrm>
+            <a:off x="786965" y="2002269"/>
+            <a:ext cx="1296000" cy="420728"/>
+          </a:xfrm>
+          <a:prstGeom prst="roundRect">
+            <a:avLst/>
+          </a:prstGeom>
+          <a:solidFill>
+            <a:srgbClr val="3399FF"/>
+          </a:solidFill>
+          <a:ln>
+            <a:solidFill>
+              <a:srgbClr val="003366"/>
+            </a:solidFill>
+          </a:ln>
+        </p:spPr>
+        <p:style>
+          <a:lnRef idx="1">
+            <a:schemeClr val="accent1"/>
+          </a:lnRef>
+          <a:fillRef idx="3">
+            <a:schemeClr val="accent1"/>
+          </a:fillRef>
+          <a:effectRef idx="2">
+            <a:schemeClr val="accent1"/>
+          </a:effectRef>
+          <a:fontRef idx="minor">
+            <a:schemeClr val="lt1"/>
+          </a:fontRef>
+        </p:style>
+        <p:txBody>
+          <a:bodyPr wrap="none" lIns="36000" tIns="0" rIns="36000" bIns="0" rtlCol="0" anchor="ctr"/>
+          <a:lstStyle/>
+          <a:p>
+            <a:pPr algn="ctr"/>
+            <a:r>
+              <a:rPr lang="en-US" altLang="ja-JP" sz="1050" dirty="0" err="1" smtClean="0">
+                <a:solidFill>
+                  <a:schemeClr val="tx1"/>
+                </a:solidFill>
+                <a:latin typeface="メイリオ"/>
+                <a:ea typeface="メイリオ"/>
+                <a:cs typeface="メイリオ"/>
+              </a:rPr>
+              <a:t>oadm</a:t>
+            </a:r>
+            <a:r>
+              <a:rPr lang="ja-JP" altLang="en-US" sz="1050" dirty="0" smtClean="0">
+                <a:solidFill>
+                  <a:schemeClr val="tx1"/>
+                </a:solidFill>
+                <a:latin typeface="メイリオ"/>
+                <a:ea typeface="メイリオ"/>
+                <a:cs typeface="メイリオ"/>
+              </a:rPr>
+              <a:t>コマンド</a:t>
+            </a:r>
+            <a:endParaRPr kumimoji="1" lang="ja-JP" altLang="en-US" sz="1050" dirty="0">
+              <a:solidFill>
+                <a:schemeClr val="tx1"/>
+              </a:solidFill>
+              <a:latin typeface="メイリオ"/>
+              <a:ea typeface="メイリオ"/>
+              <a:cs typeface="メイリオ"/>
+            </a:endParaRPr>
+          </a:p>
+        </p:txBody>
+      </p:sp>
+      <p:sp>
+        <p:nvSpPr>
+          <p:cNvPr id="7" name="角丸四角形 6"/>
+          <p:cNvSpPr/>
+          <p:nvPr/>
+        </p:nvSpPr>
+        <p:spPr>
+          <a:xfrm>
+            <a:off x="786965" y="2729223"/>
+            <a:ext cx="1296000" cy="420728"/>
+          </a:xfrm>
+          <a:prstGeom prst="roundRect">
+            <a:avLst/>
+          </a:prstGeom>
+          <a:solidFill>
+            <a:srgbClr val="3399FF"/>
+          </a:solidFill>
+          <a:ln>
+            <a:solidFill>
+              <a:srgbClr val="003366"/>
+            </a:solidFill>
+          </a:ln>
+        </p:spPr>
+        <p:style>
+          <a:lnRef idx="1">
+            <a:schemeClr val="accent1"/>
+          </a:lnRef>
+          <a:fillRef idx="3">
+            <a:schemeClr val="accent1"/>
+          </a:fillRef>
+          <a:effectRef idx="2">
+            <a:schemeClr val="accent1"/>
+          </a:effectRef>
+          <a:fontRef idx="minor">
+            <a:schemeClr val="lt1"/>
+          </a:fontRef>
+        </p:style>
+        <p:txBody>
+          <a:bodyPr wrap="none" lIns="36000" tIns="0" rIns="36000" bIns="0" rtlCol="0" anchor="ctr"/>
+          <a:lstStyle/>
+          <a:p>
+            <a:pPr algn="ctr"/>
+            <a:r>
+              <a:rPr lang="en-US" altLang="ja-JP" sz="1050" dirty="0" smtClean="0">
+                <a:solidFill>
+                  <a:schemeClr val="tx1"/>
+                </a:solidFill>
+                <a:latin typeface="メイリオ"/>
+                <a:ea typeface="メイリオ"/>
+                <a:cs typeface="メイリオ"/>
+              </a:rPr>
+              <a:t>Web UI</a:t>
+            </a:r>
+            <a:endParaRPr kumimoji="1" lang="ja-JP" altLang="en-US" sz="1050" dirty="0">
+              <a:solidFill>
+                <a:schemeClr val="tx1"/>
+              </a:solidFill>
+              <a:latin typeface="メイリオ"/>
+              <a:ea typeface="メイリオ"/>
+              <a:cs typeface="メイリオ"/>
+            </a:endParaRPr>
+          </a:p>
+        </p:txBody>
+      </p:sp>
+      <p:sp>
+        <p:nvSpPr>
+          <p:cNvPr id="8" name="角丸四角形 7"/>
+          <p:cNvSpPr/>
+          <p:nvPr/>
+        </p:nvSpPr>
+        <p:spPr>
+          <a:xfrm>
+            <a:off x="4494587" y="1310116"/>
+            <a:ext cx="1296000" cy="420728"/>
+          </a:xfrm>
+          <a:prstGeom prst="roundRect">
+            <a:avLst/>
+          </a:prstGeom>
+          <a:solidFill>
+            <a:srgbClr val="3399FF"/>
+          </a:solidFill>
+          <a:ln>
+            <a:solidFill>
+              <a:srgbClr val="003366"/>
+            </a:solidFill>
+          </a:ln>
+        </p:spPr>
+        <p:style>
+          <a:lnRef idx="1">
+            <a:schemeClr val="accent1"/>
+          </a:lnRef>
+          <a:fillRef idx="3">
+            <a:schemeClr val="accent1"/>
+          </a:fillRef>
+          <a:effectRef idx="2">
+            <a:schemeClr val="accent1"/>
+          </a:effectRef>
+          <a:fontRef idx="minor">
+            <a:schemeClr val="lt1"/>
+          </a:fontRef>
+        </p:style>
+        <p:txBody>
+          <a:bodyPr wrap="none" lIns="36000" tIns="0" rIns="36000" bIns="0" rtlCol="0" anchor="ctr"/>
+          <a:lstStyle/>
+          <a:p>
+            <a:pPr algn="ctr"/>
+            <a:r>
+              <a:rPr kumimoji="1" lang="en-US" altLang="ja-JP" sz="1050" dirty="0" smtClean="0">
+                <a:solidFill>
+                  <a:schemeClr val="tx1"/>
+                </a:solidFill>
+                <a:latin typeface="メイリオ"/>
+                <a:ea typeface="メイリオ"/>
+                <a:cs typeface="メイリオ"/>
+              </a:rPr>
+              <a:t>User </a:t>
+            </a:r>
+            <a:r>
+              <a:rPr kumimoji="1" lang="ja-JP" altLang="en-US" sz="1050" dirty="0" smtClean="0">
+                <a:solidFill>
+                  <a:schemeClr val="tx1"/>
+                </a:solidFill>
+                <a:latin typeface="メイリオ"/>
+                <a:ea typeface="メイリオ"/>
+                <a:cs typeface="メイリオ"/>
+              </a:rPr>
+              <a:t>と</a:t>
+            </a:r>
+            <a:r>
+              <a:rPr lang="en-US" altLang="en-US" sz="1050" dirty="0">
+                <a:solidFill>
+                  <a:schemeClr val="tx1"/>
+                </a:solidFill>
+                <a:latin typeface="メイリオ"/>
+                <a:ea typeface="メイリオ"/>
+                <a:cs typeface="メイリオ"/>
+              </a:rPr>
+              <a:t> </a:t>
+            </a:r>
+            <a:r>
+              <a:rPr lang="en-US" altLang="en-US" sz="1050" dirty="0" smtClean="0">
+                <a:solidFill>
+                  <a:schemeClr val="tx1"/>
+                </a:solidFill>
+                <a:latin typeface="メイリオ"/>
+                <a:ea typeface="メイリオ"/>
+                <a:cs typeface="メイリオ"/>
+              </a:rPr>
+              <a:t>Group</a:t>
+            </a:r>
+            <a:endParaRPr kumimoji="1" lang="ja-JP" altLang="en-US" sz="1050" dirty="0">
+              <a:solidFill>
+                <a:schemeClr val="tx1"/>
+              </a:solidFill>
+              <a:latin typeface="メイリオ"/>
+              <a:ea typeface="メイリオ"/>
+              <a:cs typeface="メイリオ"/>
+            </a:endParaRPr>
+          </a:p>
+        </p:txBody>
+      </p:sp>
+      <p:sp>
+        <p:nvSpPr>
+          <p:cNvPr id="9" name="角丸四角形 8"/>
+          <p:cNvSpPr/>
+          <p:nvPr/>
+        </p:nvSpPr>
+        <p:spPr>
+          <a:xfrm>
+            <a:off x="4494587" y="2002269"/>
+            <a:ext cx="1296000" cy="420728"/>
+          </a:xfrm>
+          <a:prstGeom prst="roundRect">
+            <a:avLst/>
+          </a:prstGeom>
+          <a:solidFill>
+            <a:srgbClr val="3399FF"/>
+          </a:solidFill>
+          <a:ln>
+            <a:solidFill>
+              <a:srgbClr val="003366"/>
+            </a:solidFill>
+          </a:ln>
+        </p:spPr>
+        <p:style>
+          <a:lnRef idx="1">
+            <a:schemeClr val="accent1"/>
+          </a:lnRef>
+          <a:fillRef idx="3">
+            <a:schemeClr val="accent1"/>
+          </a:fillRef>
+          <a:effectRef idx="2">
+            <a:schemeClr val="accent1"/>
+          </a:effectRef>
+          <a:fontRef idx="minor">
+            <a:schemeClr val="lt1"/>
+          </a:fontRef>
+        </p:style>
+        <p:txBody>
+          <a:bodyPr wrap="none" lIns="36000" tIns="0" rIns="36000" bIns="0" rtlCol="0" anchor="ctr"/>
+          <a:lstStyle/>
+          <a:p>
+            <a:pPr algn="ctr"/>
+            <a:r>
+              <a:rPr lang="ja-JP" altLang="en-US" sz="1050" dirty="0" smtClean="0">
+                <a:solidFill>
+                  <a:schemeClr val="tx1"/>
+                </a:solidFill>
+                <a:latin typeface="メイリオ"/>
+                <a:ea typeface="メイリオ"/>
+                <a:cs typeface="メイリオ"/>
+              </a:rPr>
+              <a:t>認証</a:t>
+            </a:r>
+            <a:endParaRPr kumimoji="1" lang="ja-JP" altLang="en-US" sz="1050" dirty="0">
+              <a:solidFill>
+                <a:schemeClr val="tx1"/>
+              </a:solidFill>
+              <a:latin typeface="メイリオ"/>
+              <a:ea typeface="メイリオ"/>
+              <a:cs typeface="メイリオ"/>
+            </a:endParaRPr>
+          </a:p>
+        </p:txBody>
+      </p:sp>
+      <p:sp>
+        <p:nvSpPr>
+          <p:cNvPr id="10" name="角丸四角形 9"/>
+          <p:cNvSpPr/>
+          <p:nvPr/>
+        </p:nvSpPr>
+        <p:spPr>
+          <a:xfrm>
+            <a:off x="4494587" y="2775510"/>
+            <a:ext cx="1296000" cy="1009741"/>
+          </a:xfrm>
+          <a:prstGeom prst="roundRect">
+            <a:avLst/>
+          </a:prstGeom>
+          <a:solidFill>
+            <a:srgbClr val="3399FF"/>
+          </a:solidFill>
+          <a:ln>
+            <a:solidFill>
+              <a:srgbClr val="003366"/>
+            </a:solidFill>
+          </a:ln>
+        </p:spPr>
+        <p:style>
+          <a:lnRef idx="1">
+            <a:schemeClr val="accent1"/>
+          </a:lnRef>
+          <a:fillRef idx="3">
+            <a:schemeClr val="accent1"/>
+          </a:fillRef>
+          <a:effectRef idx="2">
+            <a:schemeClr val="accent1"/>
+          </a:effectRef>
+          <a:fontRef idx="minor">
+            <a:schemeClr val="lt1"/>
+          </a:fontRef>
+        </p:style>
+        <p:txBody>
+          <a:bodyPr wrap="none" lIns="36000" tIns="0" rIns="36000" bIns="0" rtlCol="0" anchor="t"/>
+          <a:lstStyle/>
+          <a:p>
+            <a:pPr algn="ctr"/>
+            <a:r>
+              <a:rPr lang="en-US" altLang="ja-JP" sz="1050" dirty="0" smtClean="0">
+                <a:solidFill>
+                  <a:schemeClr val="tx1"/>
+                </a:solidFill>
+                <a:latin typeface="メイリオ"/>
+                <a:ea typeface="メイリオ"/>
+                <a:cs typeface="メイリオ"/>
+              </a:rPr>
+              <a:t>Project</a:t>
+            </a:r>
+            <a:endParaRPr kumimoji="1" lang="ja-JP" altLang="en-US" sz="1050" dirty="0">
+              <a:solidFill>
+                <a:schemeClr val="tx1"/>
+              </a:solidFill>
+              <a:latin typeface="メイリオ"/>
+              <a:ea typeface="メイリオ"/>
+              <a:cs typeface="メイリオ"/>
+            </a:endParaRPr>
+          </a:p>
+        </p:txBody>
+      </p:sp>
+      <p:sp>
+        <p:nvSpPr>
+          <p:cNvPr id="11" name="角丸四角形 10"/>
+          <p:cNvSpPr/>
+          <p:nvPr/>
+        </p:nvSpPr>
+        <p:spPr>
+          <a:xfrm>
+            <a:off x="4602587" y="3115053"/>
+            <a:ext cx="1080000" cy="420728"/>
+          </a:xfrm>
+          <a:prstGeom prst="roundRect">
+            <a:avLst/>
+          </a:prstGeom>
+          <a:solidFill>
+            <a:srgbClr val="FFFFFF"/>
+          </a:solidFill>
+          <a:ln>
+            <a:solidFill>
+              <a:srgbClr val="003366"/>
+            </a:solidFill>
+          </a:ln>
+        </p:spPr>
+        <p:style>
+          <a:lnRef idx="1">
+            <a:schemeClr val="accent1"/>
+          </a:lnRef>
+          <a:fillRef idx="3">
+            <a:schemeClr val="accent1"/>
+          </a:fillRef>
+          <a:effectRef idx="2">
+            <a:schemeClr val="accent1"/>
+          </a:effectRef>
+          <a:fontRef idx="minor">
+            <a:schemeClr val="lt1"/>
+          </a:fontRef>
+        </p:style>
+        <p:txBody>
+          <a:bodyPr wrap="none" lIns="36000" tIns="0" rIns="36000" bIns="0" rtlCol="0" anchor="ctr"/>
+          <a:lstStyle/>
+          <a:p>
+            <a:pPr algn="ctr"/>
+            <a:r>
+              <a:rPr kumimoji="1" lang="en-US" altLang="ja-JP" sz="1050" dirty="0" smtClean="0">
+                <a:solidFill>
+                  <a:schemeClr val="tx1"/>
+                </a:solidFill>
+                <a:latin typeface="メイリオ"/>
+                <a:ea typeface="メイリオ"/>
+                <a:cs typeface="メイリオ"/>
+              </a:rPr>
+              <a:t>Namespace</a:t>
+            </a:r>
+            <a:endParaRPr kumimoji="1" lang="ja-JP" altLang="en-US" sz="1050" dirty="0">
+              <a:solidFill>
+                <a:schemeClr val="tx1"/>
+              </a:solidFill>
+              <a:latin typeface="メイリオ"/>
+              <a:ea typeface="メイリオ"/>
+              <a:cs typeface="メイリオ"/>
+            </a:endParaRPr>
+          </a:p>
+        </p:txBody>
+      </p:sp>
+      <p:cxnSp>
+        <p:nvCxnSpPr>
+          <p:cNvPr id="12" name="カギ線コネクタ 11"/>
+          <p:cNvCxnSpPr>
+            <a:stCxn id="5" idx="3"/>
+            <a:endCxn id="7" idx="3"/>
+          </p:cNvCxnSpPr>
+          <p:nvPr/>
+        </p:nvCxnSpPr>
+        <p:spPr>
+          <a:xfrm>
+            <a:off x="2082965" y="1520480"/>
+            <a:ext cx="12700" cy="1419107"/>
+          </a:xfrm>
+          <a:prstGeom prst="bentConnector3">
+            <a:avLst>
+              <a:gd name="adj1" fmla="val 1800000"/>
+            </a:avLst>
+          </a:prstGeom>
+        </p:spPr>
+        <p:style>
+          <a:lnRef idx="2">
+            <a:schemeClr val="accent1"/>
+          </a:lnRef>
+          <a:fillRef idx="0">
+            <a:schemeClr val="accent1"/>
+          </a:fillRef>
+          <a:effectRef idx="1">
+            <a:schemeClr val="accent1"/>
+          </a:effectRef>
+          <a:fontRef idx="minor">
+            <a:schemeClr val="tx1"/>
+          </a:fontRef>
+        </p:style>
+      </p:cxnSp>
+      <p:cxnSp>
+        <p:nvCxnSpPr>
+          <p:cNvPr id="13" name="カギ線コネクタ 12"/>
+          <p:cNvCxnSpPr>
+            <a:stCxn id="6" idx="3"/>
+            <a:endCxn id="9" idx="1"/>
+          </p:cNvCxnSpPr>
+          <p:nvPr/>
+        </p:nvCxnSpPr>
+        <p:spPr>
+          <a:xfrm>
+            <a:off x="2082965" y="2212633"/>
+            <a:ext cx="2411622" cy="12700"/>
+          </a:xfrm>
+          <a:prstGeom prst="bentConnector3">
+            <a:avLst>
+              <a:gd name="adj1" fmla="val 50000"/>
+            </a:avLst>
+          </a:prstGeom>
+        </p:spPr>
+        <p:style>
+          <a:lnRef idx="2">
+            <a:schemeClr val="accent1"/>
+          </a:lnRef>
+          <a:fillRef idx="0">
+            <a:schemeClr val="accent1"/>
+          </a:fillRef>
+          <a:effectRef idx="1">
+            <a:schemeClr val="accent1"/>
+          </a:effectRef>
+          <a:fontRef idx="minor">
+            <a:schemeClr val="tx1"/>
+          </a:fontRef>
+        </p:style>
+      </p:cxnSp>
+      <p:cxnSp>
+        <p:nvCxnSpPr>
+          <p:cNvPr id="14" name="カギ線コネクタ 13"/>
+          <p:cNvCxnSpPr>
+            <a:stCxn id="9" idx="0"/>
+            <a:endCxn id="8" idx="2"/>
+          </p:cNvCxnSpPr>
+          <p:nvPr/>
+        </p:nvCxnSpPr>
+        <p:spPr>
+          <a:xfrm rot="5400000" flipH="1" flipV="1">
+            <a:off x="5013225" y="1872907"/>
+            <a:ext cx="271425" cy="0"/>
+          </a:xfrm>
+          <a:prstGeom prst="bentConnector3">
+            <a:avLst>
+              <a:gd name="adj1" fmla="val 50000"/>
+            </a:avLst>
+          </a:prstGeom>
+        </p:spPr>
+        <p:style>
+          <a:lnRef idx="2">
+            <a:schemeClr val="accent1"/>
+          </a:lnRef>
+          <a:fillRef idx="0">
+            <a:schemeClr val="accent1"/>
+          </a:fillRef>
+          <a:effectRef idx="1">
+            <a:schemeClr val="accent1"/>
+          </a:effectRef>
+          <a:fontRef idx="minor">
+            <a:schemeClr val="tx1"/>
+          </a:fontRef>
+        </p:style>
+      </p:cxnSp>
+      <p:sp>
+        <p:nvSpPr>
+          <p:cNvPr id="15" name="角丸四角形 14"/>
+          <p:cNvSpPr/>
+          <p:nvPr/>
+        </p:nvSpPr>
+        <p:spPr>
+          <a:xfrm>
+            <a:off x="2583796" y="2002269"/>
+            <a:ext cx="1296000" cy="420728"/>
+          </a:xfrm>
+          <a:prstGeom prst="roundRect">
+            <a:avLst/>
+          </a:prstGeom>
+          <a:solidFill>
+            <a:srgbClr val="3399FF"/>
+          </a:solidFill>
+          <a:ln>
+            <a:solidFill>
+              <a:srgbClr val="003366"/>
+            </a:solidFill>
+          </a:ln>
+        </p:spPr>
+        <p:style>
+          <a:lnRef idx="1">
+            <a:schemeClr val="accent1"/>
+          </a:lnRef>
+          <a:fillRef idx="3">
+            <a:schemeClr val="accent1"/>
+          </a:fillRef>
+          <a:effectRef idx="2">
+            <a:schemeClr val="accent1"/>
+          </a:effectRef>
+          <a:fontRef idx="minor">
+            <a:schemeClr val="lt1"/>
+          </a:fontRef>
+        </p:style>
+        <p:txBody>
+          <a:bodyPr wrap="none" lIns="36000" tIns="0" rIns="36000" bIns="0" rtlCol="0" anchor="ctr"/>
+          <a:lstStyle/>
+          <a:p>
+            <a:pPr algn="ctr"/>
+            <a:r>
+              <a:rPr kumimoji="1" lang="en-US" altLang="ja-JP" sz="1050" dirty="0" smtClean="0">
+                <a:solidFill>
+                  <a:schemeClr val="tx1"/>
+                </a:solidFill>
+                <a:latin typeface="メイリオ"/>
+                <a:ea typeface="メイリオ"/>
+                <a:cs typeface="メイリオ"/>
+              </a:rPr>
+              <a:t>REST API</a:t>
+            </a:r>
+            <a:endParaRPr kumimoji="1" lang="ja-JP" altLang="en-US" sz="1050" dirty="0">
+              <a:solidFill>
+                <a:schemeClr val="tx1"/>
+              </a:solidFill>
+              <a:latin typeface="メイリオ"/>
+              <a:ea typeface="メイリオ"/>
+              <a:cs typeface="メイリオ"/>
+            </a:endParaRPr>
+          </a:p>
+        </p:txBody>
+      </p:sp>
+      <p:pic>
+        <p:nvPicPr>
+          <p:cNvPr id="16" name="図 15" descr="Encrypted.png"/>
+          <p:cNvPicPr>
+            <a:picLocks noChangeAspect="1"/>
+          </p:cNvPicPr>
+          <p:nvPr/>
+        </p:nvPicPr>
+        <p:blipFill>
+          <a:blip r:embed="rId2">
+            <a:extLst>
+              <a:ext uri="{28A0092B-C50C-407E-A947-70E740481C1C}">
+                <a14:useLocalDpi xmlns:a14="http://schemas.microsoft.com/office/drawing/2010/main" val="0"/>
+              </a:ext>
+            </a:extLst>
+          </a:blip>
+          <a:stretch>
+            <a:fillRect/>
+          </a:stretch>
+        </p:blipFill>
+        <p:spPr>
+          <a:xfrm>
+            <a:off x="3943834" y="2002269"/>
+            <a:ext cx="420728" cy="420728"/>
+          </a:xfrm>
+          <a:prstGeom prst="rect">
+            <a:avLst/>
+          </a:prstGeom>
+        </p:spPr>
+      </p:pic>
+      <p:cxnSp>
+        <p:nvCxnSpPr>
+          <p:cNvPr id="17" name="カギ線コネクタ 16"/>
+          <p:cNvCxnSpPr>
+            <a:stCxn id="10" idx="1"/>
+            <a:endCxn id="16" idx="2"/>
+          </p:cNvCxnSpPr>
+          <p:nvPr/>
+        </p:nvCxnSpPr>
+        <p:spPr>
+          <a:xfrm rot="10800000">
+            <a:off x="4154199" y="2422997"/>
+            <a:ext cx="340389" cy="857384"/>
+          </a:xfrm>
+          <a:prstGeom prst="bentConnector2">
+            <a:avLst/>
+          </a:prstGeom>
+        </p:spPr>
+        <p:style>
+          <a:lnRef idx="2">
+            <a:schemeClr val="accent1"/>
+          </a:lnRef>
+          <a:fillRef idx="0">
+            <a:schemeClr val="accent1"/>
+          </a:fillRef>
+          <a:effectRef idx="1">
+            <a:schemeClr val="accent1"/>
+          </a:effectRef>
+          <a:fontRef idx="minor">
+            <a:schemeClr val="tx1"/>
+          </a:fontRef>
+        </p:style>
+      </p:cxnSp>
+    </p:spTree>
+    <p:extLst>
+      <p:ext uri="{BB962C8B-B14F-4D97-AF65-F5344CB8AC3E}">
+        <p14:creationId xmlns:p14="http://schemas.microsoft.com/office/powerpoint/2010/main" val="2429460800"/>
       </p:ext>
     </p:extLst>
   </p:cSld>

--- a/images/diagrams.pptx
+++ b/images/diagrams.pptx
@@ -13221,148 +13221,6 @@
       </p:sp>
       <p:sp>
         <p:nvSpPr>
-          <p:cNvPr id="25" name="角丸四角形 24"/>
-          <p:cNvSpPr/>
-          <p:nvPr/>
-        </p:nvSpPr>
-        <p:spPr>
-          <a:xfrm>
-            <a:off x="647564" y="1887674"/>
-            <a:ext cx="1080120" cy="288032"/>
-          </a:xfrm>
-          <a:prstGeom prst="roundRect">
-            <a:avLst>
-              <a:gd name="adj" fmla="val 0"/>
-            </a:avLst>
-          </a:prstGeom>
-          <a:solidFill>
-            <a:srgbClr val="3B0183"/>
-          </a:solidFill>
-          <a:ln w="38100" cmpd="dbl">
-            <a:noFill/>
-            <a:prstDash val="sysDash"/>
-          </a:ln>
-          <a:effectLst/>
-        </p:spPr>
-        <p:style>
-          <a:lnRef idx="1">
-            <a:schemeClr val="accent1"/>
-          </a:lnRef>
-          <a:fillRef idx="3">
-            <a:schemeClr val="accent1"/>
-          </a:fillRef>
-          <a:effectRef idx="2">
-            <a:schemeClr val="accent1"/>
-          </a:effectRef>
-          <a:fontRef idx="minor">
-            <a:schemeClr val="lt1"/>
-          </a:fontRef>
-        </p:style>
-        <p:txBody>
-          <a:bodyPr rot="0" spcFirstLastPara="0" vertOverflow="overflow" horzOverflow="overflow" vert="horz" wrap="none" lIns="91440" tIns="45720" rIns="91440" bIns="45720" numCol="1" spcCol="0" rtlCol="0" fromWordArt="0" anchor="t" anchorCtr="0" forceAA="0" compatLnSpc="1">
-            <a:prstTxWarp prst="textNoShape">
-              <a:avLst/>
-            </a:prstTxWarp>
-            <a:noAutofit/>
-          </a:bodyPr>
-          <a:lstStyle/>
-          <a:p>
-            <a:pPr algn="ctr"/>
-            <a:r>
-              <a:rPr kumimoji="1" lang="en-US" altLang="ja-JP" sz="1200" dirty="0" err="1" smtClean="0">
-                <a:solidFill>
-                  <a:schemeClr val="bg1"/>
-                </a:solidFill>
-                <a:latin typeface="メイリオ"/>
-                <a:ea typeface="メイリオ"/>
-                <a:cs typeface="メイリオ"/>
-              </a:rPr>
-              <a:t>mongodb</a:t>
-            </a:r>
-            <a:endParaRPr kumimoji="1" lang="ja-JP" altLang="en-US" sz="1200" dirty="0">
-              <a:solidFill>
-                <a:schemeClr val="bg1"/>
-              </a:solidFill>
-              <a:latin typeface="メイリオ"/>
-              <a:ea typeface="メイリオ"/>
-              <a:cs typeface="メイリオ"/>
-            </a:endParaRPr>
-          </a:p>
-        </p:txBody>
-      </p:sp>
-      <p:sp>
-        <p:nvSpPr>
-          <p:cNvPr id="35" name="角丸四角形 34"/>
-          <p:cNvSpPr/>
-          <p:nvPr/>
-        </p:nvSpPr>
-        <p:spPr>
-          <a:xfrm>
-            <a:off x="614141" y="1413443"/>
-            <a:ext cx="1080120" cy="288032"/>
-          </a:xfrm>
-          <a:prstGeom prst="roundRect">
-            <a:avLst>
-              <a:gd name="adj" fmla="val 0"/>
-            </a:avLst>
-          </a:prstGeom>
-          <a:solidFill>
-            <a:srgbClr val="92D400"/>
-          </a:solidFill>
-          <a:ln w="38100" cmpd="dbl">
-            <a:noFill/>
-            <a:prstDash val="sysDash"/>
-          </a:ln>
-          <a:effectLst/>
-        </p:spPr>
-        <p:style>
-          <a:lnRef idx="1">
-            <a:schemeClr val="accent1"/>
-          </a:lnRef>
-          <a:fillRef idx="3">
-            <a:schemeClr val="accent1"/>
-          </a:fillRef>
-          <a:effectRef idx="2">
-            <a:schemeClr val="accent1"/>
-          </a:effectRef>
-          <a:fontRef idx="minor">
-            <a:schemeClr val="lt1"/>
-          </a:fontRef>
-        </p:style>
-        <p:txBody>
-          <a:bodyPr rot="0" spcFirstLastPara="0" vertOverflow="overflow" horzOverflow="overflow" vert="horz" wrap="none" lIns="91440" tIns="45720" rIns="91440" bIns="45720" numCol="1" spcCol="0" rtlCol="0" fromWordArt="0" anchor="t" anchorCtr="0" forceAA="0" compatLnSpc="1">
-            <a:prstTxWarp prst="textNoShape">
-              <a:avLst/>
-            </a:prstTxWarp>
-            <a:noAutofit/>
-          </a:bodyPr>
-          <a:lstStyle/>
-          <a:p>
-            <a:pPr algn="ctr"/>
-            <a:r>
-              <a:rPr kumimoji="1" lang="en-US" altLang="ja-JP" sz="1200" dirty="0" err="1" smtClean="0">
-                <a:solidFill>
-                  <a:schemeClr val="tx1"/>
-                </a:solidFill>
-                <a:latin typeface="メイリオ"/>
-                <a:ea typeface="メイリオ"/>
-                <a:cs typeface="メイリオ"/>
-              </a:rPr>
-              <a:t>nationalparks</a:t>
-            </a:r>
-            <a:endParaRPr kumimoji="1" lang="ja-JP" altLang="en-US" sz="1200" dirty="0">
-              <a:solidFill>
-                <a:schemeClr val="tx1"/>
-              </a:solidFill>
-              <a:latin typeface="メイリオ"/>
-              <a:ea typeface="メイリオ"/>
-              <a:cs typeface="メイリオ"/>
-            </a:endParaRPr>
-          </a:p>
-        </p:txBody>
-      </p:sp>
-      <p:sp>
-        <p:nvSpPr>
           <p:cNvPr id="37" name="直方体 36"/>
           <p:cNvSpPr/>
           <p:nvPr/>
@@ -13449,601 +13307,6 @@
           <a:ln>
             <a:solidFill>
               <a:srgbClr val="FF6600"/>
-            </a:solidFill>
-            <a:tailEnd type="arrow"/>
-          </a:ln>
-          <a:effectLst/>
-        </p:spPr>
-        <p:style>
-          <a:lnRef idx="2">
-            <a:schemeClr val="accent1"/>
-          </a:lnRef>
-          <a:fillRef idx="0">
-            <a:schemeClr val="accent1"/>
-          </a:fillRef>
-          <a:effectRef idx="1">
-            <a:schemeClr val="accent1"/>
-          </a:effectRef>
-          <a:fontRef idx="minor">
-            <a:schemeClr val="tx1"/>
-          </a:fontRef>
-        </p:style>
-      </p:cxnSp>
-      <p:sp>
-        <p:nvSpPr>
-          <p:cNvPr id="39" name="直方体 38"/>
-          <p:cNvSpPr/>
-          <p:nvPr/>
-        </p:nvSpPr>
-        <p:spPr>
-          <a:xfrm>
-            <a:off x="1840858" y="3795886"/>
-            <a:ext cx="935999" cy="504056"/>
-          </a:xfrm>
-          <a:prstGeom prst="cube">
-            <a:avLst/>
-          </a:prstGeom>
-          <a:solidFill>
-            <a:srgbClr val="92D400"/>
-          </a:solidFill>
-          <a:ln>
-            <a:noFill/>
-          </a:ln>
-          <a:effectLst/>
-        </p:spPr>
-        <p:style>
-          <a:lnRef idx="1">
-            <a:schemeClr val="accent1"/>
-          </a:lnRef>
-          <a:fillRef idx="3">
-            <a:schemeClr val="accent1"/>
-          </a:fillRef>
-          <a:effectRef idx="2">
-            <a:schemeClr val="accent1"/>
-          </a:effectRef>
-          <a:fontRef idx="minor">
-            <a:schemeClr val="lt1"/>
-          </a:fontRef>
-        </p:style>
-        <p:txBody>
-          <a:bodyPr rot="0" spcFirstLastPara="0" vertOverflow="overflow" horzOverflow="overflow" vert="horz" wrap="none" lIns="91440" tIns="45720" rIns="91440" bIns="45720" numCol="1" spcCol="0" rtlCol="0" fromWordArt="0" anchor="b" anchorCtr="0" forceAA="0" compatLnSpc="1">
-            <a:prstTxWarp prst="textNoShape">
-              <a:avLst/>
-            </a:prstTxWarp>
-            <a:noAutofit/>
-          </a:bodyPr>
-          <a:lstStyle/>
-          <a:p>
-            <a:pPr algn="ctr"/>
-            <a:r>
-              <a:rPr lang="en-US" altLang="ja-JP" sz="1200" dirty="0" smtClean="0">
-                <a:solidFill>
-                  <a:schemeClr val="tx1"/>
-                </a:solidFill>
-                <a:latin typeface="メイリオ"/>
-                <a:ea typeface="メイリオ"/>
-                <a:cs typeface="メイリオ"/>
-              </a:rPr>
-              <a:t>Red Hat</a:t>
-            </a:r>
-          </a:p>
-          <a:p>
-            <a:pPr algn="ctr"/>
-            <a:r>
-              <a:rPr lang="en-US" altLang="ja-JP" sz="1200" dirty="0" smtClean="0">
-                <a:solidFill>
-                  <a:schemeClr val="tx1"/>
-                </a:solidFill>
-                <a:latin typeface="メイリオ"/>
-                <a:ea typeface="メイリオ"/>
-                <a:cs typeface="メイリオ"/>
-              </a:rPr>
-              <a:t>Open JDK</a:t>
-            </a:r>
-          </a:p>
-        </p:txBody>
-      </p:sp>
-      <p:cxnSp>
-        <p:nvCxnSpPr>
-          <p:cNvPr id="40" name="直線矢印コネクタ 35"/>
-          <p:cNvCxnSpPr>
-            <a:stCxn id="26" idx="0"/>
-            <a:endCxn id="35" idx="3"/>
-          </p:cNvCxnSpPr>
-          <p:nvPr/>
-        </p:nvCxnSpPr>
-        <p:spPr>
-          <a:xfrm rot="16200000" flipV="1">
-            <a:off x="1645854" y="1605867"/>
-            <a:ext cx="793093" cy="696278"/>
-          </a:xfrm>
-          <a:prstGeom prst="bentConnector2">
-            <a:avLst/>
-          </a:prstGeom>
-          <a:ln>
-            <a:solidFill>
-              <a:srgbClr val="92D400"/>
-            </a:solidFill>
-            <a:tailEnd type="arrow"/>
-          </a:ln>
-          <a:effectLst/>
-        </p:spPr>
-        <p:style>
-          <a:lnRef idx="2">
-            <a:schemeClr val="accent1"/>
-          </a:lnRef>
-          <a:fillRef idx="0">
-            <a:schemeClr val="accent1"/>
-          </a:fillRef>
-          <a:effectRef idx="1">
-            <a:schemeClr val="accent1"/>
-          </a:effectRef>
-          <a:fontRef idx="minor">
-            <a:schemeClr val="tx1"/>
-          </a:fontRef>
-        </p:style>
-      </p:cxnSp>
-      <p:cxnSp>
-        <p:nvCxnSpPr>
-          <p:cNvPr id="42" name="直線矢印コネクタ 35"/>
-          <p:cNvCxnSpPr>
-            <a:stCxn id="84" idx="2"/>
-            <a:endCxn id="39" idx="0"/>
-          </p:cNvCxnSpPr>
-          <p:nvPr/>
-        </p:nvCxnSpPr>
-        <p:spPr>
-          <a:xfrm flipH="1">
-            <a:off x="2371865" y="3219822"/>
-            <a:ext cx="3877" cy="576064"/>
-          </a:xfrm>
-          <a:prstGeom prst="straightConnector1">
-            <a:avLst/>
-          </a:prstGeom>
-          <a:ln>
-            <a:solidFill>
-              <a:srgbClr val="92D400"/>
-            </a:solidFill>
-            <a:tailEnd type="arrow"/>
-          </a:ln>
-          <a:effectLst/>
-        </p:spPr>
-        <p:style>
-          <a:lnRef idx="2">
-            <a:schemeClr val="accent1"/>
-          </a:lnRef>
-          <a:fillRef idx="0">
-            <a:schemeClr val="accent1"/>
-          </a:fillRef>
-          <a:effectRef idx="1">
-            <a:schemeClr val="accent1"/>
-          </a:effectRef>
-          <a:fontRef idx="minor">
-            <a:schemeClr val="tx1"/>
-          </a:fontRef>
-        </p:style>
-      </p:cxnSp>
-      <p:cxnSp>
-        <p:nvCxnSpPr>
-          <p:cNvPr id="46" name="直線矢印コネクタ 35"/>
-          <p:cNvCxnSpPr>
-            <a:stCxn id="26" idx="3"/>
-            <a:endCxn id="49" idx="1"/>
-          </p:cNvCxnSpPr>
-          <p:nvPr/>
-        </p:nvCxnSpPr>
-        <p:spPr>
-          <a:xfrm flipV="1">
-            <a:off x="2555776" y="2516504"/>
-            <a:ext cx="4608512" cy="1759"/>
-          </a:xfrm>
-          <a:prstGeom prst="bentConnector3">
-            <a:avLst>
-              <a:gd name="adj1" fmla="val 50000"/>
-            </a:avLst>
-          </a:prstGeom>
-          <a:ln>
-            <a:solidFill>
-              <a:srgbClr val="92D400"/>
-            </a:solidFill>
-            <a:headEnd type="triangle" w="lg" len="med"/>
-            <a:tailEnd type="none"/>
-          </a:ln>
-          <a:effectLst/>
-        </p:spPr>
-        <p:style>
-          <a:lnRef idx="2">
-            <a:schemeClr val="accent1"/>
-          </a:lnRef>
-          <a:fillRef idx="0">
-            <a:schemeClr val="accent1"/>
-          </a:fillRef>
-          <a:effectRef idx="1">
-            <a:schemeClr val="accent1"/>
-          </a:effectRef>
-          <a:fontRef idx="minor">
-            <a:schemeClr val="tx1"/>
-          </a:fontRef>
-        </p:style>
-      </p:cxnSp>
-      <p:sp>
-        <p:nvSpPr>
-          <p:cNvPr id="59" name="直方体 58"/>
-          <p:cNvSpPr/>
-          <p:nvPr/>
-        </p:nvSpPr>
-        <p:spPr>
-          <a:xfrm>
-            <a:off x="649006" y="3795886"/>
-            <a:ext cx="936076" cy="504056"/>
-          </a:xfrm>
-          <a:prstGeom prst="cube">
-            <a:avLst/>
-          </a:prstGeom>
-          <a:solidFill>
-            <a:srgbClr val="3B0183"/>
-          </a:solidFill>
-          <a:ln>
-            <a:noFill/>
-          </a:ln>
-          <a:effectLst/>
-        </p:spPr>
-        <p:style>
-          <a:lnRef idx="1">
-            <a:schemeClr val="accent1"/>
-          </a:lnRef>
-          <a:fillRef idx="3">
-            <a:schemeClr val="accent1"/>
-          </a:fillRef>
-          <a:effectRef idx="2">
-            <a:schemeClr val="accent1"/>
-          </a:effectRef>
-          <a:fontRef idx="minor">
-            <a:schemeClr val="lt1"/>
-          </a:fontRef>
-        </p:style>
-        <p:txBody>
-          <a:bodyPr rot="0" spcFirstLastPara="0" vertOverflow="overflow" horzOverflow="overflow" vert="horz" wrap="none" lIns="91440" tIns="45720" rIns="91440" bIns="45720" numCol="1" spcCol="0" rtlCol="0" fromWordArt="0" anchor="b" anchorCtr="0" forceAA="0" compatLnSpc="1">
-            <a:prstTxWarp prst="textNoShape">
-              <a:avLst/>
-            </a:prstTxWarp>
-            <a:noAutofit/>
-          </a:bodyPr>
-          <a:lstStyle/>
-          <a:p>
-            <a:pPr algn="ctr"/>
-            <a:r>
-              <a:rPr lang="en-US" altLang="ja-JP" sz="1200" dirty="0" err="1" smtClean="0">
-                <a:solidFill>
-                  <a:schemeClr val="bg1"/>
-                </a:solidFill>
-                <a:latin typeface="メイリオ"/>
-                <a:ea typeface="メイリオ"/>
-                <a:cs typeface="メイリオ"/>
-              </a:rPr>
-              <a:t>mongodb</a:t>
-            </a:r>
-            <a:endParaRPr lang="en-US" altLang="ja-JP" sz="1200" dirty="0" smtClean="0">
-              <a:solidFill>
-                <a:schemeClr val="bg1"/>
-              </a:solidFill>
-              <a:latin typeface="メイリオ"/>
-              <a:ea typeface="メイリオ"/>
-              <a:cs typeface="メイリオ"/>
-            </a:endParaRPr>
-          </a:p>
-        </p:txBody>
-      </p:sp>
-      <p:cxnSp>
-        <p:nvCxnSpPr>
-          <p:cNvPr id="61" name="直線矢印コネクタ 35"/>
-          <p:cNvCxnSpPr>
-            <a:stCxn id="75" idx="2"/>
-            <a:endCxn id="59" idx="0"/>
-          </p:cNvCxnSpPr>
-          <p:nvPr/>
-        </p:nvCxnSpPr>
-        <p:spPr>
-          <a:xfrm flipH="1">
-            <a:off x="1180051" y="3219822"/>
-            <a:ext cx="7569" cy="576064"/>
-          </a:xfrm>
-          <a:prstGeom prst="straightConnector1">
-            <a:avLst/>
-          </a:prstGeom>
-          <a:ln>
-            <a:solidFill>
-              <a:srgbClr val="3B0183"/>
-            </a:solidFill>
-            <a:tailEnd type="arrow"/>
-          </a:ln>
-          <a:effectLst/>
-        </p:spPr>
-        <p:style>
-          <a:lnRef idx="2">
-            <a:schemeClr val="accent1"/>
-          </a:lnRef>
-          <a:fillRef idx="0">
-            <a:schemeClr val="accent1"/>
-          </a:fillRef>
-          <a:effectRef idx="1">
-            <a:schemeClr val="accent1"/>
-          </a:effectRef>
-          <a:fontRef idx="minor">
-            <a:schemeClr val="tx1"/>
-          </a:fontRef>
-        </p:style>
-      </p:cxnSp>
-      <p:sp>
-        <p:nvSpPr>
-          <p:cNvPr id="75" name="角丸四角形 74"/>
-          <p:cNvSpPr/>
-          <p:nvPr/>
-        </p:nvSpPr>
-        <p:spPr>
-          <a:xfrm>
-            <a:off x="719572" y="2859790"/>
-            <a:ext cx="936095" cy="360032"/>
-          </a:xfrm>
-          <a:prstGeom prst="roundRect">
-            <a:avLst>
-              <a:gd name="adj" fmla="val 15085"/>
-            </a:avLst>
-          </a:prstGeom>
-          <a:noFill/>
-          <a:ln>
-            <a:solidFill>
-              <a:srgbClr val="3B0183"/>
-            </a:solidFill>
-          </a:ln>
-          <a:effectLst/>
-        </p:spPr>
-        <p:style>
-          <a:lnRef idx="1">
-            <a:schemeClr val="accent1"/>
-          </a:lnRef>
-          <a:fillRef idx="3">
-            <a:schemeClr val="accent1"/>
-          </a:fillRef>
-          <a:effectRef idx="2">
-            <a:schemeClr val="accent1"/>
-          </a:effectRef>
-          <a:fontRef idx="minor">
-            <a:schemeClr val="lt1"/>
-          </a:fontRef>
-        </p:style>
-        <p:txBody>
-          <a:bodyPr wrap="none" rtlCol="0" anchor="ctr"/>
-          <a:lstStyle/>
-          <a:p>
-            <a:pPr algn="ctr"/>
-            <a:r>
-              <a:rPr kumimoji="1" lang="en-US" altLang="ja-JP" sz="1000" dirty="0" err="1" smtClean="0">
-                <a:solidFill>
-                  <a:schemeClr val="tx1"/>
-                </a:solidFill>
-                <a:latin typeface="メイリオ"/>
-                <a:ea typeface="メイリオ"/>
-                <a:cs typeface="メイリオ"/>
-              </a:rPr>
-              <a:t>ImageStream</a:t>
-            </a:r>
-            <a:r>
-              <a:rPr lang="en-US" altLang="ja-JP" sz="1000" dirty="0" smtClean="0">
-                <a:solidFill>
-                  <a:schemeClr val="tx1"/>
-                </a:solidFill>
-                <a:latin typeface="メイリオ"/>
-                <a:ea typeface="メイリオ"/>
-                <a:cs typeface="メイリオ"/>
-              </a:rPr>
-              <a:t>:</a:t>
-            </a:r>
-          </a:p>
-          <a:p>
-            <a:pPr algn="ctr"/>
-            <a:r>
-              <a:rPr lang="en-US" altLang="ja-JP" sz="1000" dirty="0" err="1" smtClean="0">
-                <a:solidFill>
-                  <a:schemeClr val="tx1"/>
-                </a:solidFill>
-                <a:latin typeface="メイリオ"/>
-                <a:ea typeface="メイリオ"/>
-                <a:cs typeface="メイリオ"/>
-              </a:rPr>
-              <a:t>mongodb</a:t>
-            </a:r>
-            <a:endParaRPr kumimoji="1" lang="ja-JP" altLang="en-US" sz="1000" dirty="0">
-              <a:solidFill>
-                <a:schemeClr val="tx1"/>
-              </a:solidFill>
-              <a:latin typeface="メイリオ"/>
-              <a:ea typeface="メイリオ"/>
-              <a:cs typeface="メイリオ"/>
-            </a:endParaRPr>
-          </a:p>
-        </p:txBody>
-      </p:sp>
-      <p:cxnSp>
-        <p:nvCxnSpPr>
-          <p:cNvPr id="76" name="直線矢印コネクタ 35"/>
-          <p:cNvCxnSpPr>
-            <a:stCxn id="75" idx="0"/>
-            <a:endCxn id="25" idx="2"/>
-          </p:cNvCxnSpPr>
-          <p:nvPr/>
-        </p:nvCxnSpPr>
-        <p:spPr>
-          <a:xfrm flipV="1">
-            <a:off x="1187620" y="2175706"/>
-            <a:ext cx="4" cy="684084"/>
-          </a:xfrm>
-          <a:prstGeom prst="straightConnector1">
-            <a:avLst/>
-          </a:prstGeom>
-          <a:ln>
-            <a:solidFill>
-              <a:srgbClr val="3B0183"/>
-            </a:solidFill>
-            <a:tailEnd type="arrow"/>
-          </a:ln>
-          <a:effectLst/>
-        </p:spPr>
-        <p:style>
-          <a:lnRef idx="2">
-            <a:schemeClr val="accent1"/>
-          </a:lnRef>
-          <a:fillRef idx="0">
-            <a:schemeClr val="accent1"/>
-          </a:fillRef>
-          <a:effectRef idx="1">
-            <a:schemeClr val="accent1"/>
-          </a:effectRef>
-          <a:fontRef idx="minor">
-            <a:schemeClr val="tx1"/>
-          </a:fontRef>
-        </p:style>
-      </p:cxnSp>
-      <p:sp>
-        <p:nvSpPr>
-          <p:cNvPr id="84" name="角丸四角形 83"/>
-          <p:cNvSpPr/>
-          <p:nvPr/>
-        </p:nvSpPr>
-        <p:spPr>
-          <a:xfrm>
-            <a:off x="1835695" y="2859790"/>
-            <a:ext cx="1080093" cy="360032"/>
-          </a:xfrm>
-          <a:prstGeom prst="roundRect">
-            <a:avLst>
-              <a:gd name="adj" fmla="val 15085"/>
-            </a:avLst>
-          </a:prstGeom>
-          <a:noFill/>
-          <a:ln>
-            <a:solidFill>
-              <a:srgbClr val="92D400"/>
-            </a:solidFill>
-          </a:ln>
-          <a:effectLst/>
-        </p:spPr>
-        <p:style>
-          <a:lnRef idx="1">
-            <a:schemeClr val="accent1"/>
-          </a:lnRef>
-          <a:fillRef idx="3">
-            <a:schemeClr val="accent1"/>
-          </a:fillRef>
-          <a:effectRef idx="2">
-            <a:schemeClr val="accent1"/>
-          </a:effectRef>
-          <a:fontRef idx="minor">
-            <a:schemeClr val="lt1"/>
-          </a:fontRef>
-        </p:style>
-        <p:txBody>
-          <a:bodyPr wrap="none" rtlCol="0" anchor="ctr"/>
-          <a:lstStyle/>
-          <a:p>
-            <a:pPr algn="ctr"/>
-            <a:r>
-              <a:rPr kumimoji="1" lang="en-US" altLang="ja-JP" sz="1000" dirty="0" err="1" smtClean="0">
-                <a:solidFill>
-                  <a:schemeClr val="tx1"/>
-                </a:solidFill>
-                <a:latin typeface="メイリオ"/>
-                <a:ea typeface="メイリオ"/>
-                <a:cs typeface="メイリオ"/>
-              </a:rPr>
-              <a:t>ImageStream</a:t>
-            </a:r>
-            <a:r>
-              <a:rPr lang="en-US" altLang="ja-JP" sz="1000" dirty="0" smtClean="0">
-                <a:solidFill>
-                  <a:schemeClr val="tx1"/>
-                </a:solidFill>
-                <a:latin typeface="メイリオ"/>
-                <a:ea typeface="メイリオ"/>
-                <a:cs typeface="メイリオ"/>
-              </a:rPr>
-              <a:t>:</a:t>
-            </a:r>
-            <a:endParaRPr lang="en-US" altLang="ja-JP" sz="1000" dirty="0">
-              <a:solidFill>
-                <a:schemeClr val="tx1"/>
-              </a:solidFill>
-              <a:latin typeface="メイリオ"/>
-              <a:ea typeface="メイリオ"/>
-              <a:cs typeface="メイリオ"/>
-            </a:endParaRPr>
-          </a:p>
-          <a:p>
-            <a:pPr algn="ctr"/>
-            <a:r>
-              <a:rPr lang="en-US" altLang="ja-JP" sz="1000" dirty="0" err="1" smtClean="0">
-                <a:solidFill>
-                  <a:schemeClr val="tx1"/>
-                </a:solidFill>
-                <a:latin typeface="メイリオ"/>
-                <a:ea typeface="メイリオ"/>
-                <a:cs typeface="メイリオ"/>
-              </a:rPr>
-              <a:t>redhat</a:t>
-            </a:r>
-            <a:r>
-              <a:rPr lang="en-US" altLang="ja-JP" sz="1000" dirty="0" smtClean="0">
-                <a:solidFill>
-                  <a:schemeClr val="tx1"/>
-                </a:solidFill>
-                <a:latin typeface="メイリオ"/>
-                <a:ea typeface="メイリオ"/>
-                <a:cs typeface="メイリオ"/>
-              </a:rPr>
-              <a:t>-open-</a:t>
-            </a:r>
-            <a:r>
-              <a:rPr lang="en-US" altLang="ja-JP" sz="1000" dirty="0" err="1" smtClean="0">
-                <a:solidFill>
-                  <a:schemeClr val="tx1"/>
-                </a:solidFill>
-                <a:latin typeface="メイリオ"/>
-                <a:ea typeface="メイリオ"/>
-                <a:cs typeface="メイリオ"/>
-              </a:rPr>
-              <a:t>jdk</a:t>
-            </a:r>
-            <a:endParaRPr lang="en-US" altLang="ja-JP" sz="1000" dirty="0" smtClean="0">
-              <a:solidFill>
-                <a:schemeClr val="tx1"/>
-              </a:solidFill>
-              <a:latin typeface="メイリオ"/>
-              <a:ea typeface="メイリオ"/>
-              <a:cs typeface="メイリオ"/>
-            </a:endParaRPr>
-          </a:p>
-        </p:txBody>
-      </p:sp>
-      <p:cxnSp>
-        <p:nvCxnSpPr>
-          <p:cNvPr id="86" name="直線矢印コネクタ 35"/>
-          <p:cNvCxnSpPr>
-            <a:stCxn id="84" idx="0"/>
-            <a:endCxn id="26" idx="2"/>
-          </p:cNvCxnSpPr>
-          <p:nvPr/>
-        </p:nvCxnSpPr>
-        <p:spPr>
-          <a:xfrm flipV="1">
-            <a:off x="2375742" y="2685974"/>
-            <a:ext cx="14797" cy="173816"/>
-          </a:xfrm>
-          <a:prstGeom prst="straightConnector1">
-            <a:avLst/>
-          </a:prstGeom>
-          <a:ln>
-            <a:solidFill>
-              <a:srgbClr val="92D400"/>
             </a:solidFill>
             <a:tailEnd type="arrow"/>
           </a:ln>
@@ -14099,162 +13362,6 @@
           </a:solidFill>
         </p:spPr>
       </p:pic>
-      <p:pic>
-        <p:nvPicPr>
-          <p:cNvPr id="26" name="図 25" descr="Icon_RH_Software_Processing_RGB_Flat.png"/>
-          <p:cNvPicPr>
-            <a:picLocks noChangeAspect="1"/>
-          </p:cNvPicPr>
-          <p:nvPr/>
-        </p:nvPicPr>
-        <p:blipFill>
-          <a:blip r:embed="rId5" cstate="print">
-            <a:extLst>
-              <a:ext uri="{28A0092B-C50C-407E-A947-70E740481C1C}">
-                <a14:useLocalDpi xmlns:a14="http://schemas.microsoft.com/office/drawing/2010/main" val="0"/>
-              </a:ext>
-            </a:extLst>
-          </a:blip>
-          <a:stretch>
-            <a:fillRect/>
-          </a:stretch>
-        </p:blipFill>
-        <p:spPr>
-          <a:xfrm>
-            <a:off x="2225301" y="2350552"/>
-            <a:ext cx="330475" cy="335422"/>
-          </a:xfrm>
-          <a:prstGeom prst="rect">
-            <a:avLst/>
-          </a:prstGeom>
-        </p:spPr>
-      </p:pic>
-      <p:sp>
-        <p:nvSpPr>
-          <p:cNvPr id="69" name="角丸四角形 68"/>
-          <p:cNvSpPr/>
-          <p:nvPr/>
-        </p:nvSpPr>
-        <p:spPr>
-          <a:xfrm>
-            <a:off x="578137" y="1377439"/>
-            <a:ext cx="1152128" cy="360040"/>
-          </a:xfrm>
-          <a:prstGeom prst="roundRect">
-            <a:avLst>
-              <a:gd name="adj" fmla="val 18566"/>
-            </a:avLst>
-          </a:prstGeom>
-          <a:noFill/>
-          <a:ln w="28575" cmpd="sng">
-            <a:solidFill>
-              <a:schemeClr val="tx1">
-                <a:lumMod val="75000"/>
-                <a:lumOff val="25000"/>
-              </a:schemeClr>
-            </a:solidFill>
-            <a:prstDash val="sysDash"/>
-          </a:ln>
-          <a:effectLst/>
-        </p:spPr>
-        <p:style>
-          <a:lnRef idx="1">
-            <a:schemeClr val="accent1"/>
-          </a:lnRef>
-          <a:fillRef idx="3">
-            <a:schemeClr val="accent1"/>
-          </a:fillRef>
-          <a:effectRef idx="2">
-            <a:schemeClr val="accent1"/>
-          </a:effectRef>
-          <a:fontRef idx="minor">
-            <a:schemeClr val="lt1"/>
-          </a:fontRef>
-        </p:style>
-        <p:txBody>
-          <a:bodyPr rot="0" spcFirstLastPara="0" vertOverflow="overflow" horzOverflow="overflow" vert="horz" wrap="none" lIns="91440" tIns="45720" rIns="91440" bIns="45720" numCol="1" spcCol="0" rtlCol="0" fromWordArt="0" anchor="t" anchorCtr="0" forceAA="0" compatLnSpc="1">
-            <a:prstTxWarp prst="textNoShape">
-              <a:avLst/>
-            </a:prstTxWarp>
-            <a:noAutofit/>
-          </a:bodyPr>
-          <a:lstStyle/>
-          <a:p>
-            <a:pPr algn="ctr"/>
-            <a:endParaRPr kumimoji="1" lang="ja-JP" altLang="en-US" sz="1200" dirty="0">
-              <a:solidFill>
-                <a:schemeClr val="tx1"/>
-              </a:solidFill>
-              <a:latin typeface="メイリオ"/>
-              <a:ea typeface="メイリオ"/>
-              <a:cs typeface="メイリオ"/>
-            </a:endParaRPr>
-          </a:p>
-        </p:txBody>
-      </p:sp>
-      <p:sp>
-        <p:nvSpPr>
-          <p:cNvPr id="71" name="角丸四角形 70"/>
-          <p:cNvSpPr/>
-          <p:nvPr/>
-        </p:nvSpPr>
-        <p:spPr>
-          <a:xfrm>
-            <a:off x="611560" y="1851670"/>
-            <a:ext cx="1152128" cy="360040"/>
-          </a:xfrm>
-          <a:prstGeom prst="roundRect">
-            <a:avLst>
-              <a:gd name="adj" fmla="val 18566"/>
-            </a:avLst>
-          </a:prstGeom>
-          <a:noFill/>
-          <a:ln w="28575" cmpd="sng">
-            <a:solidFill>
-              <a:schemeClr val="tx1">
-                <a:lumMod val="75000"/>
-                <a:lumOff val="25000"/>
-              </a:schemeClr>
-            </a:solidFill>
-            <a:prstDash val="sysDash"/>
-          </a:ln>
-          <a:effectLst/>
-        </p:spPr>
-        <p:style>
-          <a:lnRef idx="1">
-            <a:schemeClr val="accent1"/>
-          </a:lnRef>
-          <a:fillRef idx="3">
-            <a:schemeClr val="accent1"/>
-          </a:fillRef>
-          <a:effectRef idx="2">
-            <a:schemeClr val="accent1"/>
-          </a:effectRef>
-          <a:fontRef idx="minor">
-            <a:schemeClr val="lt1"/>
-          </a:fontRef>
-        </p:style>
-        <p:txBody>
-          <a:bodyPr rot="0" spcFirstLastPara="0" vertOverflow="overflow" horzOverflow="overflow" vert="horz" wrap="none" lIns="91440" tIns="45720" rIns="91440" bIns="45720" numCol="1" spcCol="0" rtlCol="0" fromWordArt="0" anchor="t" anchorCtr="0" forceAA="0" compatLnSpc="1">
-            <a:prstTxWarp prst="textNoShape">
-              <a:avLst/>
-            </a:prstTxWarp>
-            <a:noAutofit/>
-          </a:bodyPr>
-          <a:lstStyle/>
-          <a:p>
-            <a:pPr algn="ctr"/>
-            <a:endParaRPr kumimoji="1" lang="ja-JP" altLang="en-US" sz="1200" dirty="0">
-              <a:solidFill>
-                <a:schemeClr val="tx1"/>
-              </a:solidFill>
-              <a:latin typeface="メイリオ"/>
-              <a:ea typeface="メイリオ"/>
-              <a:cs typeface="メイリオ"/>
-            </a:endParaRPr>
-          </a:p>
-        </p:txBody>
-      </p:sp>
       <p:grpSp>
         <p:nvGrpSpPr>
           <p:cNvPr id="65" name="図形グループ 64"/>
@@ -14413,7 +13520,7 @@
           <p:nvPr/>
         </p:nvPicPr>
         <p:blipFill>
-          <a:blip r:embed="rId6"/>
+          <a:blip r:embed="rId5"/>
           <a:stretch>
             <a:fillRect/>
           </a:stretch>
@@ -14459,104 +13566,6 @@
               <a:t>ソースコードリポジトリ</a:t>
             </a:r>
             <a:endParaRPr kumimoji="1" lang="ja-JP" altLang="en-US" sz="1200" b="1" dirty="0" smtClean="0">
-              <a:latin typeface="メイリオ"/>
-              <a:ea typeface="メイリオ"/>
-              <a:cs typeface="メイリオ"/>
-            </a:endParaRPr>
-          </a:p>
-        </p:txBody>
-      </p:sp>
-      <p:sp>
-        <p:nvSpPr>
-          <p:cNvPr id="2" name="上下矢印 1"/>
-          <p:cNvSpPr/>
-          <p:nvPr/>
-        </p:nvSpPr>
-        <p:spPr>
-          <a:xfrm>
-            <a:off x="1043608" y="1563638"/>
-            <a:ext cx="216024" cy="424064"/>
-          </a:xfrm>
-          <a:prstGeom prst="upDownArrow">
-            <a:avLst/>
-          </a:prstGeom>
-          <a:solidFill>
-            <a:srgbClr val="FF0000"/>
-          </a:solidFill>
-          <a:effectLst/>
-        </p:spPr>
-        <p:style>
-          <a:lnRef idx="1">
-            <a:schemeClr val="accent1"/>
-          </a:lnRef>
-          <a:fillRef idx="3">
-            <a:schemeClr val="accent1"/>
-          </a:fillRef>
-          <a:effectRef idx="2">
-            <a:schemeClr val="accent1"/>
-          </a:effectRef>
-          <a:fontRef idx="minor">
-            <a:schemeClr val="lt1"/>
-          </a:fontRef>
-        </p:style>
-        <p:txBody>
-          <a:bodyPr rtlCol="0" anchor="ctr"/>
-          <a:lstStyle/>
-          <a:p>
-            <a:pPr algn="ctr"/>
-            <a:endParaRPr kumimoji="1" lang="ja-JP" altLang="en-US" sz="1200" dirty="0">
-              <a:solidFill>
-                <a:schemeClr val="tx1"/>
-              </a:solidFill>
-              <a:latin typeface="メイリオ"/>
-              <a:ea typeface="メイリオ"/>
-              <a:cs typeface="メイリオ"/>
-            </a:endParaRPr>
-          </a:p>
-        </p:txBody>
-      </p:sp>
-      <p:sp>
-        <p:nvSpPr>
-          <p:cNvPr id="36" name="上下矢印 35"/>
-          <p:cNvSpPr/>
-          <p:nvPr/>
-        </p:nvSpPr>
-        <p:spPr>
-          <a:xfrm rot="2251176">
-            <a:off x="1666107" y="1135266"/>
-            <a:ext cx="172863" cy="406000"/>
-          </a:xfrm>
-          <a:prstGeom prst="upDownArrow">
-            <a:avLst/>
-          </a:prstGeom>
-          <a:solidFill>
-            <a:srgbClr val="FF0000"/>
-          </a:solidFill>
-          <a:effectLst/>
-        </p:spPr>
-        <p:style>
-          <a:lnRef idx="1">
-            <a:schemeClr val="accent1"/>
-          </a:lnRef>
-          <a:fillRef idx="3">
-            <a:schemeClr val="accent1"/>
-          </a:fillRef>
-          <a:effectRef idx="2">
-            <a:schemeClr val="accent1"/>
-          </a:effectRef>
-          <a:fontRef idx="minor">
-            <a:schemeClr val="lt1"/>
-          </a:fontRef>
-        </p:style>
-        <p:txBody>
-          <a:bodyPr rtlCol="0" anchor="ctr"/>
-          <a:lstStyle/>
-          <a:p>
-            <a:pPr algn="ctr"/>
-            <a:endParaRPr kumimoji="1" lang="ja-JP" altLang="en-US" sz="1200" dirty="0">
-              <a:solidFill>
-                <a:schemeClr val="tx1"/>
-              </a:solidFill>
               <a:latin typeface="メイリオ"/>
               <a:ea typeface="メイリオ"/>
               <a:cs typeface="メイリオ"/>
